--- a/presentation/Development of Credit Risk Model for ‘LZ.pptx
+++ b/presentation/Development of Credit Risk Model for ‘LZ.pptx
@@ -2,7 +2,7 @@
 <file path=ppt/presentation.xml><?xml version="1.0" encoding="utf-8"?>
 <p:presentation xmlns:a="http://schemas.openxmlformats.org/drawingml/2006/main" xmlns:r="http://schemas.openxmlformats.org/officeDocument/2006/relationships" xmlns:p="http://schemas.openxmlformats.org/presentationml/2006/main" saveSubsetFonts="1">
   <p:sldMasterIdLst>
-    <p:sldMasterId id="2147483660" r:id="rId1"/>
+    <p:sldMasterId id="2147483672" r:id="rId1"/>
   </p:sldMasterIdLst>
   <p:notesMasterIdLst>
     <p:notesMasterId r:id="rId19"/>
@@ -484,14 +484,6 @@
 <file path=ppt/slideLayouts/slideLayout1.xml><?xml version="1.0" encoding="utf-8"?>
 <p:sldLayout xmlns:a="http://schemas.openxmlformats.org/drawingml/2006/main" xmlns:r="http://schemas.openxmlformats.org/officeDocument/2006/relationships" xmlns:p="http://schemas.openxmlformats.org/presentationml/2006/main" type="title" preserve="1">
   <p:cSld name="Title Slide">
-    <p:bg>
-      <p:bgPr>
-        <a:solidFill>
-          <a:schemeClr val="accent2"/>
-        </a:solidFill>
-        <a:effectLst/>
-      </p:bgPr>
-    </p:bg>
     <p:spTree>
       <p:nvGrpSpPr>
         <p:cNvPr id="1" name=""/>
@@ -516,31 +508,17 @@
             <p:ph type="ctrTitle"/>
           </p:nvPr>
         </p:nvSpPr>
-        <p:spPr bwMode="blackWhite">
-          <a:xfrm>
-            <a:off x="1600200" y="2386744"/>
-            <a:ext cx="8991600" cy="1645920"/>
-          </a:xfrm>
-          <a:solidFill>
-            <a:srgbClr val="FFFFFF"/>
-          </a:solidFill>
-          <a:ln w="38100">
-            <a:solidFill>
-              <a:srgbClr val="404040"/>
-            </a:solidFill>
-          </a:ln>
-        </p:spPr>
-        <p:txBody>
-          <a:bodyPr lIns="274320" rIns="274320" anchor="ctr" anchorCtr="1">
-            <a:normAutofit/>
-          </a:bodyPr>
+        <p:spPr>
+          <a:xfrm>
+            <a:off x="1154955" y="1447800"/>
+            <a:ext cx="8825658" cy="3329581"/>
+          </a:xfrm>
+        </p:spPr>
+        <p:txBody>
+          <a:bodyPr anchor="b"/>
           <a:lstStyle>
-            <a:lvl1pPr algn="ctr">
-              <a:defRPr sz="3800">
-                <a:solidFill>
-                  <a:srgbClr val="262626"/>
-                </a:solidFill>
-              </a:defRPr>
+            <a:lvl1pPr>
+              <a:defRPr sz="7200"/>
             </a:lvl1pPr>
           </a:lstStyle>
           <a:p>
@@ -564,58 +542,103 @@
         </p:nvSpPr>
         <p:spPr>
           <a:xfrm>
-            <a:off x="2695194" y="4352544"/>
-            <a:ext cx="6801612" cy="1239894"/>
-          </a:xfrm>
-          <a:noFill/>
-        </p:spPr>
-        <p:txBody>
-          <a:bodyPr>
-            <a:normAutofit/>
-          </a:bodyPr>
+            <a:off x="1154955" y="4777380"/>
+            <a:ext cx="8825658" cy="861420"/>
+          </a:xfrm>
+        </p:spPr>
+        <p:txBody>
+          <a:bodyPr anchor="t"/>
           <a:lstStyle>
-            <a:lvl1pPr marL="0" indent="0" algn="ctr">
-              <a:buNone/>
-              <a:defRPr sz="2000">
+            <a:lvl1pPr marL="0" indent="0" algn="l">
+              <a:buNone/>
+              <a:defRPr cap="all">
                 <a:solidFill>
-                  <a:schemeClr val="tx1">
-                    <a:lumMod val="75000"/>
-                    <a:lumOff val="25000"/>
+                  <a:schemeClr val="bg2">
+                    <a:lumMod val="40000"/>
+                    <a:lumOff val="60000"/>
                   </a:schemeClr>
                 </a:solidFill>
               </a:defRPr>
             </a:lvl1pPr>
             <a:lvl2pPr marL="457200" indent="0" algn="ctr">
               <a:buNone/>
-              <a:defRPr sz="2000"/>
+              <a:defRPr>
+                <a:solidFill>
+                  <a:schemeClr val="tx1">
+                    <a:tint val="75000"/>
+                  </a:schemeClr>
+                </a:solidFill>
+              </a:defRPr>
             </a:lvl2pPr>
             <a:lvl3pPr marL="914400" indent="0" algn="ctr">
               <a:buNone/>
-              <a:defRPr sz="1800"/>
+              <a:defRPr>
+                <a:solidFill>
+                  <a:schemeClr val="tx1">
+                    <a:tint val="75000"/>
+                  </a:schemeClr>
+                </a:solidFill>
+              </a:defRPr>
             </a:lvl3pPr>
             <a:lvl4pPr marL="1371600" indent="0" algn="ctr">
               <a:buNone/>
-              <a:defRPr sz="1600"/>
+              <a:defRPr>
+                <a:solidFill>
+                  <a:schemeClr val="tx1">
+                    <a:tint val="75000"/>
+                  </a:schemeClr>
+                </a:solidFill>
+              </a:defRPr>
             </a:lvl4pPr>
             <a:lvl5pPr marL="1828800" indent="0" algn="ctr">
               <a:buNone/>
-              <a:defRPr sz="1600"/>
+              <a:defRPr>
+                <a:solidFill>
+                  <a:schemeClr val="tx1">
+                    <a:tint val="75000"/>
+                  </a:schemeClr>
+                </a:solidFill>
+              </a:defRPr>
             </a:lvl5pPr>
             <a:lvl6pPr marL="2286000" indent="0" algn="ctr">
               <a:buNone/>
-              <a:defRPr sz="1600"/>
+              <a:defRPr>
+                <a:solidFill>
+                  <a:schemeClr val="tx1">
+                    <a:tint val="75000"/>
+                  </a:schemeClr>
+                </a:solidFill>
+              </a:defRPr>
             </a:lvl6pPr>
             <a:lvl7pPr marL="2743200" indent="0" algn="ctr">
               <a:buNone/>
-              <a:defRPr sz="1600"/>
+              <a:defRPr>
+                <a:solidFill>
+                  <a:schemeClr val="tx1">
+                    <a:tint val="75000"/>
+                  </a:schemeClr>
+                </a:solidFill>
+              </a:defRPr>
             </a:lvl7pPr>
             <a:lvl8pPr marL="3200400" indent="0" algn="ctr">
               <a:buNone/>
-              <a:defRPr sz="1600"/>
+              <a:defRPr>
+                <a:solidFill>
+                  <a:schemeClr val="tx1">
+                    <a:tint val="75000"/>
+                  </a:schemeClr>
+                </a:solidFill>
+              </a:defRPr>
             </a:lvl8pPr>
             <a:lvl9pPr marL="3657600" indent="0" algn="ctr">
               <a:buNone/>
-              <a:defRPr sz="1600"/>
+              <a:defRPr>
+                <a:solidFill>
+                  <a:schemeClr val="tx1">
+                    <a:tint val="75000"/>
+                  </a:schemeClr>
+                </a:solidFill>
+              </a:defRPr>
             </a:lvl9pPr>
           </a:lstStyle>
           <a:p>
@@ -629,7 +652,7 @@
       </p:sp>
       <p:sp>
         <p:nvSpPr>
-          <p:cNvPr id="7" name="Date Placeholder 6"/>
+          <p:cNvPr id="4" name="Date Placeholder 3"/>
           <p:cNvSpPr>
             <a:spLocks noGrp="1"/>
           </p:cNvSpPr>
@@ -642,7 +665,7 @@
           <a:bodyPr/>
           <a:lstStyle/>
           <a:p>
-            <a:fld id="{2A756B01-A9A7-4A52-8711-9EFF07F9A3D5}" type="datetime1">
+            <a:fld id="{EBF06B08-42BB-403D-8313-E65955E54C82}" type="datetime1">
               <a:rPr lang="en-IN" smtClean="0"/>
               <a:t>20-09-2025</a:t>
             </a:fld>
@@ -652,7 +675,7 @@
       </p:sp>
       <p:sp>
         <p:nvSpPr>
-          <p:cNvPr id="8" name="Footer Placeholder 7"/>
+          <p:cNvPr id="5" name="Footer Placeholder 4"/>
           <p:cNvSpPr>
             <a:spLocks noGrp="1"/>
           </p:cNvSpPr>
@@ -667,14 +690,14 @@
           <a:p>
             <a:r>
               <a:rPr lang="en-IN"/>
-              <a:t>Copyright by LIVS AI</a:t>
-            </a:r>
-          </a:p>
-        </p:txBody>
-      </p:sp>
-      <p:sp>
-        <p:nvSpPr>
-          <p:cNvPr id="9" name="Slide Number Placeholder 8"/>
+              <a:t>Copyright by LIVIS AI</a:t>
+            </a:r>
+          </a:p>
+        </p:txBody>
+      </p:sp>
+      <p:sp>
+        <p:nvSpPr>
+          <p:cNvPr id="6" name="Slide Number Placeholder 5"/>
           <p:cNvSpPr>
             <a:spLocks noGrp="1"/>
           </p:cNvSpPr>
@@ -698,17 +721,2601 @@
     </p:spTree>
     <p:extLst>
       <p:ext uri="{BB962C8B-B14F-4D97-AF65-F5344CB8AC3E}">
-        <p14:creationId xmlns:p14="http://schemas.microsoft.com/office/powerpoint/2010/main" val="198715942"/>
+        <p14:creationId xmlns:p14="http://schemas.microsoft.com/office/powerpoint/2010/main" val="1783609132"/>
       </p:ext>
     </p:extLst>
   </p:cSld>
   <p:clrMapOvr>
-    <a:overrideClrMapping bg1="dk1" tx1="lt1" bg2="dk2" tx2="lt2" accent1="accent1" accent2="accent2" accent3="accent3" accent4="accent4" accent5="accent5" accent6="accent6" hlink="hlink" folHlink="folHlink"/>
+    <a:masterClrMapping/>
   </p:clrMapOvr>
 </p:sldLayout>
 </file>
 
 <file path=ppt/slideLayouts/slideLayout10.xml><?xml version="1.0" encoding="utf-8"?>
+<p:sldLayout xmlns:a="http://schemas.openxmlformats.org/drawingml/2006/main" xmlns:r="http://schemas.openxmlformats.org/officeDocument/2006/relationships" xmlns:p="http://schemas.openxmlformats.org/presentationml/2006/main" preserve="1">
+  <p:cSld name="Panoramic Picture with Caption">
+    <p:spTree>
+      <p:nvGrpSpPr>
+        <p:cNvPr id="1" name=""/>
+        <p:cNvGrpSpPr/>
+        <p:nvPr/>
+      </p:nvGrpSpPr>
+      <p:grpSpPr>
+        <a:xfrm>
+          <a:off x="0" y="0"/>
+          <a:ext cx="0" cy="0"/>
+          <a:chOff x="0" y="0"/>
+          <a:chExt cx="0" cy="0"/>
+        </a:xfrm>
+      </p:grpSpPr>
+      <p:sp>
+        <p:nvSpPr>
+          <p:cNvPr id="2" name="Title 1"/>
+          <p:cNvSpPr>
+            <a:spLocks noGrp="1"/>
+          </p:cNvSpPr>
+          <p:nvPr>
+            <p:ph type="title"/>
+          </p:nvPr>
+        </p:nvSpPr>
+        <p:spPr>
+          <a:xfrm>
+            <a:off x="1154956" y="4800587"/>
+            <a:ext cx="8825657" cy="566738"/>
+          </a:xfrm>
+        </p:spPr>
+        <p:txBody>
+          <a:bodyPr anchor="b">
+            <a:normAutofit/>
+          </a:bodyPr>
+          <a:lstStyle>
+            <a:lvl1pPr algn="l">
+              <a:defRPr sz="2400" b="0"/>
+            </a:lvl1pPr>
+          </a:lstStyle>
+          <a:p>
+            <a:r>
+              <a:rPr lang="en-US"/>
+              <a:t>Click to edit Master title style</a:t>
+            </a:r>
+            <a:endParaRPr lang="en-US" dirty="0"/>
+          </a:p>
+        </p:txBody>
+      </p:sp>
+      <p:sp>
+        <p:nvSpPr>
+          <p:cNvPr id="3" name="Picture Placeholder 2"/>
+          <p:cNvSpPr>
+            <a:spLocks noGrp="1" noChangeAspect="1"/>
+          </p:cNvSpPr>
+          <p:nvPr>
+            <p:ph type="pic" idx="1"/>
+          </p:nvPr>
+        </p:nvSpPr>
+        <p:spPr>
+          <a:xfrm>
+            <a:off x="1154955" y="685800"/>
+            <a:ext cx="8825658" cy="3640666"/>
+          </a:xfrm>
+          <a:prstGeom prst="roundRect">
+            <a:avLst>
+              <a:gd name="adj" fmla="val 1858"/>
+            </a:avLst>
+          </a:prstGeom>
+          <a:effectLst>
+            <a:outerShdw blurRad="50800" dist="50800" dir="5400000" algn="tl" rotWithShape="0">
+              <a:srgbClr val="000000">
+                <a:alpha val="43000"/>
+              </a:srgbClr>
+            </a:outerShdw>
+          </a:effectLst>
+        </p:spPr>
+        <p:txBody>
+          <a:bodyPr anchor="t">
+            <a:normAutofit/>
+          </a:bodyPr>
+          <a:lstStyle>
+            <a:lvl1pPr marL="0" indent="0" algn="ctr">
+              <a:buNone/>
+              <a:defRPr sz="1600"/>
+            </a:lvl1pPr>
+            <a:lvl2pPr marL="457200" indent="0">
+              <a:buNone/>
+              <a:defRPr sz="1600"/>
+            </a:lvl2pPr>
+            <a:lvl3pPr marL="914400" indent="0">
+              <a:buNone/>
+              <a:defRPr sz="1600"/>
+            </a:lvl3pPr>
+            <a:lvl4pPr marL="1371600" indent="0">
+              <a:buNone/>
+              <a:defRPr sz="1600"/>
+            </a:lvl4pPr>
+            <a:lvl5pPr marL="1828800" indent="0">
+              <a:buNone/>
+              <a:defRPr sz="1600"/>
+            </a:lvl5pPr>
+            <a:lvl6pPr marL="2286000" indent="0">
+              <a:buNone/>
+              <a:defRPr sz="1600"/>
+            </a:lvl6pPr>
+            <a:lvl7pPr marL="2743200" indent="0">
+              <a:buNone/>
+              <a:defRPr sz="1600"/>
+            </a:lvl7pPr>
+            <a:lvl8pPr marL="3200400" indent="0">
+              <a:buNone/>
+              <a:defRPr sz="1600"/>
+            </a:lvl8pPr>
+            <a:lvl9pPr marL="3657600" indent="0">
+              <a:buNone/>
+              <a:defRPr sz="1600"/>
+            </a:lvl9pPr>
+          </a:lstStyle>
+          <a:p>
+            <a:r>
+              <a:rPr lang="en-US"/>
+              <a:t>Click icon to add picture</a:t>
+            </a:r>
+            <a:endParaRPr lang="en-US" dirty="0"/>
+          </a:p>
+        </p:txBody>
+      </p:sp>
+      <p:sp>
+        <p:nvSpPr>
+          <p:cNvPr id="4" name="Text Placeholder 3"/>
+          <p:cNvSpPr>
+            <a:spLocks noGrp="1"/>
+          </p:cNvSpPr>
+          <p:nvPr>
+            <p:ph type="body" sz="half" idx="2"/>
+          </p:nvPr>
+        </p:nvSpPr>
+        <p:spPr>
+          <a:xfrm>
+            <a:off x="1154956" y="5367325"/>
+            <a:ext cx="8825656" cy="493712"/>
+          </a:xfrm>
+        </p:spPr>
+        <p:txBody>
+          <a:bodyPr>
+            <a:normAutofit/>
+          </a:bodyPr>
+          <a:lstStyle>
+            <a:lvl1pPr marL="0" indent="0">
+              <a:buNone/>
+              <a:defRPr sz="1200"/>
+            </a:lvl1pPr>
+            <a:lvl2pPr marL="457200" indent="0">
+              <a:buNone/>
+              <a:defRPr sz="1200"/>
+            </a:lvl2pPr>
+            <a:lvl3pPr marL="914400" indent="0">
+              <a:buNone/>
+              <a:defRPr sz="1000"/>
+            </a:lvl3pPr>
+            <a:lvl4pPr marL="1371600" indent="0">
+              <a:buNone/>
+              <a:defRPr sz="900"/>
+            </a:lvl4pPr>
+            <a:lvl5pPr marL="1828800" indent="0">
+              <a:buNone/>
+              <a:defRPr sz="900"/>
+            </a:lvl5pPr>
+            <a:lvl6pPr marL="2286000" indent="0">
+              <a:buNone/>
+              <a:defRPr sz="900"/>
+            </a:lvl6pPr>
+            <a:lvl7pPr marL="2743200" indent="0">
+              <a:buNone/>
+              <a:defRPr sz="900"/>
+            </a:lvl7pPr>
+            <a:lvl8pPr marL="3200400" indent="0">
+              <a:buNone/>
+              <a:defRPr sz="900"/>
+            </a:lvl8pPr>
+            <a:lvl9pPr marL="3657600" indent="0">
+              <a:buNone/>
+              <a:defRPr sz="900"/>
+            </a:lvl9pPr>
+          </a:lstStyle>
+          <a:p>
+            <a:pPr lvl="0"/>
+            <a:r>
+              <a:rPr lang="en-US"/>
+              <a:t>Click to edit Master text styles</a:t>
+            </a:r>
+          </a:p>
+        </p:txBody>
+      </p:sp>
+      <p:sp>
+        <p:nvSpPr>
+          <p:cNvPr id="5" name="Date Placeholder 4"/>
+          <p:cNvSpPr>
+            <a:spLocks noGrp="1"/>
+          </p:cNvSpPr>
+          <p:nvPr>
+            <p:ph type="dt" sz="half" idx="10"/>
+          </p:nvPr>
+        </p:nvSpPr>
+        <p:spPr/>
+        <p:txBody>
+          <a:bodyPr/>
+          <a:lstStyle/>
+          <a:p>
+            <a:fld id="{A09D0B2B-36A3-43E0-8914-3812F1EA5735}" type="datetime1">
+              <a:rPr lang="en-IN" smtClean="0"/>
+              <a:t>20-09-2025</a:t>
+            </a:fld>
+            <a:endParaRPr lang="en-IN"/>
+          </a:p>
+        </p:txBody>
+      </p:sp>
+      <p:sp>
+        <p:nvSpPr>
+          <p:cNvPr id="6" name="Footer Placeholder 5"/>
+          <p:cNvSpPr>
+            <a:spLocks noGrp="1"/>
+          </p:cNvSpPr>
+          <p:nvPr>
+            <p:ph type="ftr" sz="quarter" idx="11"/>
+          </p:nvPr>
+        </p:nvSpPr>
+        <p:spPr/>
+        <p:txBody>
+          <a:bodyPr/>
+          <a:lstStyle/>
+          <a:p>
+            <a:r>
+              <a:rPr lang="en-IN"/>
+              <a:t>Copyright by LIVIS AI</a:t>
+            </a:r>
+          </a:p>
+        </p:txBody>
+      </p:sp>
+      <p:sp>
+        <p:nvSpPr>
+          <p:cNvPr id="7" name="Slide Number Placeholder 6"/>
+          <p:cNvSpPr>
+            <a:spLocks noGrp="1"/>
+          </p:cNvSpPr>
+          <p:nvPr>
+            <p:ph type="sldNum" sz="quarter" idx="12"/>
+          </p:nvPr>
+        </p:nvSpPr>
+        <p:spPr/>
+        <p:txBody>
+          <a:bodyPr/>
+          <a:lstStyle/>
+          <a:p>
+            <a:fld id="{BC84CBAD-C965-4D89-BCBB-ACF66ED60435}" type="slidenum">
+              <a:rPr lang="en-IN" smtClean="0"/>
+              <a:t>‹#›</a:t>
+            </a:fld>
+            <a:endParaRPr lang="en-IN"/>
+          </a:p>
+        </p:txBody>
+      </p:sp>
+    </p:spTree>
+    <p:extLst>
+      <p:ext uri="{BB962C8B-B14F-4D97-AF65-F5344CB8AC3E}">
+        <p14:creationId xmlns:p14="http://schemas.microsoft.com/office/powerpoint/2010/main" val="4288199646"/>
+      </p:ext>
+    </p:extLst>
+  </p:cSld>
+  <p:clrMapOvr>
+    <a:masterClrMapping/>
+  </p:clrMapOvr>
+</p:sldLayout>
+</file>
+
+<file path=ppt/slideLayouts/slideLayout11.xml><?xml version="1.0" encoding="utf-8"?>
+<p:sldLayout xmlns:a="http://schemas.openxmlformats.org/drawingml/2006/main" xmlns:r="http://schemas.openxmlformats.org/officeDocument/2006/relationships" xmlns:p="http://schemas.openxmlformats.org/presentationml/2006/main" preserve="1">
+  <p:cSld name="Title and Caption">
+    <p:spTree>
+      <p:nvGrpSpPr>
+        <p:cNvPr id="1" name=""/>
+        <p:cNvGrpSpPr/>
+        <p:nvPr/>
+      </p:nvGrpSpPr>
+      <p:grpSpPr>
+        <a:xfrm>
+          <a:off x="0" y="0"/>
+          <a:ext cx="0" cy="0"/>
+          <a:chOff x="0" y="0"/>
+          <a:chExt cx="0" cy="0"/>
+        </a:xfrm>
+      </p:grpSpPr>
+      <p:sp>
+        <p:nvSpPr>
+          <p:cNvPr id="2" name="Title 1"/>
+          <p:cNvSpPr>
+            <a:spLocks noGrp="1"/>
+          </p:cNvSpPr>
+          <p:nvPr>
+            <p:ph type="title"/>
+          </p:nvPr>
+        </p:nvSpPr>
+        <p:spPr>
+          <a:xfrm>
+            <a:off x="1154954" y="1447800"/>
+            <a:ext cx="8825659" cy="1981200"/>
+          </a:xfrm>
+        </p:spPr>
+        <p:txBody>
+          <a:bodyPr/>
+          <a:lstStyle>
+            <a:lvl1pPr>
+              <a:defRPr sz="4800"/>
+            </a:lvl1pPr>
+          </a:lstStyle>
+          <a:p>
+            <a:r>
+              <a:rPr lang="en-US"/>
+              <a:t>Click to edit Master title style</a:t>
+            </a:r>
+            <a:endParaRPr lang="en-US" dirty="0"/>
+          </a:p>
+        </p:txBody>
+      </p:sp>
+      <p:sp>
+        <p:nvSpPr>
+          <p:cNvPr id="8" name="Text Placeholder 3"/>
+          <p:cNvSpPr>
+            <a:spLocks noGrp="1"/>
+          </p:cNvSpPr>
+          <p:nvPr>
+            <p:ph type="body" sz="half" idx="2"/>
+          </p:nvPr>
+        </p:nvSpPr>
+        <p:spPr>
+          <a:xfrm>
+            <a:off x="1154954" y="3657600"/>
+            <a:ext cx="8825659" cy="2362200"/>
+          </a:xfrm>
+        </p:spPr>
+        <p:txBody>
+          <a:bodyPr anchor="ctr">
+            <a:normAutofit/>
+          </a:bodyPr>
+          <a:lstStyle>
+            <a:lvl1pPr marL="0" indent="0">
+              <a:buNone/>
+              <a:defRPr sz="1800"/>
+            </a:lvl1pPr>
+            <a:lvl2pPr marL="457200" indent="0">
+              <a:buNone/>
+              <a:defRPr sz="1200"/>
+            </a:lvl2pPr>
+            <a:lvl3pPr marL="914400" indent="0">
+              <a:buNone/>
+              <a:defRPr sz="1000"/>
+            </a:lvl3pPr>
+            <a:lvl4pPr marL="1371600" indent="0">
+              <a:buNone/>
+              <a:defRPr sz="900"/>
+            </a:lvl4pPr>
+            <a:lvl5pPr marL="1828800" indent="0">
+              <a:buNone/>
+              <a:defRPr sz="900"/>
+            </a:lvl5pPr>
+            <a:lvl6pPr marL="2286000" indent="0">
+              <a:buNone/>
+              <a:defRPr sz="900"/>
+            </a:lvl6pPr>
+            <a:lvl7pPr marL="2743200" indent="0">
+              <a:buNone/>
+              <a:defRPr sz="900"/>
+            </a:lvl7pPr>
+            <a:lvl8pPr marL="3200400" indent="0">
+              <a:buNone/>
+              <a:defRPr sz="900"/>
+            </a:lvl8pPr>
+            <a:lvl9pPr marL="3657600" indent="0">
+              <a:buNone/>
+              <a:defRPr sz="900"/>
+            </a:lvl9pPr>
+          </a:lstStyle>
+          <a:p>
+            <a:pPr lvl="0"/>
+            <a:r>
+              <a:rPr lang="en-US"/>
+              <a:t>Click to edit Master text styles</a:t>
+            </a:r>
+          </a:p>
+        </p:txBody>
+      </p:sp>
+      <p:sp>
+        <p:nvSpPr>
+          <p:cNvPr id="4" name="Date Placeholder 3"/>
+          <p:cNvSpPr>
+            <a:spLocks noGrp="1"/>
+          </p:cNvSpPr>
+          <p:nvPr>
+            <p:ph type="dt" sz="half" idx="10"/>
+          </p:nvPr>
+        </p:nvSpPr>
+        <p:spPr/>
+        <p:txBody>
+          <a:bodyPr/>
+          <a:lstStyle/>
+          <a:p>
+            <a:fld id="{888AFCB0-EB5E-4756-B28E-4E6FF1BC798A}" type="datetime1">
+              <a:rPr lang="en-IN" smtClean="0"/>
+              <a:t>20-09-2025</a:t>
+            </a:fld>
+            <a:endParaRPr lang="en-IN"/>
+          </a:p>
+        </p:txBody>
+      </p:sp>
+      <p:sp>
+        <p:nvSpPr>
+          <p:cNvPr id="5" name="Footer Placeholder 4"/>
+          <p:cNvSpPr>
+            <a:spLocks noGrp="1"/>
+          </p:cNvSpPr>
+          <p:nvPr>
+            <p:ph type="ftr" sz="quarter" idx="11"/>
+          </p:nvPr>
+        </p:nvSpPr>
+        <p:spPr/>
+        <p:txBody>
+          <a:bodyPr/>
+          <a:lstStyle/>
+          <a:p>
+            <a:r>
+              <a:rPr lang="en-IN"/>
+              <a:t>Copyright by LIVIS AI</a:t>
+            </a:r>
+          </a:p>
+        </p:txBody>
+      </p:sp>
+      <p:sp>
+        <p:nvSpPr>
+          <p:cNvPr id="6" name="Slide Number Placeholder 5"/>
+          <p:cNvSpPr>
+            <a:spLocks noGrp="1"/>
+          </p:cNvSpPr>
+          <p:nvPr>
+            <p:ph type="sldNum" sz="quarter" idx="12"/>
+          </p:nvPr>
+        </p:nvSpPr>
+        <p:spPr/>
+        <p:txBody>
+          <a:bodyPr/>
+          <a:lstStyle/>
+          <a:p>
+            <a:fld id="{BC84CBAD-C965-4D89-BCBB-ACF66ED60435}" type="slidenum">
+              <a:rPr lang="en-IN" smtClean="0"/>
+              <a:t>‹#›</a:t>
+            </a:fld>
+            <a:endParaRPr lang="en-IN"/>
+          </a:p>
+        </p:txBody>
+      </p:sp>
+    </p:spTree>
+    <p:extLst>
+      <p:ext uri="{BB962C8B-B14F-4D97-AF65-F5344CB8AC3E}">
+        <p14:creationId xmlns:p14="http://schemas.microsoft.com/office/powerpoint/2010/main" val="1059128932"/>
+      </p:ext>
+    </p:extLst>
+  </p:cSld>
+  <p:clrMapOvr>
+    <a:masterClrMapping/>
+  </p:clrMapOvr>
+</p:sldLayout>
+</file>
+
+<file path=ppt/slideLayouts/slideLayout12.xml><?xml version="1.0" encoding="utf-8"?>
+<p:sldLayout xmlns:a="http://schemas.openxmlformats.org/drawingml/2006/main" xmlns:r="http://schemas.openxmlformats.org/officeDocument/2006/relationships" xmlns:p="http://schemas.openxmlformats.org/presentationml/2006/main" preserve="1">
+  <p:cSld name="Quote with Caption">
+    <p:spTree>
+      <p:nvGrpSpPr>
+        <p:cNvPr id="1" name=""/>
+        <p:cNvGrpSpPr/>
+        <p:nvPr/>
+      </p:nvGrpSpPr>
+      <p:grpSpPr>
+        <a:xfrm>
+          <a:off x="0" y="0"/>
+          <a:ext cx="0" cy="0"/>
+          <a:chOff x="0" y="0"/>
+          <a:chExt cx="0" cy="0"/>
+        </a:xfrm>
+      </p:grpSpPr>
+      <p:sp>
+        <p:nvSpPr>
+          <p:cNvPr id="2" name="Title 1"/>
+          <p:cNvSpPr>
+            <a:spLocks noGrp="1"/>
+          </p:cNvSpPr>
+          <p:nvPr>
+            <p:ph type="title"/>
+          </p:nvPr>
+        </p:nvSpPr>
+        <p:spPr>
+          <a:xfrm>
+            <a:off x="1574801" y="1447800"/>
+            <a:ext cx="7999315" cy="2323374"/>
+          </a:xfrm>
+        </p:spPr>
+        <p:txBody>
+          <a:bodyPr/>
+          <a:lstStyle>
+            <a:lvl1pPr>
+              <a:defRPr sz="4800"/>
+            </a:lvl1pPr>
+          </a:lstStyle>
+          <a:p>
+            <a:r>
+              <a:rPr lang="en-US"/>
+              <a:t>Click to edit Master title style</a:t>
+            </a:r>
+            <a:endParaRPr lang="en-US" dirty="0"/>
+          </a:p>
+        </p:txBody>
+      </p:sp>
+      <p:sp>
+        <p:nvSpPr>
+          <p:cNvPr id="11" name="Text Placeholder 3"/>
+          <p:cNvSpPr>
+            <a:spLocks noGrp="1"/>
+          </p:cNvSpPr>
+          <p:nvPr>
+            <p:ph type="body" sz="half" idx="14"/>
+          </p:nvPr>
+        </p:nvSpPr>
+        <p:spPr>
+          <a:xfrm>
+            <a:off x="1930400" y="3771174"/>
+            <a:ext cx="7279649" cy="342174"/>
+          </a:xfrm>
+        </p:spPr>
+        <p:txBody>
+          <a:bodyPr vert="horz" lIns="91440" tIns="45720" rIns="91440" bIns="45720" rtlCol="0" anchor="t">
+            <a:normAutofit/>
+          </a:bodyPr>
+          <a:lstStyle>
+            <a:lvl1pPr marL="0" indent="0">
+              <a:buNone/>
+              <a:defRPr lang="en-US" sz="1400" b="0" i="0" kern="1200" cap="small" dirty="0">
+                <a:solidFill>
+                  <a:schemeClr val="bg2">
+                    <a:lumMod val="40000"/>
+                    <a:lumOff val="60000"/>
+                  </a:schemeClr>
+                </a:solidFill>
+                <a:latin typeface="+mj-lt"/>
+                <a:ea typeface="+mj-ea"/>
+                <a:cs typeface="+mj-cs"/>
+              </a:defRPr>
+            </a:lvl1pPr>
+            <a:lvl2pPr marL="457200" indent="0">
+              <a:buNone/>
+              <a:defRPr sz="1200"/>
+            </a:lvl2pPr>
+            <a:lvl3pPr marL="914400" indent="0">
+              <a:buNone/>
+              <a:defRPr sz="1000"/>
+            </a:lvl3pPr>
+            <a:lvl4pPr marL="1371600" indent="0">
+              <a:buNone/>
+              <a:defRPr sz="900"/>
+            </a:lvl4pPr>
+            <a:lvl5pPr marL="1828800" indent="0">
+              <a:buNone/>
+              <a:defRPr sz="900"/>
+            </a:lvl5pPr>
+            <a:lvl6pPr marL="2286000" indent="0">
+              <a:buNone/>
+              <a:defRPr sz="900"/>
+            </a:lvl6pPr>
+            <a:lvl7pPr marL="2743200" indent="0">
+              <a:buNone/>
+              <a:defRPr sz="900"/>
+            </a:lvl7pPr>
+            <a:lvl8pPr marL="3200400" indent="0">
+              <a:buNone/>
+              <a:defRPr sz="900"/>
+            </a:lvl8pPr>
+            <a:lvl9pPr marL="3657600" indent="0">
+              <a:buNone/>
+              <a:defRPr sz="900"/>
+            </a:lvl9pPr>
+          </a:lstStyle>
+          <a:p>
+            <a:pPr marL="0" lvl="0" indent="0">
+              <a:buNone/>
+            </a:pPr>
+            <a:r>
+              <a:rPr lang="en-US"/>
+              <a:t>Click to edit Master text styles</a:t>
+            </a:r>
+          </a:p>
+        </p:txBody>
+      </p:sp>
+      <p:sp>
+        <p:nvSpPr>
+          <p:cNvPr id="10" name="Text Placeholder 3"/>
+          <p:cNvSpPr>
+            <a:spLocks noGrp="1"/>
+          </p:cNvSpPr>
+          <p:nvPr>
+            <p:ph type="body" sz="half" idx="2"/>
+          </p:nvPr>
+        </p:nvSpPr>
+        <p:spPr>
+          <a:xfrm>
+            <a:off x="1154954" y="4350657"/>
+            <a:ext cx="8825659" cy="1676400"/>
+          </a:xfrm>
+        </p:spPr>
+        <p:txBody>
+          <a:bodyPr anchor="ctr">
+            <a:normAutofit/>
+          </a:bodyPr>
+          <a:lstStyle>
+            <a:lvl1pPr marL="0" indent="0">
+              <a:buNone/>
+              <a:defRPr sz="1800"/>
+            </a:lvl1pPr>
+            <a:lvl2pPr marL="457200" indent="0">
+              <a:buNone/>
+              <a:defRPr sz="1200"/>
+            </a:lvl2pPr>
+            <a:lvl3pPr marL="914400" indent="0">
+              <a:buNone/>
+              <a:defRPr sz="1000"/>
+            </a:lvl3pPr>
+            <a:lvl4pPr marL="1371600" indent="0">
+              <a:buNone/>
+              <a:defRPr sz="900"/>
+            </a:lvl4pPr>
+            <a:lvl5pPr marL="1828800" indent="0">
+              <a:buNone/>
+              <a:defRPr sz="900"/>
+            </a:lvl5pPr>
+            <a:lvl6pPr marL="2286000" indent="0">
+              <a:buNone/>
+              <a:defRPr sz="900"/>
+            </a:lvl6pPr>
+            <a:lvl7pPr marL="2743200" indent="0">
+              <a:buNone/>
+              <a:defRPr sz="900"/>
+            </a:lvl7pPr>
+            <a:lvl8pPr marL="3200400" indent="0">
+              <a:buNone/>
+              <a:defRPr sz="900"/>
+            </a:lvl8pPr>
+            <a:lvl9pPr marL="3657600" indent="0">
+              <a:buNone/>
+              <a:defRPr sz="900"/>
+            </a:lvl9pPr>
+          </a:lstStyle>
+          <a:p>
+            <a:pPr lvl="0"/>
+            <a:r>
+              <a:rPr lang="en-US"/>
+              <a:t>Click to edit Master text styles</a:t>
+            </a:r>
+          </a:p>
+        </p:txBody>
+      </p:sp>
+      <p:sp>
+        <p:nvSpPr>
+          <p:cNvPr id="4" name="Date Placeholder 3"/>
+          <p:cNvSpPr>
+            <a:spLocks noGrp="1"/>
+          </p:cNvSpPr>
+          <p:nvPr>
+            <p:ph type="dt" sz="half" idx="10"/>
+          </p:nvPr>
+        </p:nvSpPr>
+        <p:spPr/>
+        <p:txBody>
+          <a:bodyPr/>
+          <a:lstStyle/>
+          <a:p>
+            <a:fld id="{AF1275FD-D67B-45A9-85D2-706BC2AEFBD7}" type="datetime1">
+              <a:rPr lang="en-IN" smtClean="0"/>
+              <a:t>20-09-2025</a:t>
+            </a:fld>
+            <a:endParaRPr lang="en-IN"/>
+          </a:p>
+        </p:txBody>
+      </p:sp>
+      <p:sp>
+        <p:nvSpPr>
+          <p:cNvPr id="5" name="Footer Placeholder 4"/>
+          <p:cNvSpPr>
+            <a:spLocks noGrp="1"/>
+          </p:cNvSpPr>
+          <p:nvPr>
+            <p:ph type="ftr" sz="quarter" idx="11"/>
+          </p:nvPr>
+        </p:nvSpPr>
+        <p:spPr/>
+        <p:txBody>
+          <a:bodyPr/>
+          <a:lstStyle/>
+          <a:p>
+            <a:r>
+              <a:rPr lang="en-IN"/>
+              <a:t>Copyright by LIVIS AI</a:t>
+            </a:r>
+          </a:p>
+        </p:txBody>
+      </p:sp>
+      <p:sp>
+        <p:nvSpPr>
+          <p:cNvPr id="6" name="Slide Number Placeholder 5"/>
+          <p:cNvSpPr>
+            <a:spLocks noGrp="1"/>
+          </p:cNvSpPr>
+          <p:nvPr>
+            <p:ph type="sldNum" sz="quarter" idx="12"/>
+          </p:nvPr>
+        </p:nvSpPr>
+        <p:spPr/>
+        <p:txBody>
+          <a:bodyPr/>
+          <a:lstStyle/>
+          <a:p>
+            <a:fld id="{BC84CBAD-C965-4D89-BCBB-ACF66ED60435}" type="slidenum">
+              <a:rPr lang="en-IN" smtClean="0"/>
+              <a:t>‹#›</a:t>
+            </a:fld>
+            <a:endParaRPr lang="en-IN"/>
+          </a:p>
+        </p:txBody>
+      </p:sp>
+      <p:sp>
+        <p:nvSpPr>
+          <p:cNvPr id="12" name="TextBox 11"/>
+          <p:cNvSpPr txBox="1"/>
+          <p:nvPr/>
+        </p:nvSpPr>
+        <p:spPr>
+          <a:xfrm>
+            <a:off x="898295" y="971253"/>
+            <a:ext cx="801912" cy="1969770"/>
+          </a:xfrm>
+          <a:prstGeom prst="rect">
+            <a:avLst/>
+          </a:prstGeom>
+          <a:noFill/>
+        </p:spPr>
+        <p:txBody>
+          <a:bodyPr wrap="square" rtlCol="0">
+            <a:spAutoFit/>
+          </a:bodyPr>
+          <a:lstStyle>
+            <a:defPPr>
+              <a:defRPr lang="en-US"/>
+            </a:defPPr>
+            <a:lvl1pPr algn="r">
+              <a:defRPr sz="12200" b="0" i="0">
+                <a:solidFill>
+                  <a:schemeClr val="bg2">
+                    <a:lumMod val="40000"/>
+                    <a:lumOff val="60000"/>
+                  </a:schemeClr>
+                </a:solidFill>
+                <a:latin typeface="Arial"/>
+                <a:ea typeface="+mj-ea"/>
+                <a:cs typeface="+mj-cs"/>
+              </a:defRPr>
+            </a:lvl1pPr>
+          </a:lstStyle>
+          <a:p>
+            <a:pPr lvl="0"/>
+            <a:r>
+              <a:rPr lang="en-US" dirty="0"/>
+              <a:t>“</a:t>
+            </a:r>
+          </a:p>
+        </p:txBody>
+      </p:sp>
+      <p:sp>
+        <p:nvSpPr>
+          <p:cNvPr id="15" name="TextBox 14"/>
+          <p:cNvSpPr txBox="1"/>
+          <p:nvPr/>
+        </p:nvSpPr>
+        <p:spPr>
+          <a:xfrm>
+            <a:off x="9330490" y="2613787"/>
+            <a:ext cx="801912" cy="1969770"/>
+          </a:xfrm>
+          <a:prstGeom prst="rect">
+            <a:avLst/>
+          </a:prstGeom>
+          <a:noFill/>
+        </p:spPr>
+        <p:txBody>
+          <a:bodyPr wrap="square" rtlCol="0">
+            <a:spAutoFit/>
+          </a:bodyPr>
+          <a:lstStyle>
+            <a:defPPr>
+              <a:defRPr lang="en-US"/>
+            </a:defPPr>
+            <a:lvl1pPr algn="r">
+              <a:defRPr sz="12200" b="0" i="0">
+                <a:solidFill>
+                  <a:schemeClr val="bg2">
+                    <a:lumMod val="40000"/>
+                    <a:lumOff val="60000"/>
+                  </a:schemeClr>
+                </a:solidFill>
+                <a:latin typeface="Arial"/>
+                <a:ea typeface="+mj-ea"/>
+                <a:cs typeface="+mj-cs"/>
+              </a:defRPr>
+            </a:lvl1pPr>
+          </a:lstStyle>
+          <a:p>
+            <a:pPr lvl="0"/>
+            <a:r>
+              <a:rPr lang="en-US" dirty="0"/>
+              <a:t>”</a:t>
+            </a:r>
+          </a:p>
+        </p:txBody>
+      </p:sp>
+    </p:spTree>
+    <p:extLst>
+      <p:ext uri="{BB962C8B-B14F-4D97-AF65-F5344CB8AC3E}">
+        <p14:creationId xmlns:p14="http://schemas.microsoft.com/office/powerpoint/2010/main" val="3027369142"/>
+      </p:ext>
+    </p:extLst>
+  </p:cSld>
+  <p:clrMapOvr>
+    <a:masterClrMapping/>
+  </p:clrMapOvr>
+</p:sldLayout>
+</file>
+
+<file path=ppt/slideLayouts/slideLayout13.xml><?xml version="1.0" encoding="utf-8"?>
+<p:sldLayout xmlns:a="http://schemas.openxmlformats.org/drawingml/2006/main" xmlns:r="http://schemas.openxmlformats.org/officeDocument/2006/relationships" xmlns:p="http://schemas.openxmlformats.org/presentationml/2006/main" preserve="1">
+  <p:cSld name="Name Card">
+    <p:spTree>
+      <p:nvGrpSpPr>
+        <p:cNvPr id="1" name=""/>
+        <p:cNvGrpSpPr/>
+        <p:nvPr/>
+      </p:nvGrpSpPr>
+      <p:grpSpPr>
+        <a:xfrm>
+          <a:off x="0" y="0"/>
+          <a:ext cx="0" cy="0"/>
+          <a:chOff x="0" y="0"/>
+          <a:chExt cx="0" cy="0"/>
+        </a:xfrm>
+      </p:grpSpPr>
+      <p:sp>
+        <p:nvSpPr>
+          <p:cNvPr id="2" name="Title 1"/>
+          <p:cNvSpPr>
+            <a:spLocks noGrp="1"/>
+          </p:cNvSpPr>
+          <p:nvPr>
+            <p:ph type="title"/>
+          </p:nvPr>
+        </p:nvSpPr>
+        <p:spPr>
+          <a:xfrm>
+            <a:off x="1154954" y="3124201"/>
+            <a:ext cx="8825660" cy="1653180"/>
+          </a:xfrm>
+        </p:spPr>
+        <p:txBody>
+          <a:bodyPr anchor="b"/>
+          <a:lstStyle>
+            <a:lvl1pPr algn="l">
+              <a:defRPr sz="4000" b="0" cap="none"/>
+            </a:lvl1pPr>
+          </a:lstStyle>
+          <a:p>
+            <a:r>
+              <a:rPr lang="en-US"/>
+              <a:t>Click to edit Master title style</a:t>
+            </a:r>
+            <a:endParaRPr lang="en-US" dirty="0"/>
+          </a:p>
+        </p:txBody>
+      </p:sp>
+      <p:sp>
+        <p:nvSpPr>
+          <p:cNvPr id="3" name="Text Placeholder 2"/>
+          <p:cNvSpPr>
+            <a:spLocks noGrp="1"/>
+          </p:cNvSpPr>
+          <p:nvPr>
+            <p:ph type="body" idx="1"/>
+          </p:nvPr>
+        </p:nvSpPr>
+        <p:spPr>
+          <a:xfrm>
+            <a:off x="1154954" y="4777381"/>
+            <a:ext cx="8825659" cy="860400"/>
+          </a:xfrm>
+        </p:spPr>
+        <p:txBody>
+          <a:bodyPr anchor="t"/>
+          <a:lstStyle>
+            <a:lvl1pPr marL="0" indent="0" algn="l">
+              <a:buNone/>
+              <a:defRPr sz="2000" cap="none">
+                <a:solidFill>
+                  <a:schemeClr val="bg2">
+                    <a:lumMod val="40000"/>
+                    <a:lumOff val="60000"/>
+                  </a:schemeClr>
+                </a:solidFill>
+              </a:defRPr>
+            </a:lvl1pPr>
+            <a:lvl2pPr marL="457200" indent="0">
+              <a:buNone/>
+              <a:defRPr sz="1800">
+                <a:solidFill>
+                  <a:schemeClr val="tx1">
+                    <a:tint val="75000"/>
+                  </a:schemeClr>
+                </a:solidFill>
+              </a:defRPr>
+            </a:lvl2pPr>
+            <a:lvl3pPr marL="914400" indent="0">
+              <a:buNone/>
+              <a:defRPr sz="1600">
+                <a:solidFill>
+                  <a:schemeClr val="tx1">
+                    <a:tint val="75000"/>
+                  </a:schemeClr>
+                </a:solidFill>
+              </a:defRPr>
+            </a:lvl3pPr>
+            <a:lvl4pPr marL="1371600" indent="0">
+              <a:buNone/>
+              <a:defRPr sz="1400">
+                <a:solidFill>
+                  <a:schemeClr val="tx1">
+                    <a:tint val="75000"/>
+                  </a:schemeClr>
+                </a:solidFill>
+              </a:defRPr>
+            </a:lvl4pPr>
+            <a:lvl5pPr marL="1828800" indent="0">
+              <a:buNone/>
+              <a:defRPr sz="1400">
+                <a:solidFill>
+                  <a:schemeClr val="tx1">
+                    <a:tint val="75000"/>
+                  </a:schemeClr>
+                </a:solidFill>
+              </a:defRPr>
+            </a:lvl5pPr>
+            <a:lvl6pPr marL="2286000" indent="0">
+              <a:buNone/>
+              <a:defRPr sz="1400">
+                <a:solidFill>
+                  <a:schemeClr val="tx1">
+                    <a:tint val="75000"/>
+                  </a:schemeClr>
+                </a:solidFill>
+              </a:defRPr>
+            </a:lvl6pPr>
+            <a:lvl7pPr marL="2743200" indent="0">
+              <a:buNone/>
+              <a:defRPr sz="1400">
+                <a:solidFill>
+                  <a:schemeClr val="tx1">
+                    <a:tint val="75000"/>
+                  </a:schemeClr>
+                </a:solidFill>
+              </a:defRPr>
+            </a:lvl7pPr>
+            <a:lvl8pPr marL="3200400" indent="0">
+              <a:buNone/>
+              <a:defRPr sz="1400">
+                <a:solidFill>
+                  <a:schemeClr val="tx1">
+                    <a:tint val="75000"/>
+                  </a:schemeClr>
+                </a:solidFill>
+              </a:defRPr>
+            </a:lvl8pPr>
+            <a:lvl9pPr marL="3657600" indent="0">
+              <a:buNone/>
+              <a:defRPr sz="1400">
+                <a:solidFill>
+                  <a:schemeClr val="tx1">
+                    <a:tint val="75000"/>
+                  </a:schemeClr>
+                </a:solidFill>
+              </a:defRPr>
+            </a:lvl9pPr>
+          </a:lstStyle>
+          <a:p>
+            <a:pPr lvl="0"/>
+            <a:r>
+              <a:rPr lang="en-US"/>
+              <a:t>Click to edit Master text styles</a:t>
+            </a:r>
+          </a:p>
+        </p:txBody>
+      </p:sp>
+      <p:sp>
+        <p:nvSpPr>
+          <p:cNvPr id="4" name="Date Placeholder 3"/>
+          <p:cNvSpPr>
+            <a:spLocks noGrp="1"/>
+          </p:cNvSpPr>
+          <p:nvPr>
+            <p:ph type="dt" sz="half" idx="10"/>
+          </p:nvPr>
+        </p:nvSpPr>
+        <p:spPr/>
+        <p:txBody>
+          <a:bodyPr/>
+          <a:lstStyle/>
+          <a:p>
+            <a:fld id="{E492953A-12A2-45CD-8F98-797828B99895}" type="datetime1">
+              <a:rPr lang="en-IN" smtClean="0"/>
+              <a:t>20-09-2025</a:t>
+            </a:fld>
+            <a:endParaRPr lang="en-IN"/>
+          </a:p>
+        </p:txBody>
+      </p:sp>
+      <p:sp>
+        <p:nvSpPr>
+          <p:cNvPr id="5" name="Footer Placeholder 4"/>
+          <p:cNvSpPr>
+            <a:spLocks noGrp="1"/>
+          </p:cNvSpPr>
+          <p:nvPr>
+            <p:ph type="ftr" sz="quarter" idx="11"/>
+          </p:nvPr>
+        </p:nvSpPr>
+        <p:spPr/>
+        <p:txBody>
+          <a:bodyPr/>
+          <a:lstStyle/>
+          <a:p>
+            <a:r>
+              <a:rPr lang="en-IN"/>
+              <a:t>Copyright by LIVIS AI</a:t>
+            </a:r>
+          </a:p>
+        </p:txBody>
+      </p:sp>
+      <p:sp>
+        <p:nvSpPr>
+          <p:cNvPr id="6" name="Slide Number Placeholder 5"/>
+          <p:cNvSpPr>
+            <a:spLocks noGrp="1"/>
+          </p:cNvSpPr>
+          <p:nvPr>
+            <p:ph type="sldNum" sz="quarter" idx="12"/>
+          </p:nvPr>
+        </p:nvSpPr>
+        <p:spPr/>
+        <p:txBody>
+          <a:bodyPr/>
+          <a:lstStyle/>
+          <a:p>
+            <a:fld id="{BC84CBAD-C965-4D89-BCBB-ACF66ED60435}" type="slidenum">
+              <a:rPr lang="en-IN" smtClean="0"/>
+              <a:t>‹#›</a:t>
+            </a:fld>
+            <a:endParaRPr lang="en-IN"/>
+          </a:p>
+        </p:txBody>
+      </p:sp>
+    </p:spTree>
+    <p:extLst>
+      <p:ext uri="{BB962C8B-B14F-4D97-AF65-F5344CB8AC3E}">
+        <p14:creationId xmlns:p14="http://schemas.microsoft.com/office/powerpoint/2010/main" val="571686147"/>
+      </p:ext>
+    </p:extLst>
+  </p:cSld>
+  <p:clrMapOvr>
+    <a:masterClrMapping/>
+  </p:clrMapOvr>
+</p:sldLayout>
+</file>
+
+<file path=ppt/slideLayouts/slideLayout14.xml><?xml version="1.0" encoding="utf-8"?>
+<p:sldLayout xmlns:a="http://schemas.openxmlformats.org/drawingml/2006/main" xmlns:r="http://schemas.openxmlformats.org/officeDocument/2006/relationships" xmlns:p="http://schemas.openxmlformats.org/presentationml/2006/main" preserve="1">
+  <p:cSld name="3 Column">
+    <p:spTree>
+      <p:nvGrpSpPr>
+        <p:cNvPr id="1" name=""/>
+        <p:cNvGrpSpPr/>
+        <p:nvPr/>
+      </p:nvGrpSpPr>
+      <p:grpSpPr>
+        <a:xfrm>
+          <a:off x="0" y="0"/>
+          <a:ext cx="0" cy="0"/>
+          <a:chOff x="0" y="0"/>
+          <a:chExt cx="0" cy="0"/>
+        </a:xfrm>
+      </p:grpSpPr>
+      <p:sp>
+        <p:nvSpPr>
+          <p:cNvPr id="2" name="Title 1"/>
+          <p:cNvSpPr>
+            <a:spLocks noGrp="1"/>
+          </p:cNvSpPr>
+          <p:nvPr>
+            <p:ph type="title"/>
+          </p:nvPr>
+        </p:nvSpPr>
+        <p:spPr/>
+        <p:txBody>
+          <a:bodyPr/>
+          <a:lstStyle>
+            <a:lvl1pPr>
+              <a:defRPr sz="4200"/>
+            </a:lvl1pPr>
+          </a:lstStyle>
+          <a:p>
+            <a:r>
+              <a:rPr lang="en-US"/>
+              <a:t>Click to edit Master title style</a:t>
+            </a:r>
+            <a:endParaRPr lang="en-US" dirty="0"/>
+          </a:p>
+        </p:txBody>
+      </p:sp>
+      <p:sp>
+        <p:nvSpPr>
+          <p:cNvPr id="3" name="Text Placeholder 2"/>
+          <p:cNvSpPr>
+            <a:spLocks noGrp="1"/>
+          </p:cNvSpPr>
+          <p:nvPr>
+            <p:ph type="body" idx="1"/>
+          </p:nvPr>
+        </p:nvSpPr>
+        <p:spPr>
+          <a:xfrm>
+            <a:off x="632947" y="1981200"/>
+            <a:ext cx="2946866" cy="576262"/>
+          </a:xfrm>
+        </p:spPr>
+        <p:txBody>
+          <a:bodyPr anchor="b">
+            <a:noAutofit/>
+          </a:bodyPr>
+          <a:lstStyle>
+            <a:lvl1pPr marL="0" indent="0">
+              <a:buNone/>
+              <a:defRPr sz="2400" b="0">
+                <a:solidFill>
+                  <a:schemeClr val="bg2">
+                    <a:lumMod val="40000"/>
+                    <a:lumOff val="60000"/>
+                  </a:schemeClr>
+                </a:solidFill>
+              </a:defRPr>
+            </a:lvl1pPr>
+            <a:lvl2pPr marL="457200" indent="0">
+              <a:buNone/>
+              <a:defRPr sz="2000" b="1"/>
+            </a:lvl2pPr>
+            <a:lvl3pPr marL="914400" indent="0">
+              <a:buNone/>
+              <a:defRPr sz="1800" b="1"/>
+            </a:lvl3pPr>
+            <a:lvl4pPr marL="1371600" indent="0">
+              <a:buNone/>
+              <a:defRPr sz="1600" b="1"/>
+            </a:lvl4pPr>
+            <a:lvl5pPr marL="1828800" indent="0">
+              <a:buNone/>
+              <a:defRPr sz="1600" b="1"/>
+            </a:lvl5pPr>
+            <a:lvl6pPr marL="2286000" indent="0">
+              <a:buNone/>
+              <a:defRPr sz="1600" b="1"/>
+            </a:lvl6pPr>
+            <a:lvl7pPr marL="2743200" indent="0">
+              <a:buNone/>
+              <a:defRPr sz="1600" b="1"/>
+            </a:lvl7pPr>
+            <a:lvl8pPr marL="3200400" indent="0">
+              <a:buNone/>
+              <a:defRPr sz="1600" b="1"/>
+            </a:lvl8pPr>
+            <a:lvl9pPr marL="3657600" indent="0">
+              <a:buNone/>
+              <a:defRPr sz="1600" b="1"/>
+            </a:lvl9pPr>
+          </a:lstStyle>
+          <a:p>
+            <a:pPr lvl="0"/>
+            <a:r>
+              <a:rPr lang="en-US"/>
+              <a:t>Click to edit Master text styles</a:t>
+            </a:r>
+          </a:p>
+        </p:txBody>
+      </p:sp>
+      <p:sp>
+        <p:nvSpPr>
+          <p:cNvPr id="16" name="Text Placeholder 3"/>
+          <p:cNvSpPr>
+            <a:spLocks noGrp="1"/>
+          </p:cNvSpPr>
+          <p:nvPr>
+            <p:ph type="body" sz="half" idx="15"/>
+          </p:nvPr>
+        </p:nvSpPr>
+        <p:spPr>
+          <a:xfrm>
+            <a:off x="652463" y="2667000"/>
+            <a:ext cx="2927350" cy="3589338"/>
+          </a:xfrm>
+        </p:spPr>
+        <p:txBody>
+          <a:bodyPr anchor="t">
+            <a:normAutofit/>
+          </a:bodyPr>
+          <a:lstStyle>
+            <a:lvl1pPr marL="0" indent="0">
+              <a:buNone/>
+              <a:defRPr sz="1400"/>
+            </a:lvl1pPr>
+            <a:lvl2pPr marL="457200" indent="0">
+              <a:buNone/>
+              <a:defRPr sz="1200"/>
+            </a:lvl2pPr>
+            <a:lvl3pPr marL="914400" indent="0">
+              <a:buNone/>
+              <a:defRPr sz="1000"/>
+            </a:lvl3pPr>
+            <a:lvl4pPr marL="1371600" indent="0">
+              <a:buNone/>
+              <a:defRPr sz="900"/>
+            </a:lvl4pPr>
+            <a:lvl5pPr marL="1828800" indent="0">
+              <a:buNone/>
+              <a:defRPr sz="900"/>
+            </a:lvl5pPr>
+            <a:lvl6pPr marL="2286000" indent="0">
+              <a:buNone/>
+              <a:defRPr sz="900"/>
+            </a:lvl6pPr>
+            <a:lvl7pPr marL="2743200" indent="0">
+              <a:buNone/>
+              <a:defRPr sz="900"/>
+            </a:lvl7pPr>
+            <a:lvl8pPr marL="3200400" indent="0">
+              <a:buNone/>
+              <a:defRPr sz="900"/>
+            </a:lvl8pPr>
+            <a:lvl9pPr marL="3657600" indent="0">
+              <a:buNone/>
+              <a:defRPr sz="900"/>
+            </a:lvl9pPr>
+          </a:lstStyle>
+          <a:p>
+            <a:pPr lvl="0"/>
+            <a:r>
+              <a:rPr lang="en-US"/>
+              <a:t>Click to edit Master text styles</a:t>
+            </a:r>
+          </a:p>
+        </p:txBody>
+      </p:sp>
+      <p:sp>
+        <p:nvSpPr>
+          <p:cNvPr id="5" name="Text Placeholder 4"/>
+          <p:cNvSpPr>
+            <a:spLocks noGrp="1"/>
+          </p:cNvSpPr>
+          <p:nvPr>
+            <p:ph type="body" sz="quarter" idx="3"/>
+          </p:nvPr>
+        </p:nvSpPr>
+        <p:spPr>
+          <a:xfrm>
+            <a:off x="3883659" y="1981200"/>
+            <a:ext cx="2936241" cy="576262"/>
+          </a:xfrm>
+        </p:spPr>
+        <p:txBody>
+          <a:bodyPr anchor="b">
+            <a:noAutofit/>
+          </a:bodyPr>
+          <a:lstStyle>
+            <a:lvl1pPr marL="0" indent="0">
+              <a:buNone/>
+              <a:defRPr sz="2400" b="0">
+                <a:solidFill>
+                  <a:schemeClr val="bg2">
+                    <a:lumMod val="40000"/>
+                    <a:lumOff val="60000"/>
+                  </a:schemeClr>
+                </a:solidFill>
+              </a:defRPr>
+            </a:lvl1pPr>
+            <a:lvl2pPr marL="457200" indent="0">
+              <a:buNone/>
+              <a:defRPr sz="2000" b="1"/>
+            </a:lvl2pPr>
+            <a:lvl3pPr marL="914400" indent="0">
+              <a:buNone/>
+              <a:defRPr sz="1800" b="1"/>
+            </a:lvl3pPr>
+            <a:lvl4pPr marL="1371600" indent="0">
+              <a:buNone/>
+              <a:defRPr sz="1600" b="1"/>
+            </a:lvl4pPr>
+            <a:lvl5pPr marL="1828800" indent="0">
+              <a:buNone/>
+              <a:defRPr sz="1600" b="1"/>
+            </a:lvl5pPr>
+            <a:lvl6pPr marL="2286000" indent="0">
+              <a:buNone/>
+              <a:defRPr sz="1600" b="1"/>
+            </a:lvl6pPr>
+            <a:lvl7pPr marL="2743200" indent="0">
+              <a:buNone/>
+              <a:defRPr sz="1600" b="1"/>
+            </a:lvl7pPr>
+            <a:lvl8pPr marL="3200400" indent="0">
+              <a:buNone/>
+              <a:defRPr sz="1600" b="1"/>
+            </a:lvl8pPr>
+            <a:lvl9pPr marL="3657600" indent="0">
+              <a:buNone/>
+              <a:defRPr sz="1600" b="1"/>
+            </a:lvl9pPr>
+          </a:lstStyle>
+          <a:p>
+            <a:pPr lvl="0"/>
+            <a:r>
+              <a:rPr lang="en-US"/>
+              <a:t>Click to edit Master text styles</a:t>
+            </a:r>
+          </a:p>
+        </p:txBody>
+      </p:sp>
+      <p:sp>
+        <p:nvSpPr>
+          <p:cNvPr id="19" name="Text Placeholder 3"/>
+          <p:cNvSpPr>
+            <a:spLocks noGrp="1"/>
+          </p:cNvSpPr>
+          <p:nvPr>
+            <p:ph type="body" sz="half" idx="16"/>
+          </p:nvPr>
+        </p:nvSpPr>
+        <p:spPr>
+          <a:xfrm>
+            <a:off x="3873106" y="2667000"/>
+            <a:ext cx="2946794" cy="3589338"/>
+          </a:xfrm>
+        </p:spPr>
+        <p:txBody>
+          <a:bodyPr anchor="t">
+            <a:normAutofit/>
+          </a:bodyPr>
+          <a:lstStyle>
+            <a:lvl1pPr marL="0" indent="0">
+              <a:buNone/>
+              <a:defRPr sz="1400"/>
+            </a:lvl1pPr>
+            <a:lvl2pPr marL="457200" indent="0">
+              <a:buNone/>
+              <a:defRPr sz="1200"/>
+            </a:lvl2pPr>
+            <a:lvl3pPr marL="914400" indent="0">
+              <a:buNone/>
+              <a:defRPr sz="1000"/>
+            </a:lvl3pPr>
+            <a:lvl4pPr marL="1371600" indent="0">
+              <a:buNone/>
+              <a:defRPr sz="900"/>
+            </a:lvl4pPr>
+            <a:lvl5pPr marL="1828800" indent="0">
+              <a:buNone/>
+              <a:defRPr sz="900"/>
+            </a:lvl5pPr>
+            <a:lvl6pPr marL="2286000" indent="0">
+              <a:buNone/>
+              <a:defRPr sz="900"/>
+            </a:lvl6pPr>
+            <a:lvl7pPr marL="2743200" indent="0">
+              <a:buNone/>
+              <a:defRPr sz="900"/>
+            </a:lvl7pPr>
+            <a:lvl8pPr marL="3200400" indent="0">
+              <a:buNone/>
+              <a:defRPr sz="900"/>
+            </a:lvl8pPr>
+            <a:lvl9pPr marL="3657600" indent="0">
+              <a:buNone/>
+              <a:defRPr sz="900"/>
+            </a:lvl9pPr>
+          </a:lstStyle>
+          <a:p>
+            <a:pPr lvl="0"/>
+            <a:r>
+              <a:rPr lang="en-US"/>
+              <a:t>Click to edit Master text styles</a:t>
+            </a:r>
+          </a:p>
+        </p:txBody>
+      </p:sp>
+      <p:sp>
+        <p:nvSpPr>
+          <p:cNvPr id="14" name="Text Placeholder 4"/>
+          <p:cNvSpPr>
+            <a:spLocks noGrp="1"/>
+          </p:cNvSpPr>
+          <p:nvPr>
+            <p:ph type="body" sz="quarter" idx="13"/>
+          </p:nvPr>
+        </p:nvSpPr>
+        <p:spPr>
+          <a:xfrm>
+            <a:off x="7124700" y="1981200"/>
+            <a:ext cx="2932113" cy="576262"/>
+          </a:xfrm>
+        </p:spPr>
+        <p:txBody>
+          <a:bodyPr anchor="b">
+            <a:noAutofit/>
+          </a:bodyPr>
+          <a:lstStyle>
+            <a:lvl1pPr marL="0" indent="0">
+              <a:buNone/>
+              <a:defRPr sz="2400" b="0">
+                <a:solidFill>
+                  <a:schemeClr val="bg2">
+                    <a:lumMod val="40000"/>
+                    <a:lumOff val="60000"/>
+                  </a:schemeClr>
+                </a:solidFill>
+              </a:defRPr>
+            </a:lvl1pPr>
+            <a:lvl2pPr marL="457200" indent="0">
+              <a:buNone/>
+              <a:defRPr sz="2000" b="1"/>
+            </a:lvl2pPr>
+            <a:lvl3pPr marL="914400" indent="0">
+              <a:buNone/>
+              <a:defRPr sz="1800" b="1"/>
+            </a:lvl3pPr>
+            <a:lvl4pPr marL="1371600" indent="0">
+              <a:buNone/>
+              <a:defRPr sz="1600" b="1"/>
+            </a:lvl4pPr>
+            <a:lvl5pPr marL="1828800" indent="0">
+              <a:buNone/>
+              <a:defRPr sz="1600" b="1"/>
+            </a:lvl5pPr>
+            <a:lvl6pPr marL="2286000" indent="0">
+              <a:buNone/>
+              <a:defRPr sz="1600" b="1"/>
+            </a:lvl6pPr>
+            <a:lvl7pPr marL="2743200" indent="0">
+              <a:buNone/>
+              <a:defRPr sz="1600" b="1"/>
+            </a:lvl7pPr>
+            <a:lvl8pPr marL="3200400" indent="0">
+              <a:buNone/>
+              <a:defRPr sz="1600" b="1"/>
+            </a:lvl8pPr>
+            <a:lvl9pPr marL="3657600" indent="0">
+              <a:buNone/>
+              <a:defRPr sz="1600" b="1"/>
+            </a:lvl9pPr>
+          </a:lstStyle>
+          <a:p>
+            <a:pPr lvl="0"/>
+            <a:r>
+              <a:rPr lang="en-US"/>
+              <a:t>Click to edit Master text styles</a:t>
+            </a:r>
+          </a:p>
+        </p:txBody>
+      </p:sp>
+      <p:sp>
+        <p:nvSpPr>
+          <p:cNvPr id="20" name="Text Placeholder 3"/>
+          <p:cNvSpPr>
+            <a:spLocks noGrp="1"/>
+          </p:cNvSpPr>
+          <p:nvPr>
+            <p:ph type="body" sz="half" idx="17"/>
+          </p:nvPr>
+        </p:nvSpPr>
+        <p:spPr>
+          <a:xfrm>
+            <a:off x="7124700" y="2667000"/>
+            <a:ext cx="2932113" cy="3589338"/>
+          </a:xfrm>
+        </p:spPr>
+        <p:txBody>
+          <a:bodyPr anchor="t">
+            <a:normAutofit/>
+          </a:bodyPr>
+          <a:lstStyle>
+            <a:lvl1pPr marL="0" indent="0">
+              <a:buNone/>
+              <a:defRPr sz="1400"/>
+            </a:lvl1pPr>
+            <a:lvl2pPr marL="457200" indent="0">
+              <a:buNone/>
+              <a:defRPr sz="1200"/>
+            </a:lvl2pPr>
+            <a:lvl3pPr marL="914400" indent="0">
+              <a:buNone/>
+              <a:defRPr sz="1000"/>
+            </a:lvl3pPr>
+            <a:lvl4pPr marL="1371600" indent="0">
+              <a:buNone/>
+              <a:defRPr sz="900"/>
+            </a:lvl4pPr>
+            <a:lvl5pPr marL="1828800" indent="0">
+              <a:buNone/>
+              <a:defRPr sz="900"/>
+            </a:lvl5pPr>
+            <a:lvl6pPr marL="2286000" indent="0">
+              <a:buNone/>
+              <a:defRPr sz="900"/>
+            </a:lvl6pPr>
+            <a:lvl7pPr marL="2743200" indent="0">
+              <a:buNone/>
+              <a:defRPr sz="900"/>
+            </a:lvl7pPr>
+            <a:lvl8pPr marL="3200400" indent="0">
+              <a:buNone/>
+              <a:defRPr sz="900"/>
+            </a:lvl8pPr>
+            <a:lvl9pPr marL="3657600" indent="0">
+              <a:buNone/>
+              <a:defRPr sz="900"/>
+            </a:lvl9pPr>
+          </a:lstStyle>
+          <a:p>
+            <a:pPr lvl="0"/>
+            <a:r>
+              <a:rPr lang="en-US"/>
+              <a:t>Click to edit Master text styles</a:t>
+            </a:r>
+          </a:p>
+        </p:txBody>
+      </p:sp>
+      <p:cxnSp>
+        <p:nvCxnSpPr>
+          <p:cNvPr id="17" name="Straight Connector 16"/>
+          <p:cNvCxnSpPr/>
+          <p:nvPr/>
+        </p:nvCxnSpPr>
+        <p:spPr>
+          <a:xfrm>
+            <a:off x="3726142" y="2133600"/>
+            <a:ext cx="0" cy="3962400"/>
+          </a:xfrm>
+          <a:prstGeom prst="line">
+            <a:avLst/>
+          </a:prstGeom>
+          <a:ln w="12700" cmpd="sng">
+            <a:solidFill>
+              <a:schemeClr val="bg2">
+                <a:lumMod val="40000"/>
+                <a:lumOff val="60000"/>
+                <a:alpha val="40000"/>
+              </a:schemeClr>
+            </a:solidFill>
+          </a:ln>
+        </p:spPr>
+        <p:style>
+          <a:lnRef idx="2">
+            <a:schemeClr val="accent1"/>
+          </a:lnRef>
+          <a:fillRef idx="0">
+            <a:schemeClr val="accent1"/>
+          </a:fillRef>
+          <a:effectRef idx="1">
+            <a:schemeClr val="accent1"/>
+          </a:effectRef>
+          <a:fontRef idx="minor">
+            <a:schemeClr val="tx1"/>
+          </a:fontRef>
+        </p:style>
+      </p:cxnSp>
+      <p:cxnSp>
+        <p:nvCxnSpPr>
+          <p:cNvPr id="18" name="Straight Connector 17"/>
+          <p:cNvCxnSpPr/>
+          <p:nvPr/>
+        </p:nvCxnSpPr>
+        <p:spPr>
+          <a:xfrm>
+            <a:off x="6962227" y="2133600"/>
+            <a:ext cx="0" cy="3966882"/>
+          </a:xfrm>
+          <a:prstGeom prst="line">
+            <a:avLst/>
+          </a:prstGeom>
+          <a:ln w="12700" cmpd="sng">
+            <a:solidFill>
+              <a:schemeClr val="bg2">
+                <a:lumMod val="40000"/>
+                <a:lumOff val="60000"/>
+                <a:alpha val="40000"/>
+              </a:schemeClr>
+            </a:solidFill>
+          </a:ln>
+        </p:spPr>
+        <p:style>
+          <a:lnRef idx="2">
+            <a:schemeClr val="accent1"/>
+          </a:lnRef>
+          <a:fillRef idx="0">
+            <a:schemeClr val="accent1"/>
+          </a:fillRef>
+          <a:effectRef idx="1">
+            <a:schemeClr val="accent1"/>
+          </a:effectRef>
+          <a:fontRef idx="minor">
+            <a:schemeClr val="tx1"/>
+          </a:fontRef>
+        </p:style>
+      </p:cxnSp>
+      <p:sp>
+        <p:nvSpPr>
+          <p:cNvPr id="7" name="Date Placeholder 3"/>
+          <p:cNvSpPr>
+            <a:spLocks noGrp="1"/>
+          </p:cNvSpPr>
+          <p:nvPr>
+            <p:ph type="dt" sz="half" idx="10"/>
+          </p:nvPr>
+        </p:nvSpPr>
+        <p:spPr/>
+        <p:txBody>
+          <a:bodyPr/>
+          <a:lstStyle/>
+          <a:p>
+            <a:fld id="{2A6EE43D-BC29-4C40-AF97-C6E7509940C7}" type="datetime1">
+              <a:rPr lang="en-IN" smtClean="0"/>
+              <a:t>20-09-2025</a:t>
+            </a:fld>
+            <a:endParaRPr lang="en-IN"/>
+          </a:p>
+        </p:txBody>
+      </p:sp>
+      <p:sp>
+        <p:nvSpPr>
+          <p:cNvPr id="4" name="Footer Placeholder 4"/>
+          <p:cNvSpPr>
+            <a:spLocks noGrp="1"/>
+          </p:cNvSpPr>
+          <p:nvPr>
+            <p:ph type="ftr" sz="quarter" idx="11"/>
+          </p:nvPr>
+        </p:nvSpPr>
+        <p:spPr/>
+        <p:txBody>
+          <a:bodyPr/>
+          <a:lstStyle/>
+          <a:p>
+            <a:r>
+              <a:rPr lang="en-IN"/>
+              <a:t>Copyright by LIVIS AI</a:t>
+            </a:r>
+          </a:p>
+        </p:txBody>
+      </p:sp>
+      <p:sp>
+        <p:nvSpPr>
+          <p:cNvPr id="6" name="Slide Number Placeholder 5"/>
+          <p:cNvSpPr>
+            <a:spLocks noGrp="1"/>
+          </p:cNvSpPr>
+          <p:nvPr>
+            <p:ph type="sldNum" sz="quarter" idx="12"/>
+          </p:nvPr>
+        </p:nvSpPr>
+        <p:spPr/>
+        <p:txBody>
+          <a:bodyPr/>
+          <a:lstStyle/>
+          <a:p>
+            <a:fld id="{BC84CBAD-C965-4D89-BCBB-ACF66ED60435}" type="slidenum">
+              <a:rPr lang="en-IN" smtClean="0"/>
+              <a:t>‹#›</a:t>
+            </a:fld>
+            <a:endParaRPr lang="en-IN"/>
+          </a:p>
+        </p:txBody>
+      </p:sp>
+    </p:spTree>
+    <p:extLst>
+      <p:ext uri="{BB962C8B-B14F-4D97-AF65-F5344CB8AC3E}">
+        <p14:creationId xmlns:p14="http://schemas.microsoft.com/office/powerpoint/2010/main" val="1687703538"/>
+      </p:ext>
+    </p:extLst>
+  </p:cSld>
+  <p:clrMapOvr>
+    <a:masterClrMapping/>
+  </p:clrMapOvr>
+</p:sldLayout>
+</file>
+
+<file path=ppt/slideLayouts/slideLayout15.xml><?xml version="1.0" encoding="utf-8"?>
+<p:sldLayout xmlns:a="http://schemas.openxmlformats.org/drawingml/2006/main" xmlns:r="http://schemas.openxmlformats.org/officeDocument/2006/relationships" xmlns:p="http://schemas.openxmlformats.org/presentationml/2006/main" preserve="1">
+  <p:cSld name="3 Picture Column">
+    <p:spTree>
+      <p:nvGrpSpPr>
+        <p:cNvPr id="1" name=""/>
+        <p:cNvGrpSpPr/>
+        <p:nvPr/>
+      </p:nvGrpSpPr>
+      <p:grpSpPr>
+        <a:xfrm>
+          <a:off x="0" y="0"/>
+          <a:ext cx="0" cy="0"/>
+          <a:chOff x="0" y="0"/>
+          <a:chExt cx="0" cy="0"/>
+        </a:xfrm>
+      </p:grpSpPr>
+      <p:sp>
+        <p:nvSpPr>
+          <p:cNvPr id="2" name="Title 1"/>
+          <p:cNvSpPr>
+            <a:spLocks noGrp="1"/>
+          </p:cNvSpPr>
+          <p:nvPr>
+            <p:ph type="title"/>
+          </p:nvPr>
+        </p:nvSpPr>
+        <p:spPr/>
+        <p:txBody>
+          <a:bodyPr/>
+          <a:lstStyle>
+            <a:lvl1pPr>
+              <a:defRPr sz="4200"/>
+            </a:lvl1pPr>
+          </a:lstStyle>
+          <a:p>
+            <a:r>
+              <a:rPr lang="en-US"/>
+              <a:t>Click to edit Master title style</a:t>
+            </a:r>
+            <a:endParaRPr lang="en-US" dirty="0"/>
+          </a:p>
+        </p:txBody>
+      </p:sp>
+      <p:sp>
+        <p:nvSpPr>
+          <p:cNvPr id="3" name="Text Placeholder 2"/>
+          <p:cNvSpPr>
+            <a:spLocks noGrp="1"/>
+          </p:cNvSpPr>
+          <p:nvPr>
+            <p:ph type="body" idx="1"/>
+          </p:nvPr>
+        </p:nvSpPr>
+        <p:spPr>
+          <a:xfrm>
+            <a:off x="652463" y="4250949"/>
+            <a:ext cx="2940050" cy="576262"/>
+          </a:xfrm>
+        </p:spPr>
+        <p:txBody>
+          <a:bodyPr anchor="b">
+            <a:noAutofit/>
+          </a:bodyPr>
+          <a:lstStyle>
+            <a:lvl1pPr marL="0" indent="0">
+              <a:buNone/>
+              <a:defRPr sz="2400" b="0">
+                <a:solidFill>
+                  <a:schemeClr val="bg2">
+                    <a:lumMod val="40000"/>
+                    <a:lumOff val="60000"/>
+                  </a:schemeClr>
+                </a:solidFill>
+              </a:defRPr>
+            </a:lvl1pPr>
+            <a:lvl2pPr marL="457200" indent="0">
+              <a:buNone/>
+              <a:defRPr sz="2000" b="1"/>
+            </a:lvl2pPr>
+            <a:lvl3pPr marL="914400" indent="0">
+              <a:buNone/>
+              <a:defRPr sz="1800" b="1"/>
+            </a:lvl3pPr>
+            <a:lvl4pPr marL="1371600" indent="0">
+              <a:buNone/>
+              <a:defRPr sz="1600" b="1"/>
+            </a:lvl4pPr>
+            <a:lvl5pPr marL="1828800" indent="0">
+              <a:buNone/>
+              <a:defRPr sz="1600" b="1"/>
+            </a:lvl5pPr>
+            <a:lvl6pPr marL="2286000" indent="0">
+              <a:buNone/>
+              <a:defRPr sz="1600" b="1"/>
+            </a:lvl6pPr>
+            <a:lvl7pPr marL="2743200" indent="0">
+              <a:buNone/>
+              <a:defRPr sz="1600" b="1"/>
+            </a:lvl7pPr>
+            <a:lvl8pPr marL="3200400" indent="0">
+              <a:buNone/>
+              <a:defRPr sz="1600" b="1"/>
+            </a:lvl8pPr>
+            <a:lvl9pPr marL="3657600" indent="0">
+              <a:buNone/>
+              <a:defRPr sz="1600" b="1"/>
+            </a:lvl9pPr>
+          </a:lstStyle>
+          <a:p>
+            <a:pPr lvl="0"/>
+            <a:r>
+              <a:rPr lang="en-US"/>
+              <a:t>Click to edit Master text styles</a:t>
+            </a:r>
+          </a:p>
+        </p:txBody>
+      </p:sp>
+      <p:sp>
+        <p:nvSpPr>
+          <p:cNvPr id="29" name="Picture Placeholder 2"/>
+          <p:cNvSpPr>
+            <a:spLocks noGrp="1" noChangeAspect="1"/>
+          </p:cNvSpPr>
+          <p:nvPr>
+            <p:ph type="pic" idx="15"/>
+          </p:nvPr>
+        </p:nvSpPr>
+        <p:spPr>
+          <a:xfrm>
+            <a:off x="652463" y="2209800"/>
+            <a:ext cx="2940050" cy="1524000"/>
+          </a:xfrm>
+          <a:prstGeom prst="roundRect">
+            <a:avLst>
+              <a:gd name="adj" fmla="val 1858"/>
+            </a:avLst>
+          </a:prstGeom>
+          <a:effectLst>
+            <a:outerShdw blurRad="50800" dist="50800" dir="5400000" algn="tl" rotWithShape="0">
+              <a:srgbClr val="000000">
+                <a:alpha val="43000"/>
+              </a:srgbClr>
+            </a:outerShdw>
+          </a:effectLst>
+        </p:spPr>
+        <p:txBody>
+          <a:bodyPr anchor="t">
+            <a:normAutofit/>
+          </a:bodyPr>
+          <a:lstStyle>
+            <a:lvl1pPr marL="0" indent="0" algn="ctr">
+              <a:buNone/>
+              <a:defRPr sz="1600"/>
+            </a:lvl1pPr>
+            <a:lvl2pPr marL="457200" indent="0">
+              <a:buNone/>
+              <a:defRPr sz="1600"/>
+            </a:lvl2pPr>
+            <a:lvl3pPr marL="914400" indent="0">
+              <a:buNone/>
+              <a:defRPr sz="1600"/>
+            </a:lvl3pPr>
+            <a:lvl4pPr marL="1371600" indent="0">
+              <a:buNone/>
+              <a:defRPr sz="1600"/>
+            </a:lvl4pPr>
+            <a:lvl5pPr marL="1828800" indent="0">
+              <a:buNone/>
+              <a:defRPr sz="1600"/>
+            </a:lvl5pPr>
+            <a:lvl6pPr marL="2286000" indent="0">
+              <a:buNone/>
+              <a:defRPr sz="1600"/>
+            </a:lvl6pPr>
+            <a:lvl7pPr marL="2743200" indent="0">
+              <a:buNone/>
+              <a:defRPr sz="1600"/>
+            </a:lvl7pPr>
+            <a:lvl8pPr marL="3200400" indent="0">
+              <a:buNone/>
+              <a:defRPr sz="1600"/>
+            </a:lvl8pPr>
+            <a:lvl9pPr marL="3657600" indent="0">
+              <a:buNone/>
+              <a:defRPr sz="1600"/>
+            </a:lvl9pPr>
+          </a:lstStyle>
+          <a:p>
+            <a:r>
+              <a:rPr lang="en-US"/>
+              <a:t>Click icon to add picture</a:t>
+            </a:r>
+            <a:endParaRPr lang="en-US" dirty="0"/>
+          </a:p>
+        </p:txBody>
+      </p:sp>
+      <p:sp>
+        <p:nvSpPr>
+          <p:cNvPr id="22" name="Text Placeholder 3"/>
+          <p:cNvSpPr>
+            <a:spLocks noGrp="1"/>
+          </p:cNvSpPr>
+          <p:nvPr>
+            <p:ph type="body" sz="half" idx="18"/>
+          </p:nvPr>
+        </p:nvSpPr>
+        <p:spPr>
+          <a:xfrm>
+            <a:off x="652463" y="4827211"/>
+            <a:ext cx="2940050" cy="659189"/>
+          </a:xfrm>
+        </p:spPr>
+        <p:txBody>
+          <a:bodyPr anchor="t">
+            <a:normAutofit/>
+          </a:bodyPr>
+          <a:lstStyle>
+            <a:lvl1pPr marL="0" indent="0">
+              <a:buNone/>
+              <a:defRPr sz="1400"/>
+            </a:lvl1pPr>
+            <a:lvl2pPr marL="457200" indent="0">
+              <a:buNone/>
+              <a:defRPr sz="1200"/>
+            </a:lvl2pPr>
+            <a:lvl3pPr marL="914400" indent="0">
+              <a:buNone/>
+              <a:defRPr sz="1000"/>
+            </a:lvl3pPr>
+            <a:lvl4pPr marL="1371600" indent="0">
+              <a:buNone/>
+              <a:defRPr sz="900"/>
+            </a:lvl4pPr>
+            <a:lvl5pPr marL="1828800" indent="0">
+              <a:buNone/>
+              <a:defRPr sz="900"/>
+            </a:lvl5pPr>
+            <a:lvl6pPr marL="2286000" indent="0">
+              <a:buNone/>
+              <a:defRPr sz="900"/>
+            </a:lvl6pPr>
+            <a:lvl7pPr marL="2743200" indent="0">
+              <a:buNone/>
+              <a:defRPr sz="900"/>
+            </a:lvl7pPr>
+            <a:lvl8pPr marL="3200400" indent="0">
+              <a:buNone/>
+              <a:defRPr sz="900"/>
+            </a:lvl8pPr>
+            <a:lvl9pPr marL="3657600" indent="0">
+              <a:buNone/>
+              <a:defRPr sz="900"/>
+            </a:lvl9pPr>
+          </a:lstStyle>
+          <a:p>
+            <a:pPr lvl="0"/>
+            <a:r>
+              <a:rPr lang="en-US"/>
+              <a:t>Click to edit Master text styles</a:t>
+            </a:r>
+          </a:p>
+        </p:txBody>
+      </p:sp>
+      <p:sp>
+        <p:nvSpPr>
+          <p:cNvPr id="5" name="Text Placeholder 4"/>
+          <p:cNvSpPr>
+            <a:spLocks noGrp="1"/>
+          </p:cNvSpPr>
+          <p:nvPr>
+            <p:ph type="body" sz="quarter" idx="3"/>
+          </p:nvPr>
+        </p:nvSpPr>
+        <p:spPr>
+          <a:xfrm>
+            <a:off x="3889375" y="4250949"/>
+            <a:ext cx="2930525" cy="576262"/>
+          </a:xfrm>
+        </p:spPr>
+        <p:txBody>
+          <a:bodyPr anchor="b">
+            <a:noAutofit/>
+          </a:bodyPr>
+          <a:lstStyle>
+            <a:lvl1pPr marL="0" indent="0">
+              <a:buNone/>
+              <a:defRPr sz="2400" b="0">
+                <a:solidFill>
+                  <a:schemeClr val="bg2">
+                    <a:lumMod val="40000"/>
+                    <a:lumOff val="60000"/>
+                  </a:schemeClr>
+                </a:solidFill>
+              </a:defRPr>
+            </a:lvl1pPr>
+            <a:lvl2pPr marL="457200" indent="0">
+              <a:buNone/>
+              <a:defRPr sz="2000" b="1"/>
+            </a:lvl2pPr>
+            <a:lvl3pPr marL="914400" indent="0">
+              <a:buNone/>
+              <a:defRPr sz="1800" b="1"/>
+            </a:lvl3pPr>
+            <a:lvl4pPr marL="1371600" indent="0">
+              <a:buNone/>
+              <a:defRPr sz="1600" b="1"/>
+            </a:lvl4pPr>
+            <a:lvl5pPr marL="1828800" indent="0">
+              <a:buNone/>
+              <a:defRPr sz="1600" b="1"/>
+            </a:lvl5pPr>
+            <a:lvl6pPr marL="2286000" indent="0">
+              <a:buNone/>
+              <a:defRPr sz="1600" b="1"/>
+            </a:lvl6pPr>
+            <a:lvl7pPr marL="2743200" indent="0">
+              <a:buNone/>
+              <a:defRPr sz="1600" b="1"/>
+            </a:lvl7pPr>
+            <a:lvl8pPr marL="3200400" indent="0">
+              <a:buNone/>
+              <a:defRPr sz="1600" b="1"/>
+            </a:lvl8pPr>
+            <a:lvl9pPr marL="3657600" indent="0">
+              <a:buNone/>
+              <a:defRPr sz="1600" b="1"/>
+            </a:lvl9pPr>
+          </a:lstStyle>
+          <a:p>
+            <a:pPr lvl="0"/>
+            <a:r>
+              <a:rPr lang="en-US"/>
+              <a:t>Click to edit Master text styles</a:t>
+            </a:r>
+          </a:p>
+        </p:txBody>
+      </p:sp>
+      <p:sp>
+        <p:nvSpPr>
+          <p:cNvPr id="30" name="Picture Placeholder 2"/>
+          <p:cNvSpPr>
+            <a:spLocks noGrp="1" noChangeAspect="1"/>
+          </p:cNvSpPr>
+          <p:nvPr>
+            <p:ph type="pic" idx="21"/>
+          </p:nvPr>
+        </p:nvSpPr>
+        <p:spPr>
+          <a:xfrm>
+            <a:off x="3889374" y="2209800"/>
+            <a:ext cx="2930525" cy="1524000"/>
+          </a:xfrm>
+          <a:prstGeom prst="roundRect">
+            <a:avLst>
+              <a:gd name="adj" fmla="val 1858"/>
+            </a:avLst>
+          </a:prstGeom>
+          <a:effectLst>
+            <a:outerShdw blurRad="50800" dist="50800" dir="5400000" algn="tl" rotWithShape="0">
+              <a:srgbClr val="000000">
+                <a:alpha val="43000"/>
+              </a:srgbClr>
+            </a:outerShdw>
+          </a:effectLst>
+        </p:spPr>
+        <p:txBody>
+          <a:bodyPr anchor="t">
+            <a:normAutofit/>
+          </a:bodyPr>
+          <a:lstStyle>
+            <a:lvl1pPr marL="0" indent="0" algn="ctr">
+              <a:buNone/>
+              <a:defRPr sz="1600"/>
+            </a:lvl1pPr>
+            <a:lvl2pPr marL="457200" indent="0">
+              <a:buNone/>
+              <a:defRPr sz="1600"/>
+            </a:lvl2pPr>
+            <a:lvl3pPr marL="914400" indent="0">
+              <a:buNone/>
+              <a:defRPr sz="1600"/>
+            </a:lvl3pPr>
+            <a:lvl4pPr marL="1371600" indent="0">
+              <a:buNone/>
+              <a:defRPr sz="1600"/>
+            </a:lvl4pPr>
+            <a:lvl5pPr marL="1828800" indent="0">
+              <a:buNone/>
+              <a:defRPr sz="1600"/>
+            </a:lvl5pPr>
+            <a:lvl6pPr marL="2286000" indent="0">
+              <a:buNone/>
+              <a:defRPr sz="1600"/>
+            </a:lvl6pPr>
+            <a:lvl7pPr marL="2743200" indent="0">
+              <a:buNone/>
+              <a:defRPr sz="1600"/>
+            </a:lvl7pPr>
+            <a:lvl8pPr marL="3200400" indent="0">
+              <a:buNone/>
+              <a:defRPr sz="1600"/>
+            </a:lvl8pPr>
+            <a:lvl9pPr marL="3657600" indent="0">
+              <a:buNone/>
+              <a:defRPr sz="1600"/>
+            </a:lvl9pPr>
+          </a:lstStyle>
+          <a:p>
+            <a:r>
+              <a:rPr lang="en-US"/>
+              <a:t>Click icon to add picture</a:t>
+            </a:r>
+            <a:endParaRPr lang="en-US" dirty="0"/>
+          </a:p>
+        </p:txBody>
+      </p:sp>
+      <p:sp>
+        <p:nvSpPr>
+          <p:cNvPr id="23" name="Text Placeholder 3"/>
+          <p:cNvSpPr>
+            <a:spLocks noGrp="1"/>
+          </p:cNvSpPr>
+          <p:nvPr>
+            <p:ph type="body" sz="half" idx="19"/>
+          </p:nvPr>
+        </p:nvSpPr>
+        <p:spPr>
+          <a:xfrm>
+            <a:off x="3888022" y="4827210"/>
+            <a:ext cx="2934406" cy="659189"/>
+          </a:xfrm>
+        </p:spPr>
+        <p:txBody>
+          <a:bodyPr anchor="t">
+            <a:normAutofit/>
+          </a:bodyPr>
+          <a:lstStyle>
+            <a:lvl1pPr marL="0" indent="0">
+              <a:buNone/>
+              <a:defRPr sz="1400"/>
+            </a:lvl1pPr>
+            <a:lvl2pPr marL="457200" indent="0">
+              <a:buNone/>
+              <a:defRPr sz="1200"/>
+            </a:lvl2pPr>
+            <a:lvl3pPr marL="914400" indent="0">
+              <a:buNone/>
+              <a:defRPr sz="1000"/>
+            </a:lvl3pPr>
+            <a:lvl4pPr marL="1371600" indent="0">
+              <a:buNone/>
+              <a:defRPr sz="900"/>
+            </a:lvl4pPr>
+            <a:lvl5pPr marL="1828800" indent="0">
+              <a:buNone/>
+              <a:defRPr sz="900"/>
+            </a:lvl5pPr>
+            <a:lvl6pPr marL="2286000" indent="0">
+              <a:buNone/>
+              <a:defRPr sz="900"/>
+            </a:lvl6pPr>
+            <a:lvl7pPr marL="2743200" indent="0">
+              <a:buNone/>
+              <a:defRPr sz="900"/>
+            </a:lvl7pPr>
+            <a:lvl8pPr marL="3200400" indent="0">
+              <a:buNone/>
+              <a:defRPr sz="900"/>
+            </a:lvl8pPr>
+            <a:lvl9pPr marL="3657600" indent="0">
+              <a:buNone/>
+              <a:defRPr sz="900"/>
+            </a:lvl9pPr>
+          </a:lstStyle>
+          <a:p>
+            <a:pPr lvl="0"/>
+            <a:r>
+              <a:rPr lang="en-US"/>
+              <a:t>Click to edit Master text styles</a:t>
+            </a:r>
+          </a:p>
+        </p:txBody>
+      </p:sp>
+      <p:sp>
+        <p:nvSpPr>
+          <p:cNvPr id="14" name="Text Placeholder 4"/>
+          <p:cNvSpPr>
+            <a:spLocks noGrp="1"/>
+          </p:cNvSpPr>
+          <p:nvPr>
+            <p:ph type="body" sz="quarter" idx="13"/>
+          </p:nvPr>
+        </p:nvSpPr>
+        <p:spPr>
+          <a:xfrm>
+            <a:off x="7124700" y="4250949"/>
+            <a:ext cx="2932113" cy="576262"/>
+          </a:xfrm>
+        </p:spPr>
+        <p:txBody>
+          <a:bodyPr anchor="b">
+            <a:noAutofit/>
+          </a:bodyPr>
+          <a:lstStyle>
+            <a:lvl1pPr marL="0" indent="0">
+              <a:buNone/>
+              <a:defRPr sz="2400" b="0">
+                <a:solidFill>
+                  <a:schemeClr val="bg2">
+                    <a:lumMod val="40000"/>
+                    <a:lumOff val="60000"/>
+                  </a:schemeClr>
+                </a:solidFill>
+              </a:defRPr>
+            </a:lvl1pPr>
+            <a:lvl2pPr marL="457200" indent="0">
+              <a:buNone/>
+              <a:defRPr sz="2000" b="1"/>
+            </a:lvl2pPr>
+            <a:lvl3pPr marL="914400" indent="0">
+              <a:buNone/>
+              <a:defRPr sz="1800" b="1"/>
+            </a:lvl3pPr>
+            <a:lvl4pPr marL="1371600" indent="0">
+              <a:buNone/>
+              <a:defRPr sz="1600" b="1"/>
+            </a:lvl4pPr>
+            <a:lvl5pPr marL="1828800" indent="0">
+              <a:buNone/>
+              <a:defRPr sz="1600" b="1"/>
+            </a:lvl5pPr>
+            <a:lvl6pPr marL="2286000" indent="0">
+              <a:buNone/>
+              <a:defRPr sz="1600" b="1"/>
+            </a:lvl6pPr>
+            <a:lvl7pPr marL="2743200" indent="0">
+              <a:buNone/>
+              <a:defRPr sz="1600" b="1"/>
+            </a:lvl7pPr>
+            <a:lvl8pPr marL="3200400" indent="0">
+              <a:buNone/>
+              <a:defRPr sz="1600" b="1"/>
+            </a:lvl8pPr>
+            <a:lvl9pPr marL="3657600" indent="0">
+              <a:buNone/>
+              <a:defRPr sz="1600" b="1"/>
+            </a:lvl9pPr>
+          </a:lstStyle>
+          <a:p>
+            <a:pPr lvl="0"/>
+            <a:r>
+              <a:rPr lang="en-US"/>
+              <a:t>Click to edit Master text styles</a:t>
+            </a:r>
+          </a:p>
+        </p:txBody>
+      </p:sp>
+      <p:sp>
+        <p:nvSpPr>
+          <p:cNvPr id="31" name="Picture Placeholder 2"/>
+          <p:cNvSpPr>
+            <a:spLocks noGrp="1" noChangeAspect="1"/>
+          </p:cNvSpPr>
+          <p:nvPr>
+            <p:ph type="pic" idx="22"/>
+          </p:nvPr>
+        </p:nvSpPr>
+        <p:spPr>
+          <a:xfrm>
+            <a:off x="7124699" y="2209800"/>
+            <a:ext cx="2932113" cy="1524000"/>
+          </a:xfrm>
+          <a:prstGeom prst="roundRect">
+            <a:avLst>
+              <a:gd name="adj" fmla="val 1858"/>
+            </a:avLst>
+          </a:prstGeom>
+          <a:effectLst>
+            <a:outerShdw blurRad="50800" dist="50800" dir="5400000" algn="tl" rotWithShape="0">
+              <a:srgbClr val="000000">
+                <a:alpha val="43000"/>
+              </a:srgbClr>
+            </a:outerShdw>
+          </a:effectLst>
+        </p:spPr>
+        <p:txBody>
+          <a:bodyPr anchor="t">
+            <a:normAutofit/>
+          </a:bodyPr>
+          <a:lstStyle>
+            <a:lvl1pPr marL="0" indent="0" algn="ctr">
+              <a:buNone/>
+              <a:defRPr sz="1600"/>
+            </a:lvl1pPr>
+            <a:lvl2pPr marL="457200" indent="0">
+              <a:buNone/>
+              <a:defRPr sz="1600"/>
+            </a:lvl2pPr>
+            <a:lvl3pPr marL="914400" indent="0">
+              <a:buNone/>
+              <a:defRPr sz="1600"/>
+            </a:lvl3pPr>
+            <a:lvl4pPr marL="1371600" indent="0">
+              <a:buNone/>
+              <a:defRPr sz="1600"/>
+            </a:lvl4pPr>
+            <a:lvl5pPr marL="1828800" indent="0">
+              <a:buNone/>
+              <a:defRPr sz="1600"/>
+            </a:lvl5pPr>
+            <a:lvl6pPr marL="2286000" indent="0">
+              <a:buNone/>
+              <a:defRPr sz="1600"/>
+            </a:lvl6pPr>
+            <a:lvl7pPr marL="2743200" indent="0">
+              <a:buNone/>
+              <a:defRPr sz="1600"/>
+            </a:lvl7pPr>
+            <a:lvl8pPr marL="3200400" indent="0">
+              <a:buNone/>
+              <a:defRPr sz="1600"/>
+            </a:lvl8pPr>
+            <a:lvl9pPr marL="3657600" indent="0">
+              <a:buNone/>
+              <a:defRPr sz="1600"/>
+            </a:lvl9pPr>
+          </a:lstStyle>
+          <a:p>
+            <a:r>
+              <a:rPr lang="en-US"/>
+              <a:t>Click icon to add picture</a:t>
+            </a:r>
+            <a:endParaRPr lang="en-US" dirty="0"/>
+          </a:p>
+        </p:txBody>
+      </p:sp>
+      <p:sp>
+        <p:nvSpPr>
+          <p:cNvPr id="24" name="Text Placeholder 3"/>
+          <p:cNvSpPr>
+            <a:spLocks noGrp="1"/>
+          </p:cNvSpPr>
+          <p:nvPr>
+            <p:ph type="body" sz="half" idx="20"/>
+          </p:nvPr>
+        </p:nvSpPr>
+        <p:spPr>
+          <a:xfrm>
+            <a:off x="7124575" y="4827208"/>
+            <a:ext cx="2935997" cy="659189"/>
+          </a:xfrm>
+        </p:spPr>
+        <p:txBody>
+          <a:bodyPr anchor="t">
+            <a:normAutofit/>
+          </a:bodyPr>
+          <a:lstStyle>
+            <a:lvl1pPr marL="0" indent="0">
+              <a:buNone/>
+              <a:defRPr sz="1400"/>
+            </a:lvl1pPr>
+            <a:lvl2pPr marL="457200" indent="0">
+              <a:buNone/>
+              <a:defRPr sz="1200"/>
+            </a:lvl2pPr>
+            <a:lvl3pPr marL="914400" indent="0">
+              <a:buNone/>
+              <a:defRPr sz="1000"/>
+            </a:lvl3pPr>
+            <a:lvl4pPr marL="1371600" indent="0">
+              <a:buNone/>
+              <a:defRPr sz="900"/>
+            </a:lvl4pPr>
+            <a:lvl5pPr marL="1828800" indent="0">
+              <a:buNone/>
+              <a:defRPr sz="900"/>
+            </a:lvl5pPr>
+            <a:lvl6pPr marL="2286000" indent="0">
+              <a:buNone/>
+              <a:defRPr sz="900"/>
+            </a:lvl6pPr>
+            <a:lvl7pPr marL="2743200" indent="0">
+              <a:buNone/>
+              <a:defRPr sz="900"/>
+            </a:lvl7pPr>
+            <a:lvl8pPr marL="3200400" indent="0">
+              <a:buNone/>
+              <a:defRPr sz="900"/>
+            </a:lvl8pPr>
+            <a:lvl9pPr marL="3657600" indent="0">
+              <a:buNone/>
+              <a:defRPr sz="900"/>
+            </a:lvl9pPr>
+          </a:lstStyle>
+          <a:p>
+            <a:pPr lvl="0"/>
+            <a:r>
+              <a:rPr lang="en-US"/>
+              <a:t>Click to edit Master text styles</a:t>
+            </a:r>
+          </a:p>
+        </p:txBody>
+      </p:sp>
+      <p:cxnSp>
+        <p:nvCxnSpPr>
+          <p:cNvPr id="19" name="Straight Connector 18"/>
+          <p:cNvCxnSpPr/>
+          <p:nvPr/>
+        </p:nvCxnSpPr>
+        <p:spPr>
+          <a:xfrm>
+            <a:off x="3726142" y="2133600"/>
+            <a:ext cx="0" cy="3962400"/>
+          </a:xfrm>
+          <a:prstGeom prst="line">
+            <a:avLst/>
+          </a:prstGeom>
+          <a:ln w="12700" cmpd="sng">
+            <a:solidFill>
+              <a:schemeClr val="bg2">
+                <a:lumMod val="40000"/>
+                <a:lumOff val="60000"/>
+                <a:alpha val="40000"/>
+              </a:schemeClr>
+            </a:solidFill>
+          </a:ln>
+        </p:spPr>
+        <p:style>
+          <a:lnRef idx="2">
+            <a:schemeClr val="accent1"/>
+          </a:lnRef>
+          <a:fillRef idx="0">
+            <a:schemeClr val="accent1"/>
+          </a:fillRef>
+          <a:effectRef idx="1">
+            <a:schemeClr val="accent1"/>
+          </a:effectRef>
+          <a:fontRef idx="minor">
+            <a:schemeClr val="tx1"/>
+          </a:fontRef>
+        </p:style>
+      </p:cxnSp>
+      <p:cxnSp>
+        <p:nvCxnSpPr>
+          <p:cNvPr id="20" name="Straight Connector 19"/>
+          <p:cNvCxnSpPr/>
+          <p:nvPr/>
+        </p:nvCxnSpPr>
+        <p:spPr>
+          <a:xfrm>
+            <a:off x="6962227" y="2133600"/>
+            <a:ext cx="0" cy="3966882"/>
+          </a:xfrm>
+          <a:prstGeom prst="line">
+            <a:avLst/>
+          </a:prstGeom>
+          <a:ln w="12700" cmpd="sng">
+            <a:solidFill>
+              <a:schemeClr val="bg2">
+                <a:lumMod val="40000"/>
+                <a:lumOff val="60000"/>
+                <a:alpha val="40000"/>
+              </a:schemeClr>
+            </a:solidFill>
+          </a:ln>
+        </p:spPr>
+        <p:style>
+          <a:lnRef idx="2">
+            <a:schemeClr val="accent1"/>
+          </a:lnRef>
+          <a:fillRef idx="0">
+            <a:schemeClr val="accent1"/>
+          </a:fillRef>
+          <a:effectRef idx="1">
+            <a:schemeClr val="accent1"/>
+          </a:effectRef>
+          <a:fontRef idx="minor">
+            <a:schemeClr val="tx1"/>
+          </a:fontRef>
+        </p:style>
+      </p:cxnSp>
+      <p:sp>
+        <p:nvSpPr>
+          <p:cNvPr id="7" name="Date Placeholder 3"/>
+          <p:cNvSpPr>
+            <a:spLocks noGrp="1"/>
+          </p:cNvSpPr>
+          <p:nvPr>
+            <p:ph type="dt" sz="half" idx="10"/>
+          </p:nvPr>
+        </p:nvSpPr>
+        <p:spPr/>
+        <p:txBody>
+          <a:bodyPr/>
+          <a:lstStyle/>
+          <a:p>
+            <a:fld id="{EAB9703E-3B86-4180-BAF1-42CB8DEA7438}" type="datetime1">
+              <a:rPr lang="en-IN" smtClean="0"/>
+              <a:t>20-09-2025</a:t>
+            </a:fld>
+            <a:endParaRPr lang="en-IN"/>
+          </a:p>
+        </p:txBody>
+      </p:sp>
+      <p:sp>
+        <p:nvSpPr>
+          <p:cNvPr id="4" name="Footer Placeholder 4"/>
+          <p:cNvSpPr>
+            <a:spLocks noGrp="1"/>
+          </p:cNvSpPr>
+          <p:nvPr>
+            <p:ph type="ftr" sz="quarter" idx="11"/>
+          </p:nvPr>
+        </p:nvSpPr>
+        <p:spPr/>
+        <p:txBody>
+          <a:bodyPr/>
+          <a:lstStyle/>
+          <a:p>
+            <a:r>
+              <a:rPr lang="en-IN"/>
+              <a:t>Copyright by LIVIS AI</a:t>
+            </a:r>
+          </a:p>
+        </p:txBody>
+      </p:sp>
+      <p:sp>
+        <p:nvSpPr>
+          <p:cNvPr id="6" name="Slide Number Placeholder 5"/>
+          <p:cNvSpPr>
+            <a:spLocks noGrp="1"/>
+          </p:cNvSpPr>
+          <p:nvPr>
+            <p:ph type="sldNum" sz="quarter" idx="12"/>
+          </p:nvPr>
+        </p:nvSpPr>
+        <p:spPr/>
+        <p:txBody>
+          <a:bodyPr/>
+          <a:lstStyle/>
+          <a:p>
+            <a:fld id="{BC84CBAD-C965-4D89-BCBB-ACF66ED60435}" type="slidenum">
+              <a:rPr lang="en-IN" smtClean="0"/>
+              <a:t>‹#›</a:t>
+            </a:fld>
+            <a:endParaRPr lang="en-IN"/>
+          </a:p>
+        </p:txBody>
+      </p:sp>
+    </p:spTree>
+    <p:extLst>
+      <p:ext uri="{BB962C8B-B14F-4D97-AF65-F5344CB8AC3E}">
+        <p14:creationId xmlns:p14="http://schemas.microsoft.com/office/powerpoint/2010/main" val="3712455460"/>
+      </p:ext>
+    </p:extLst>
+  </p:cSld>
+  <p:clrMapOvr>
+    <a:masterClrMapping/>
+  </p:clrMapOvr>
+</p:sldLayout>
+</file>
+
+<file path=ppt/slideLayouts/slideLayout16.xml><?xml version="1.0" encoding="utf-8"?>
 <p:sldLayout xmlns:a="http://schemas.openxmlformats.org/drawingml/2006/main" xmlns:r="http://schemas.openxmlformats.org/officeDocument/2006/relationships" xmlns:p="http://schemas.openxmlformats.org/presentationml/2006/main" type="vertTx" preserve="1">
   <p:cSld name="Title and Vertical Text">
     <p:spTree>
@@ -760,7 +3367,7 @@
         </p:nvSpPr>
         <p:spPr/>
         <p:txBody>
-          <a:bodyPr vert="eaVert"/>
+          <a:bodyPr vert="eaVert" anchor="t" anchorCtr="0"/>
           <a:lstStyle/>
           <a:p>
             <a:pPr lvl="0"/>
@@ -815,7 +3422,7 @@
           <a:bodyPr/>
           <a:lstStyle/>
           <a:p>
-            <a:fld id="{42452458-E1DC-4801-9B41-DCD4177C0B4D}" type="datetime1">
+            <a:fld id="{F88FFEC2-E6E2-4283-926A-A3869FB2F7DF}" type="datetime1">
               <a:rPr lang="en-IN" smtClean="0"/>
               <a:t>20-09-2025</a:t>
             </a:fld>
@@ -840,7 +3447,7 @@
           <a:p>
             <a:r>
               <a:rPr lang="en-IN"/>
-              <a:t>Copyright by LIVS AI</a:t>
+              <a:t>Copyright by LIVIS AI</a:t>
             </a:r>
           </a:p>
         </p:txBody>
@@ -871,7 +3478,7 @@
     </p:spTree>
     <p:extLst>
       <p:ext uri="{BB962C8B-B14F-4D97-AF65-F5344CB8AC3E}">
-        <p14:creationId xmlns:p14="http://schemas.microsoft.com/office/powerpoint/2010/main" val="2654346513"/>
+        <p14:creationId xmlns:p14="http://schemas.microsoft.com/office/powerpoint/2010/main" val="833891077"/>
       </p:ext>
     </p:extLst>
   </p:cSld>
@@ -881,7 +3488,7 @@
 </p:sldLayout>
 </file>
 
-<file path=ppt/slideLayouts/slideLayout11.xml><?xml version="1.0" encoding="utf-8"?>
+<file path=ppt/slideLayouts/slideLayout17.xml><?xml version="1.0" encoding="utf-8"?>
 <p:sldLayout xmlns:a="http://schemas.openxmlformats.org/drawingml/2006/main" xmlns:r="http://schemas.openxmlformats.org/officeDocument/2006/relationships" xmlns:p="http://schemas.openxmlformats.org/presentationml/2006/main" type="vertTitleAndTx" preserve="1">
   <p:cSld name="Vertical Title and Text">
     <p:spTree>
@@ -910,12 +3517,12 @@
         </p:nvSpPr>
         <p:spPr>
           <a:xfrm>
-            <a:off x="8653112" y="937260"/>
-            <a:ext cx="1298608" cy="4983480"/>
-          </a:xfrm>
-        </p:spPr>
-        <p:txBody>
-          <a:bodyPr vert="eaVert"/>
+            <a:off x="8304212" y="430213"/>
+            <a:ext cx="1752601" cy="5826125"/>
+          </a:xfrm>
+        </p:spPr>
+        <p:txBody>
+          <a:bodyPr vert="eaVert" anchor="b" anchorCtr="0"/>
           <a:lstStyle/>
           <a:p>
             <a:r>
@@ -938,8 +3545,8 @@
         </p:nvSpPr>
         <p:spPr>
           <a:xfrm>
-            <a:off x="2231136" y="937260"/>
-            <a:ext cx="6198489" cy="4983480"/>
+            <a:off x="652463" y="887414"/>
+            <a:ext cx="7423149" cy="5368924"/>
           </a:xfrm>
         </p:spPr>
         <p:txBody>
@@ -998,7 +3605,7 @@
           <a:bodyPr/>
           <a:lstStyle/>
           <a:p>
-            <a:fld id="{D2B97B7A-B8F8-46B9-839A-CDDEBC8948EF}" type="datetime1">
+            <a:fld id="{C0F526EE-B159-48A8-B8FA-C2ACFAEB2A3C}" type="datetime1">
               <a:rPr lang="en-IN" smtClean="0"/>
               <a:t>20-09-2025</a:t>
             </a:fld>
@@ -1023,7 +3630,7 @@
           <a:p>
             <a:r>
               <a:rPr lang="en-IN"/>
-              <a:t>Copyright by LIVS AI</a:t>
+              <a:t>Copyright by LIVIS AI</a:t>
             </a:r>
           </a:p>
         </p:txBody>
@@ -1054,7 +3661,7 @@
     </p:spTree>
     <p:extLst>
       <p:ext uri="{BB962C8B-B14F-4D97-AF65-F5344CB8AC3E}">
-        <p14:creationId xmlns:p14="http://schemas.microsoft.com/office/powerpoint/2010/main" val="669837897"/>
+        <p14:creationId xmlns:p14="http://schemas.microsoft.com/office/powerpoint/2010/main" val="854453510"/>
       </p:ext>
     </p:extLst>
   </p:cSld>
@@ -1158,7 +3765,7 @@
       </p:sp>
       <p:sp>
         <p:nvSpPr>
-          <p:cNvPr id="7" name="Date Placeholder 6"/>
+          <p:cNvPr id="7" name="Date Placeholder 3"/>
           <p:cNvSpPr>
             <a:spLocks noGrp="1"/>
           </p:cNvSpPr>
@@ -1171,7 +3778,7 @@
           <a:bodyPr/>
           <a:lstStyle/>
           <a:p>
-            <a:fld id="{EDE623DD-FA96-41FF-83C6-449C801E8FF8}" type="datetime1">
+            <a:fld id="{B2F47DA9-5D26-491D-AB40-F47BD0A600A8}" type="datetime1">
               <a:rPr lang="en-IN" smtClean="0"/>
               <a:t>20-09-2025</a:t>
             </a:fld>
@@ -1181,7 +3788,7 @@
       </p:sp>
       <p:sp>
         <p:nvSpPr>
-          <p:cNvPr id="8" name="Footer Placeholder 7"/>
+          <p:cNvPr id="5" name="Footer Placeholder 4"/>
           <p:cNvSpPr>
             <a:spLocks noGrp="1"/>
           </p:cNvSpPr>
@@ -1196,14 +3803,14 @@
           <a:p>
             <a:r>
               <a:rPr lang="en-IN"/>
-              <a:t>Copyright by LIVS AI</a:t>
-            </a:r>
-          </a:p>
-        </p:txBody>
-      </p:sp>
-      <p:sp>
-        <p:nvSpPr>
-          <p:cNvPr id="9" name="Slide Number Placeholder 8"/>
+              <a:t>Copyright by LIVIS AI</a:t>
+            </a:r>
+          </a:p>
+        </p:txBody>
+      </p:sp>
+      <p:sp>
+        <p:nvSpPr>
+          <p:cNvPr id="6" name="Slide Number Placeholder 5"/>
           <p:cNvSpPr>
             <a:spLocks noGrp="1"/>
           </p:cNvSpPr>
@@ -1227,7 +3834,7 @@
     </p:spTree>
     <p:extLst>
       <p:ext uri="{BB962C8B-B14F-4D97-AF65-F5344CB8AC3E}">
-        <p14:creationId xmlns:p14="http://schemas.microsoft.com/office/powerpoint/2010/main" val="4277679243"/>
+        <p14:creationId xmlns:p14="http://schemas.microsoft.com/office/powerpoint/2010/main" val="3850689363"/>
       </p:ext>
     </p:extLst>
   </p:cSld>
@@ -1240,14 +3847,6 @@
 <file path=ppt/slideLayouts/slideLayout3.xml><?xml version="1.0" encoding="utf-8"?>
 <p:sldLayout xmlns:a="http://schemas.openxmlformats.org/drawingml/2006/main" xmlns:r="http://schemas.openxmlformats.org/officeDocument/2006/relationships" xmlns:p="http://schemas.openxmlformats.org/presentationml/2006/main" type="secHead" preserve="1">
   <p:cSld name="Section Header">
-    <p:bg>
-      <p:bgPr>
-        <a:solidFill>
-          <a:schemeClr val="accent1"/>
-        </a:solidFill>
-        <a:effectLst/>
-      </p:bgPr>
-    </p:bg>
     <p:spTree>
       <p:nvGrpSpPr>
         <p:cNvPr id="1" name=""/>
@@ -1272,31 +3871,17 @@
             <p:ph type="title"/>
           </p:nvPr>
         </p:nvSpPr>
-        <p:spPr bwMode="blackWhite">
-          <a:xfrm>
-            <a:off x="1600200" y="2386744"/>
-            <a:ext cx="8991600" cy="1645920"/>
-          </a:xfrm>
-          <a:solidFill>
-            <a:srgbClr val="FFFFFF"/>
-          </a:solidFill>
-          <a:ln w="38100">
-            <a:solidFill>
-              <a:srgbClr val="404040"/>
-            </a:solidFill>
-          </a:ln>
-        </p:spPr>
-        <p:txBody>
-          <a:bodyPr lIns="274320" rIns="274320" anchor="ctr" anchorCtr="1">
-            <a:normAutofit/>
-          </a:bodyPr>
+        <p:spPr>
+          <a:xfrm>
+            <a:off x="1154956" y="2861733"/>
+            <a:ext cx="8825657" cy="1915647"/>
+          </a:xfrm>
+        </p:spPr>
+        <p:txBody>
+          <a:bodyPr anchor="b"/>
           <a:lstStyle>
-            <a:lvl1pPr>
-              <a:defRPr sz="3800">
-                <a:solidFill>
-                  <a:srgbClr val="262626"/>
-                </a:solidFill>
-              </a:defRPr>
+            <a:lvl1pPr algn="l">
+              <a:defRPr sz="4000" b="0" cap="none"/>
             </a:lvl1pPr>
           </a:lstStyle>
           <a:p>
@@ -1320,26 +3905,27 @@
         </p:nvSpPr>
         <p:spPr>
           <a:xfrm>
-            <a:off x="2695194" y="4352465"/>
-            <a:ext cx="6801612" cy="1265082"/>
-          </a:xfrm>
-        </p:spPr>
-        <p:txBody>
-          <a:bodyPr anchor="t" anchorCtr="1">
-            <a:normAutofit/>
-          </a:bodyPr>
+            <a:off x="1154955" y="4777381"/>
+            <a:ext cx="8825658" cy="860400"/>
+          </a:xfrm>
+        </p:spPr>
+        <p:txBody>
+          <a:bodyPr anchor="t"/>
           <a:lstStyle>
-            <a:lvl1pPr marL="0" indent="0">
-              <a:buNone/>
-              <a:defRPr sz="2000">
+            <a:lvl1pPr marL="0" indent="0" algn="l">
+              <a:buNone/>
+              <a:defRPr sz="2000" cap="all">
                 <a:solidFill>
-                  <a:schemeClr val="tx1"/>
+                  <a:schemeClr val="bg2">
+                    <a:lumMod val="40000"/>
+                    <a:lumOff val="60000"/>
+                  </a:schemeClr>
                 </a:solidFill>
               </a:defRPr>
             </a:lvl1pPr>
             <a:lvl2pPr marL="457200" indent="0">
               <a:buNone/>
-              <a:defRPr sz="2000">
+              <a:defRPr sz="1800">
                 <a:solidFill>
                   <a:schemeClr val="tx1">
                     <a:tint val="75000"/>
@@ -1349,7 +3935,7 @@
             </a:lvl2pPr>
             <a:lvl3pPr marL="914400" indent="0">
               <a:buNone/>
-              <a:defRPr sz="1800">
+              <a:defRPr sz="1600">
                 <a:solidFill>
                   <a:schemeClr val="tx1">
                     <a:tint val="75000"/>
@@ -1359,7 +3945,7 @@
             </a:lvl3pPr>
             <a:lvl4pPr marL="1371600" indent="0">
               <a:buNone/>
-              <a:defRPr sz="1600">
+              <a:defRPr sz="1400">
                 <a:solidFill>
                   <a:schemeClr val="tx1">
                     <a:tint val="75000"/>
@@ -1369,7 +3955,7 @@
             </a:lvl4pPr>
             <a:lvl5pPr marL="1828800" indent="0">
               <a:buNone/>
-              <a:defRPr sz="1600">
+              <a:defRPr sz="1400">
                 <a:solidFill>
                   <a:schemeClr val="tx1">
                     <a:tint val="75000"/>
@@ -1379,7 +3965,7 @@
             </a:lvl5pPr>
             <a:lvl6pPr marL="2286000" indent="0">
               <a:buNone/>
-              <a:defRPr sz="1600">
+              <a:defRPr sz="1400">
                 <a:solidFill>
                   <a:schemeClr val="tx1">
                     <a:tint val="75000"/>
@@ -1389,7 +3975,7 @@
             </a:lvl6pPr>
             <a:lvl7pPr marL="2743200" indent="0">
               <a:buNone/>
-              <a:defRPr sz="1600">
+              <a:defRPr sz="1400">
                 <a:solidFill>
                   <a:schemeClr val="tx1">
                     <a:tint val="75000"/>
@@ -1399,7 +3985,7 @@
             </a:lvl7pPr>
             <a:lvl8pPr marL="3200400" indent="0">
               <a:buNone/>
-              <a:defRPr sz="1600">
+              <a:defRPr sz="1400">
                 <a:solidFill>
                   <a:schemeClr val="tx1">
                     <a:tint val="75000"/>
@@ -1409,7 +3995,7 @@
             </a:lvl8pPr>
             <a:lvl9pPr marL="3657600" indent="0">
               <a:buNone/>
-              <a:defRPr sz="1600">
+              <a:defRPr sz="1400">
                 <a:solidFill>
                   <a:schemeClr val="tx1">
                     <a:tint val="75000"/>
@@ -1429,7 +4015,7 @@
       </p:sp>
       <p:sp>
         <p:nvSpPr>
-          <p:cNvPr id="7" name="Date Placeholder 6"/>
+          <p:cNvPr id="4" name="Date Placeholder 3"/>
           <p:cNvSpPr>
             <a:spLocks noGrp="1"/>
           </p:cNvSpPr>
@@ -1442,7 +4028,7 @@
           <a:bodyPr/>
           <a:lstStyle/>
           <a:p>
-            <a:fld id="{A3EB3E3F-3352-4576-87BF-38A37FA149B4}" type="datetime1">
+            <a:fld id="{43FE68CF-F1A6-44D4-BEF0-93913FD02B00}" type="datetime1">
               <a:rPr lang="en-IN" smtClean="0"/>
               <a:t>20-09-2025</a:t>
             </a:fld>
@@ -1452,7 +4038,7 @@
       </p:sp>
       <p:sp>
         <p:nvSpPr>
-          <p:cNvPr id="8" name="Footer Placeholder 7"/>
+          <p:cNvPr id="5" name="Footer Placeholder 4"/>
           <p:cNvSpPr>
             <a:spLocks noGrp="1"/>
           </p:cNvSpPr>
@@ -1467,14 +4053,14 @@
           <a:p>
             <a:r>
               <a:rPr lang="en-IN"/>
-              <a:t>Copyright by LIVS AI</a:t>
-            </a:r>
-          </a:p>
-        </p:txBody>
-      </p:sp>
-      <p:sp>
-        <p:nvSpPr>
-          <p:cNvPr id="9" name="Slide Number Placeholder 8"/>
+              <a:t>Copyright by LIVIS AI</a:t>
+            </a:r>
+          </a:p>
+        </p:txBody>
+      </p:sp>
+      <p:sp>
+        <p:nvSpPr>
+          <p:cNvPr id="6" name="Slide Number Placeholder 5"/>
           <p:cNvSpPr>
             <a:spLocks noGrp="1"/>
           </p:cNvSpPr>
@@ -1498,12 +4084,12 @@
     </p:spTree>
     <p:extLst>
       <p:ext uri="{BB962C8B-B14F-4D97-AF65-F5344CB8AC3E}">
-        <p14:creationId xmlns:p14="http://schemas.microsoft.com/office/powerpoint/2010/main" val="2003807465"/>
+        <p14:creationId xmlns:p14="http://schemas.microsoft.com/office/powerpoint/2010/main" val="2832123437"/>
       </p:ext>
     </p:extLst>
   </p:cSld>
   <p:clrMapOvr>
-    <a:overrideClrMapping bg1="dk1" tx1="lt1" bg2="dk2" tx2="lt2" accent1="accent1" accent2="accent2" accent3="accent3" accent4="accent4" accent5="accent5" accent6="accent6" hlink="hlink" folHlink="folHlink"/>
+    <a:masterClrMapping/>
   </p:clrMapOvr>
 </p:sldLayout>
 </file>
@@ -1560,13 +4146,43 @@
         </p:nvSpPr>
         <p:spPr>
           <a:xfrm>
-            <a:off x="1581912" y="2638044"/>
-            <a:ext cx="4271771" cy="3101982"/>
-          </a:xfrm>
-        </p:spPr>
-        <p:txBody>
-          <a:bodyPr/>
-          <a:lstStyle/>
+            <a:off x="1103312" y="2060575"/>
+            <a:ext cx="4396339" cy="4195763"/>
+          </a:xfrm>
+        </p:spPr>
+        <p:txBody>
+          <a:bodyPr>
+            <a:normAutofit/>
+          </a:bodyPr>
+          <a:lstStyle>
+            <a:lvl1pPr>
+              <a:defRPr sz="1800"/>
+            </a:lvl1pPr>
+            <a:lvl2pPr>
+              <a:defRPr sz="1600"/>
+            </a:lvl2pPr>
+            <a:lvl3pPr>
+              <a:defRPr sz="1400"/>
+            </a:lvl3pPr>
+            <a:lvl4pPr>
+              <a:defRPr sz="1200"/>
+            </a:lvl4pPr>
+            <a:lvl5pPr>
+              <a:defRPr sz="1200"/>
+            </a:lvl5pPr>
+            <a:lvl6pPr>
+              <a:defRPr sz="1200"/>
+            </a:lvl6pPr>
+            <a:lvl7pPr>
+              <a:defRPr sz="1200"/>
+            </a:lvl7pPr>
+            <a:lvl8pPr>
+              <a:defRPr sz="1200"/>
+            </a:lvl8pPr>
+            <a:lvl9pPr>
+              <a:defRPr sz="1200"/>
+            </a:lvl9pPr>
+          </a:lstStyle>
           <a:p>
             <a:pPr lvl="0"/>
             <a:r>
@@ -1617,13 +4233,43 @@
         </p:nvSpPr>
         <p:spPr>
           <a:xfrm>
-            <a:off x="6338315" y="2638044"/>
-            <a:ext cx="4270247" cy="3101982"/>
-          </a:xfrm>
-        </p:spPr>
-        <p:txBody>
-          <a:bodyPr/>
-          <a:lstStyle/>
+            <a:off x="5654493" y="2056092"/>
+            <a:ext cx="4396341" cy="4200245"/>
+          </a:xfrm>
+        </p:spPr>
+        <p:txBody>
+          <a:bodyPr>
+            <a:normAutofit/>
+          </a:bodyPr>
+          <a:lstStyle>
+            <a:lvl1pPr>
+              <a:defRPr sz="1800"/>
+            </a:lvl1pPr>
+            <a:lvl2pPr>
+              <a:defRPr sz="1600"/>
+            </a:lvl2pPr>
+            <a:lvl3pPr>
+              <a:defRPr sz="1400"/>
+            </a:lvl3pPr>
+            <a:lvl4pPr>
+              <a:defRPr sz="1200"/>
+            </a:lvl4pPr>
+            <a:lvl5pPr>
+              <a:defRPr sz="1200"/>
+            </a:lvl5pPr>
+            <a:lvl6pPr>
+              <a:defRPr sz="1200"/>
+            </a:lvl6pPr>
+            <a:lvl7pPr>
+              <a:defRPr sz="1200"/>
+            </a:lvl7pPr>
+            <a:lvl8pPr>
+              <a:defRPr sz="1200"/>
+            </a:lvl8pPr>
+            <a:lvl9pPr>
+              <a:defRPr sz="1200"/>
+            </a:lvl9pPr>
+          </a:lstStyle>
           <a:p>
             <a:pPr lvl="0"/>
             <a:r>
@@ -1664,7 +4310,7 @@
       </p:sp>
       <p:sp>
         <p:nvSpPr>
-          <p:cNvPr id="8" name="Date Placeholder 7"/>
+          <p:cNvPr id="5" name="Date Placeholder 4"/>
           <p:cNvSpPr>
             <a:spLocks noGrp="1"/>
           </p:cNvSpPr>
@@ -1677,7 +4323,7 @@
           <a:bodyPr/>
           <a:lstStyle/>
           <a:p>
-            <a:fld id="{6CBC400B-E9A9-440A-BC00-DB3CF1F34DD4}" type="datetime1">
+            <a:fld id="{58591724-C33D-4175-9A89-7D49A74BC90F}" type="datetime1">
               <a:rPr lang="en-IN" smtClean="0"/>
               <a:t>20-09-2025</a:t>
             </a:fld>
@@ -1687,7 +4333,7 @@
       </p:sp>
       <p:sp>
         <p:nvSpPr>
-          <p:cNvPr id="9" name="Footer Placeholder 8"/>
+          <p:cNvPr id="6" name="Footer Placeholder 5"/>
           <p:cNvSpPr>
             <a:spLocks noGrp="1"/>
           </p:cNvSpPr>
@@ -1702,14 +4348,14 @@
           <a:p>
             <a:r>
               <a:rPr lang="en-IN"/>
-              <a:t>Copyright by LIVS AI</a:t>
-            </a:r>
-          </a:p>
-        </p:txBody>
-      </p:sp>
-      <p:sp>
-        <p:nvSpPr>
-          <p:cNvPr id="10" name="Slide Number Placeholder 9"/>
+              <a:t>Copyright by LIVIS AI</a:t>
+            </a:r>
+          </a:p>
+        </p:txBody>
+      </p:sp>
+      <p:sp>
+        <p:nvSpPr>
+          <p:cNvPr id="7" name="Slide Number Placeholder 6"/>
           <p:cNvSpPr>
             <a:spLocks noGrp="1"/>
           </p:cNvSpPr>
@@ -1733,7 +4379,7 @@
     </p:spTree>
     <p:extLst>
       <p:ext uri="{BB962C8B-B14F-4D97-AF65-F5344CB8AC3E}">
-        <p14:creationId xmlns:p14="http://schemas.microsoft.com/office/powerpoint/2010/main" val="557334789"/>
+        <p14:creationId xmlns:p14="http://schemas.microsoft.com/office/powerpoint/2010/main" val="4081005082"/>
       </p:ext>
     </p:extLst>
   </p:cSld>
@@ -1762,6 +4408,33 @@
       </p:grpSpPr>
       <p:sp>
         <p:nvSpPr>
+          <p:cNvPr id="2" name="Title 1"/>
+          <p:cNvSpPr>
+            <a:spLocks noGrp="1"/>
+          </p:cNvSpPr>
+          <p:nvPr>
+            <p:ph type="title"/>
+          </p:nvPr>
+        </p:nvSpPr>
+        <p:spPr/>
+        <p:txBody>
+          <a:bodyPr/>
+          <a:lstStyle>
+            <a:lvl1pPr>
+              <a:defRPr/>
+            </a:lvl1pPr>
+          </a:lstStyle>
+          <a:p>
+            <a:r>
+              <a:rPr lang="en-US"/>
+              <a:t>Click to edit Master title style</a:t>
+            </a:r>
+            <a:endParaRPr lang="en-US" dirty="0"/>
+          </a:p>
+        </p:txBody>
+      </p:sp>
+      <p:sp>
+        <p:nvSpPr>
           <p:cNvPr id="3" name="Text Placeholder 2"/>
           <p:cNvSpPr>
             <a:spLocks noGrp="1"/>
@@ -1772,28 +4445,29 @@
         </p:nvSpPr>
         <p:spPr>
           <a:xfrm>
-            <a:off x="1583436" y="2313433"/>
-            <a:ext cx="4270248" cy="704087"/>
-          </a:xfrm>
-        </p:spPr>
-        <p:txBody>
-          <a:bodyPr anchor="b" anchorCtr="1">
-            <a:normAutofit/>
+            <a:off x="1103313" y="1905000"/>
+            <a:ext cx="4396338" cy="576262"/>
+          </a:xfrm>
+        </p:spPr>
+        <p:txBody>
+          <a:bodyPr anchor="b">
+            <a:noAutofit/>
           </a:bodyPr>
           <a:lstStyle>
-            <a:lvl1pPr marL="0" indent="0" algn="ctr">
-              <a:buNone/>
-              <a:defRPr sz="1900" b="0" cap="all" spc="100" baseline="0">
+            <a:lvl1pPr marL="0" indent="0">
+              <a:buNone/>
+              <a:defRPr sz="2400" b="0">
                 <a:solidFill>
-                  <a:schemeClr val="accent2">
-                    <a:lumMod val="75000"/>
+                  <a:schemeClr val="bg2">
+                    <a:lumMod val="40000"/>
+                    <a:lumOff val="60000"/>
                   </a:schemeClr>
                 </a:solidFill>
               </a:defRPr>
             </a:lvl1pPr>
             <a:lvl2pPr marL="457200" indent="0">
               <a:buNone/>
-              <a:defRPr sz="1900" b="1"/>
+              <a:defRPr sz="2000" b="1"/>
             </a:lvl2pPr>
             <a:lvl3pPr marL="914400" indent="0">
               <a:buNone/>
@@ -1845,146 +4519,116 @@
         </p:nvSpPr>
         <p:spPr>
           <a:xfrm>
-            <a:off x="1583436" y="3143250"/>
-            <a:ext cx="4270248" cy="2596776"/>
-          </a:xfrm>
-        </p:spPr>
-        <p:txBody>
-          <a:bodyPr/>
-          <a:lstStyle/>
-          <a:p>
-            <a:pPr lvl="0"/>
-            <a:r>
-              <a:rPr lang="en-US"/>
-              <a:t>Click to edit Master text styles</a:t>
-            </a:r>
-          </a:p>
-          <a:p>
-            <a:pPr lvl="1"/>
-            <a:r>
-              <a:rPr lang="en-US"/>
-              <a:t>Second level</a:t>
-            </a:r>
-          </a:p>
-          <a:p>
-            <a:pPr lvl="2"/>
-            <a:r>
-              <a:rPr lang="en-US"/>
-              <a:t>Third level</a:t>
-            </a:r>
-          </a:p>
-          <a:p>
-            <a:pPr lvl="3"/>
-            <a:r>
-              <a:rPr lang="en-US"/>
-              <a:t>Fourth level</a:t>
-            </a:r>
-          </a:p>
-          <a:p>
-            <a:pPr lvl="4"/>
-            <a:r>
-              <a:rPr lang="en-US"/>
-              <a:t>Fifth level</a:t>
-            </a:r>
-            <a:endParaRPr lang="en-US" dirty="0"/>
-          </a:p>
-        </p:txBody>
-      </p:sp>
-      <p:sp>
-        <p:nvSpPr>
-          <p:cNvPr id="6" name="Content Placeholder 5"/>
-          <p:cNvSpPr>
-            <a:spLocks noGrp="1"/>
-          </p:cNvSpPr>
-          <p:nvPr>
-            <p:ph sz="quarter" idx="4"/>
-          </p:nvPr>
-        </p:nvSpPr>
-        <p:spPr>
-          <a:xfrm>
-            <a:off x="6338316" y="3143250"/>
-            <a:ext cx="4253484" cy="2596776"/>
-          </a:xfrm>
-        </p:spPr>
-        <p:txBody>
-          <a:bodyPr/>
-          <a:lstStyle>
-            <a:lvl5pPr>
-              <a:defRPr/>
-            </a:lvl5pPr>
-          </a:lstStyle>
-          <a:p>
-            <a:pPr lvl="0"/>
-            <a:r>
-              <a:rPr lang="en-US"/>
-              <a:t>Click to edit Master text styles</a:t>
-            </a:r>
-          </a:p>
-          <a:p>
-            <a:pPr lvl="1"/>
-            <a:r>
-              <a:rPr lang="en-US"/>
-              <a:t>Second level</a:t>
-            </a:r>
-          </a:p>
-          <a:p>
-            <a:pPr lvl="2"/>
-            <a:r>
-              <a:rPr lang="en-US"/>
-              <a:t>Third level</a:t>
-            </a:r>
-          </a:p>
-          <a:p>
-            <a:pPr lvl="3"/>
-            <a:r>
-              <a:rPr lang="en-US"/>
-              <a:t>Fourth level</a:t>
-            </a:r>
-          </a:p>
-          <a:p>
-            <a:pPr lvl="4"/>
-            <a:r>
-              <a:rPr lang="en-US"/>
-              <a:t>Fifth level</a:t>
-            </a:r>
-            <a:endParaRPr lang="en-US" dirty="0"/>
-          </a:p>
-        </p:txBody>
-      </p:sp>
-      <p:sp>
-        <p:nvSpPr>
-          <p:cNvPr id="11" name="Text Placeholder 4"/>
-          <p:cNvSpPr>
-            <a:spLocks noGrp="1"/>
-          </p:cNvSpPr>
-          <p:nvPr>
-            <p:ph type="body" sz="quarter" idx="13"/>
-          </p:nvPr>
-        </p:nvSpPr>
-        <p:spPr>
-          <a:xfrm>
-            <a:off x="6338316" y="2313433"/>
-            <a:ext cx="4270248" cy="704087"/>
-          </a:xfrm>
-        </p:spPr>
-        <p:txBody>
-          <a:bodyPr anchor="b" anchorCtr="1">
+            <a:off x="1103312" y="2514600"/>
+            <a:ext cx="4396339" cy="3741738"/>
+          </a:xfrm>
+        </p:spPr>
+        <p:txBody>
+          <a:bodyPr>
             <a:normAutofit/>
           </a:bodyPr>
           <a:lstStyle>
-            <a:lvl1pPr marL="0" indent="0" algn="ctr">
-              <a:buNone/>
-              <a:defRPr sz="1900" b="0" cap="all" spc="100" baseline="0">
+            <a:lvl1pPr>
+              <a:defRPr sz="1800"/>
+            </a:lvl1pPr>
+            <a:lvl2pPr>
+              <a:defRPr sz="1600"/>
+            </a:lvl2pPr>
+            <a:lvl3pPr>
+              <a:defRPr sz="1400"/>
+            </a:lvl3pPr>
+            <a:lvl4pPr>
+              <a:defRPr sz="1200"/>
+            </a:lvl4pPr>
+            <a:lvl5pPr>
+              <a:defRPr sz="1200"/>
+            </a:lvl5pPr>
+            <a:lvl6pPr>
+              <a:defRPr sz="1200"/>
+            </a:lvl6pPr>
+            <a:lvl7pPr>
+              <a:defRPr sz="1200"/>
+            </a:lvl7pPr>
+            <a:lvl8pPr>
+              <a:defRPr sz="1200"/>
+            </a:lvl8pPr>
+            <a:lvl9pPr>
+              <a:defRPr sz="1200"/>
+            </a:lvl9pPr>
+          </a:lstStyle>
+          <a:p>
+            <a:pPr lvl="0"/>
+            <a:r>
+              <a:rPr lang="en-US"/>
+              <a:t>Click to edit Master text styles</a:t>
+            </a:r>
+          </a:p>
+          <a:p>
+            <a:pPr lvl="1"/>
+            <a:r>
+              <a:rPr lang="en-US"/>
+              <a:t>Second level</a:t>
+            </a:r>
+          </a:p>
+          <a:p>
+            <a:pPr lvl="2"/>
+            <a:r>
+              <a:rPr lang="en-US"/>
+              <a:t>Third level</a:t>
+            </a:r>
+          </a:p>
+          <a:p>
+            <a:pPr lvl="3"/>
+            <a:r>
+              <a:rPr lang="en-US"/>
+              <a:t>Fourth level</a:t>
+            </a:r>
+          </a:p>
+          <a:p>
+            <a:pPr lvl="4"/>
+            <a:r>
+              <a:rPr lang="en-US"/>
+              <a:t>Fifth level</a:t>
+            </a:r>
+            <a:endParaRPr lang="en-US" dirty="0"/>
+          </a:p>
+        </p:txBody>
+      </p:sp>
+      <p:sp>
+        <p:nvSpPr>
+          <p:cNvPr id="5" name="Text Placeholder 4"/>
+          <p:cNvSpPr>
+            <a:spLocks noGrp="1"/>
+          </p:cNvSpPr>
+          <p:nvPr>
+            <p:ph type="body" sz="quarter" idx="3"/>
+          </p:nvPr>
+        </p:nvSpPr>
+        <p:spPr>
+          <a:xfrm>
+            <a:off x="5654495" y="1905000"/>
+            <a:ext cx="4396339" cy="576262"/>
+          </a:xfrm>
+        </p:spPr>
+        <p:txBody>
+          <a:bodyPr anchor="b">
+            <a:noAutofit/>
+          </a:bodyPr>
+          <a:lstStyle>
+            <a:lvl1pPr marL="0" indent="0">
+              <a:buNone/>
+              <a:defRPr sz="2400" b="0">
                 <a:solidFill>
-                  <a:schemeClr val="accent2">
-                    <a:lumMod val="75000"/>
+                  <a:schemeClr val="bg2">
+                    <a:lumMod val="40000"/>
+                    <a:lumOff val="60000"/>
                   </a:schemeClr>
                 </a:solidFill>
               </a:defRPr>
             </a:lvl1pPr>
             <a:lvl2pPr marL="457200" indent="0">
               <a:buNone/>
-              <a:defRPr sz="1900" b="1"/>
+              <a:defRPr sz="2000" b="1"/>
             </a:lvl2pPr>
             <a:lvl3pPr marL="914400" indent="0">
               <a:buNone/>
@@ -2026,6 +4670,93 @@
       </p:sp>
       <p:sp>
         <p:nvSpPr>
+          <p:cNvPr id="6" name="Content Placeholder 5"/>
+          <p:cNvSpPr>
+            <a:spLocks noGrp="1"/>
+          </p:cNvSpPr>
+          <p:nvPr>
+            <p:ph sz="quarter" idx="4"/>
+          </p:nvPr>
+        </p:nvSpPr>
+        <p:spPr>
+          <a:xfrm>
+            <a:off x="5654495" y="2514600"/>
+            <a:ext cx="4396339" cy="3741738"/>
+          </a:xfrm>
+        </p:spPr>
+        <p:txBody>
+          <a:bodyPr>
+            <a:normAutofit/>
+          </a:bodyPr>
+          <a:lstStyle>
+            <a:lvl1pPr>
+              <a:defRPr sz="1800"/>
+            </a:lvl1pPr>
+            <a:lvl2pPr>
+              <a:defRPr sz="1600"/>
+            </a:lvl2pPr>
+            <a:lvl3pPr>
+              <a:defRPr sz="1400"/>
+            </a:lvl3pPr>
+            <a:lvl4pPr>
+              <a:defRPr sz="1200"/>
+            </a:lvl4pPr>
+            <a:lvl5pPr>
+              <a:defRPr sz="1200"/>
+            </a:lvl5pPr>
+            <a:lvl6pPr>
+              <a:defRPr sz="1200"/>
+            </a:lvl6pPr>
+            <a:lvl7pPr>
+              <a:defRPr sz="1200"/>
+            </a:lvl7pPr>
+            <a:lvl8pPr>
+              <a:defRPr sz="1200"/>
+            </a:lvl8pPr>
+            <a:lvl9pPr>
+              <a:defRPr sz="1200"/>
+            </a:lvl9pPr>
+          </a:lstStyle>
+          <a:p>
+            <a:pPr lvl="0"/>
+            <a:r>
+              <a:rPr lang="en-US"/>
+              <a:t>Click to edit Master text styles</a:t>
+            </a:r>
+          </a:p>
+          <a:p>
+            <a:pPr lvl="1"/>
+            <a:r>
+              <a:rPr lang="en-US"/>
+              <a:t>Second level</a:t>
+            </a:r>
+          </a:p>
+          <a:p>
+            <a:pPr lvl="2"/>
+            <a:r>
+              <a:rPr lang="en-US"/>
+              <a:t>Third level</a:t>
+            </a:r>
+          </a:p>
+          <a:p>
+            <a:pPr lvl="3"/>
+            <a:r>
+              <a:rPr lang="en-US"/>
+              <a:t>Fourth level</a:t>
+            </a:r>
+          </a:p>
+          <a:p>
+            <a:pPr lvl="4"/>
+            <a:r>
+              <a:rPr lang="en-US"/>
+              <a:t>Fifth level</a:t>
+            </a:r>
+            <a:endParaRPr lang="en-US" dirty="0"/>
+          </a:p>
+        </p:txBody>
+      </p:sp>
+      <p:sp>
+        <p:nvSpPr>
           <p:cNvPr id="7" name="Date Placeholder 6"/>
           <p:cNvSpPr>
             <a:spLocks noGrp="1"/>
@@ -2039,7 +4770,7 @@
           <a:bodyPr/>
           <a:lstStyle/>
           <a:p>
-            <a:fld id="{A1977451-34CA-4EB7-9B63-22931711D15A}" type="datetime1">
+            <a:fld id="{3F82361C-D8AB-42E1-93A7-09F0CA0985B2}" type="datetime1">
               <a:rPr lang="en-IN" smtClean="0"/>
               <a:t>20-09-2025</a:t>
             </a:fld>
@@ -2064,7 +4795,7 @@
           <a:p>
             <a:r>
               <a:rPr lang="en-IN"/>
-              <a:t>Copyright by LIVS AI</a:t>
+              <a:t>Copyright by LIVIS AI</a:t>
             </a:r>
           </a:p>
         </p:txBody>
@@ -2092,40 +4823,16 @@
           </a:p>
         </p:txBody>
       </p:sp>
-      <p:sp>
-        <p:nvSpPr>
-          <p:cNvPr id="10" name="Title 9"/>
-          <p:cNvSpPr>
-            <a:spLocks noGrp="1"/>
-          </p:cNvSpPr>
-          <p:nvPr>
-            <p:ph type="title"/>
-          </p:nvPr>
-        </p:nvSpPr>
-        <p:spPr/>
-        <p:txBody>
-          <a:bodyPr/>
-          <a:lstStyle/>
-          <a:p>
-            <a:r>
-              <a:rPr lang="en-US"/>
-              <a:t>Click to edit Master title style</a:t>
-            </a:r>
-            <a:endParaRPr lang="en-US" dirty="0"/>
-          </a:p>
-        </p:txBody>
-      </p:sp>
     </p:spTree>
     <p:extLst>
       <p:ext uri="{BB962C8B-B14F-4D97-AF65-F5344CB8AC3E}">
-        <p14:creationId xmlns:p14="http://schemas.microsoft.com/office/powerpoint/2010/main" val="2361260350"/>
+        <p14:creationId xmlns:p14="http://schemas.microsoft.com/office/powerpoint/2010/main" val="391401666"/>
       </p:ext>
     </p:extLst>
   </p:cSld>
   <p:clrMapOvr>
     <a:masterClrMapping/>
   </p:clrMapOvr>
-  <p:hf hdr="0"/>
 </p:sldLayout>
 </file>
 
@@ -2171,7 +4878,7 @@
       </p:sp>
       <p:sp>
         <p:nvSpPr>
-          <p:cNvPr id="3" name="Date Placeholder 2"/>
+          <p:cNvPr id="7" name="Date Placeholder 2"/>
           <p:cNvSpPr>
             <a:spLocks noGrp="1"/>
           </p:cNvSpPr>
@@ -2184,7 +4891,7 @@
           <a:bodyPr/>
           <a:lstStyle/>
           <a:p>
-            <a:fld id="{EBAA02CC-A9E1-413B-B520-9B95964B9403}" type="datetime1">
+            <a:fld id="{56C7C405-5174-402C-942D-59A1C151D0DF}" type="datetime1">
               <a:rPr lang="en-IN" smtClean="0"/>
               <a:t>20-09-2025</a:t>
             </a:fld>
@@ -2194,7 +4901,7 @@
       </p:sp>
       <p:sp>
         <p:nvSpPr>
-          <p:cNvPr id="4" name="Footer Placeholder 3"/>
+          <p:cNvPr id="5" name="Footer Placeholder 3"/>
           <p:cNvSpPr>
             <a:spLocks noGrp="1"/>
           </p:cNvSpPr>
@@ -2209,14 +4916,14 @@
           <a:p>
             <a:r>
               <a:rPr lang="en-IN"/>
-              <a:t>Copyright by LIVS AI</a:t>
-            </a:r>
-          </a:p>
-        </p:txBody>
-      </p:sp>
-      <p:sp>
-        <p:nvSpPr>
-          <p:cNvPr id="5" name="Slide Number Placeholder 4"/>
+              <a:t>Copyright by LIVIS AI</a:t>
+            </a:r>
+          </a:p>
+        </p:txBody>
+      </p:sp>
+      <p:sp>
+        <p:nvSpPr>
+          <p:cNvPr id="6" name="Slide Number Placeholder 4"/>
           <p:cNvSpPr>
             <a:spLocks noGrp="1"/>
           </p:cNvSpPr>
@@ -2240,7 +4947,7 @@
     </p:spTree>
     <p:extLst>
       <p:ext uri="{BB962C8B-B14F-4D97-AF65-F5344CB8AC3E}">
-        <p14:creationId xmlns:p14="http://schemas.microsoft.com/office/powerpoint/2010/main" val="2869635711"/>
+        <p14:creationId xmlns:p14="http://schemas.microsoft.com/office/powerpoint/2010/main" val="1577023296"/>
       </p:ext>
     </p:extLst>
   </p:cSld>
@@ -2269,7 +4976,7 @@
       </p:grpSpPr>
       <p:sp>
         <p:nvSpPr>
-          <p:cNvPr id="2" name="Date Placeholder 1"/>
+          <p:cNvPr id="7" name="Date Placeholder 1"/>
           <p:cNvSpPr>
             <a:spLocks noGrp="1"/>
           </p:cNvSpPr>
@@ -2282,7 +4989,7 @@
           <a:bodyPr/>
           <a:lstStyle/>
           <a:p>
-            <a:fld id="{E359D799-1887-4C5F-A91E-9886570A7D4D}" type="datetime1">
+            <a:fld id="{6BD209CA-FA5D-4583-ACE9-FBE6DDE06F18}" type="datetime1">
               <a:rPr lang="en-IN" smtClean="0"/>
               <a:t>20-09-2025</a:t>
             </a:fld>
@@ -2292,7 +4999,7 @@
       </p:sp>
       <p:sp>
         <p:nvSpPr>
-          <p:cNvPr id="3" name="Footer Placeholder 2"/>
+          <p:cNvPr id="5" name="Footer Placeholder 2"/>
           <p:cNvSpPr>
             <a:spLocks noGrp="1"/>
           </p:cNvSpPr>
@@ -2307,14 +5014,14 @@
           <a:p>
             <a:r>
               <a:rPr lang="en-IN"/>
-              <a:t>Copyright by LIVS AI</a:t>
-            </a:r>
-          </a:p>
-        </p:txBody>
-      </p:sp>
-      <p:sp>
-        <p:nvSpPr>
-          <p:cNvPr id="4" name="Slide Number Placeholder 3"/>
+              <a:t>Copyright by LIVIS AI</a:t>
+            </a:r>
+          </a:p>
+        </p:txBody>
+      </p:sp>
+      <p:sp>
+        <p:nvSpPr>
+          <p:cNvPr id="6" name="Slide Number Placeholder 3"/>
           <p:cNvSpPr>
             <a:spLocks noGrp="1"/>
           </p:cNvSpPr>
@@ -2338,7 +5045,7 @@
     </p:spTree>
     <p:extLst>
       <p:ext uri="{BB962C8B-B14F-4D97-AF65-F5344CB8AC3E}">
-        <p14:creationId xmlns:p14="http://schemas.microsoft.com/office/powerpoint/2010/main" val="557930077"/>
+        <p14:creationId xmlns:p14="http://schemas.microsoft.com/office/powerpoint/2010/main" val="38212122"/>
       </p:ext>
     </p:extLst>
   </p:cSld>
@@ -2367,44 +5074,6 @@
       </p:grpSpPr>
       <p:sp>
         <p:nvSpPr>
-          <p:cNvPr id="26" name="Rectangle 25"/>
-          <p:cNvSpPr/>
-          <p:nvPr/>
-        </p:nvSpPr>
-        <p:spPr>
-          <a:xfrm>
-            <a:off x="0" y="0"/>
-            <a:ext cx="6096000" cy="6858000"/>
-          </a:xfrm>
-          <a:prstGeom prst="rect">
-            <a:avLst/>
-          </a:prstGeom>
-          <a:solidFill>
-            <a:schemeClr val="accent2"/>
-          </a:solidFill>
-          <a:ln>
-            <a:noFill/>
-          </a:ln>
-        </p:spPr>
-        <p:style>
-          <a:lnRef idx="2">
-            <a:schemeClr val="accent1">
-              <a:shade val="50000"/>
-            </a:schemeClr>
-          </a:lnRef>
-          <a:fillRef idx="1">
-            <a:schemeClr val="accent1"/>
-          </a:fillRef>
-          <a:effectRef idx="0">
-            <a:schemeClr val="accent1"/>
-          </a:effectRef>
-          <a:fontRef idx="minor">
-            <a:schemeClr val="lt1"/>
-          </a:fontRef>
-        </p:style>
-      </p:sp>
-      <p:sp>
-        <p:nvSpPr>
           <p:cNvPr id="2" name="Title 1"/>
           <p:cNvSpPr>
             <a:spLocks noGrp="1"/>
@@ -2413,109 +5082,75 @@
             <p:ph type="title"/>
           </p:nvPr>
         </p:nvSpPr>
-        <p:spPr bwMode="blackWhite">
-          <a:xfrm>
-            <a:off x="804672" y="2243828"/>
-            <a:ext cx="4486656" cy="1141497"/>
-          </a:xfrm>
-          <a:solidFill>
-            <a:srgbClr val="FFFFFF"/>
-          </a:solidFill>
-          <a:ln>
-            <a:solidFill>
-              <a:srgbClr val="404040"/>
-            </a:solidFill>
-          </a:ln>
-        </p:spPr>
-        <p:txBody>
-          <a:bodyPr anchor="ctr" anchorCtr="1">
+        <p:spPr>
+          <a:xfrm>
+            <a:off x="1154953" y="1447800"/>
+            <a:ext cx="3401064" cy="1447800"/>
+          </a:xfrm>
+        </p:spPr>
+        <p:txBody>
+          <a:bodyPr anchor="b"/>
+          <a:lstStyle>
+            <a:lvl1pPr algn="l">
+              <a:defRPr sz="2400" b="0"/>
+            </a:lvl1pPr>
+          </a:lstStyle>
+          <a:p>
+            <a:r>
+              <a:rPr lang="en-US"/>
+              <a:t>Click to edit Master title style</a:t>
+            </a:r>
+            <a:endParaRPr lang="en-US" dirty="0"/>
+          </a:p>
+        </p:txBody>
+      </p:sp>
+      <p:sp>
+        <p:nvSpPr>
+          <p:cNvPr id="3" name="Content Placeholder 2"/>
+          <p:cNvSpPr>
+            <a:spLocks noGrp="1"/>
+          </p:cNvSpPr>
+          <p:nvPr>
+            <p:ph idx="1"/>
+          </p:nvPr>
+        </p:nvSpPr>
+        <p:spPr>
+          <a:xfrm>
+            <a:off x="4784616" y="1447800"/>
+            <a:ext cx="5195997" cy="4572000"/>
+          </a:xfrm>
+        </p:spPr>
+        <p:txBody>
+          <a:bodyPr anchor="ctr">
             <a:normAutofit/>
           </a:bodyPr>
           <a:lstStyle>
             <a:lvl1pPr>
-              <a:defRPr sz="2200">
-                <a:solidFill>
-                  <a:srgbClr val="262626"/>
-                </a:solidFill>
-              </a:defRPr>
-            </a:lvl1pPr>
-          </a:lstStyle>
-          <a:p>
-            <a:r>
-              <a:rPr lang="en-US"/>
-              <a:t>Click to edit Master title style</a:t>
-            </a:r>
-            <a:endParaRPr lang="en-US" dirty="0"/>
-          </a:p>
-        </p:txBody>
-      </p:sp>
-      <p:sp>
-        <p:nvSpPr>
-          <p:cNvPr id="3" name="Content Placeholder 2"/>
-          <p:cNvSpPr>
-            <a:spLocks noGrp="1"/>
-          </p:cNvSpPr>
-          <p:nvPr>
-            <p:ph idx="1"/>
-          </p:nvPr>
-        </p:nvSpPr>
-        <p:spPr>
-          <a:xfrm>
-            <a:off x="6736080" y="804672"/>
-            <a:ext cx="4815840" cy="5248656"/>
-          </a:xfrm>
-        </p:spPr>
-        <p:txBody>
-          <a:bodyPr>
-            <a:normAutofit/>
-          </a:bodyPr>
-          <a:lstStyle>
-            <a:lvl1pPr>
-              <a:defRPr sz="1900">
-                <a:solidFill>
-                  <a:schemeClr val="tx1"/>
-                </a:solidFill>
-              </a:defRPr>
+              <a:defRPr sz="2000"/>
             </a:lvl1pPr>
             <a:lvl2pPr>
-              <a:defRPr sz="1600">
-                <a:solidFill>
-                  <a:schemeClr val="tx1"/>
-                </a:solidFill>
-              </a:defRPr>
+              <a:defRPr sz="1800"/>
             </a:lvl2pPr>
             <a:lvl3pPr>
-              <a:defRPr sz="1600">
-                <a:solidFill>
-                  <a:schemeClr val="tx1"/>
-                </a:solidFill>
-              </a:defRPr>
+              <a:defRPr sz="1600"/>
             </a:lvl3pPr>
             <a:lvl4pPr>
-              <a:defRPr sz="1600">
-                <a:solidFill>
-                  <a:schemeClr val="tx1"/>
-                </a:solidFill>
-              </a:defRPr>
+              <a:defRPr sz="1400"/>
             </a:lvl4pPr>
             <a:lvl5pPr>
-              <a:defRPr sz="1600">
-                <a:solidFill>
-                  <a:schemeClr val="tx1"/>
-                </a:solidFill>
-              </a:defRPr>
+              <a:defRPr sz="1400"/>
             </a:lvl5pPr>
             <a:lvl6pPr>
-              <a:defRPr sz="1600"/>
+              <a:defRPr sz="1400"/>
             </a:lvl6pPr>
             <a:lvl7pPr>
-              <a:defRPr sz="1600"/>
+              <a:defRPr sz="1400"/>
             </a:lvl7pPr>
             <a:lvl8pPr>
-              <a:defRPr sz="1600"/>
+              <a:defRPr sz="1400"/>
             </a:lvl8pPr>
             <a:lvl9pPr>
-              <a:defRPr sz="1600"/>
+              <a:defRPr sz="1400"/>
             </a:lvl9pPr>
           </a:lstStyle>
           <a:p>
@@ -2568,54 +5203,48 @@
         </p:nvSpPr>
         <p:spPr>
           <a:xfrm>
-            <a:off x="1115568" y="3549918"/>
-            <a:ext cx="3794760" cy="2194036"/>
-          </a:xfrm>
-        </p:spPr>
-        <p:txBody>
-          <a:bodyPr anchor="t" anchorCtr="1">
-            <a:normAutofit/>
-          </a:bodyPr>
+            <a:off x="1154953" y="3129280"/>
+            <a:ext cx="3401063" cy="2895599"/>
+          </a:xfrm>
+        </p:spPr>
+        <p:txBody>
+          <a:bodyPr/>
           <a:lstStyle>
-            <a:lvl1pPr marL="0" indent="0" algn="ctr">
-              <a:buNone/>
-              <a:defRPr sz="1500">
-                <a:solidFill>
-                  <a:srgbClr val="FFFFFF"/>
-                </a:solidFill>
-              </a:defRPr>
+            <a:lvl1pPr marL="0" indent="0">
+              <a:buNone/>
+              <a:defRPr sz="1400"/>
             </a:lvl1pPr>
             <a:lvl2pPr marL="457200" indent="0">
               <a:buNone/>
-              <a:defRPr sz="1400"/>
+              <a:defRPr sz="1200"/>
             </a:lvl2pPr>
             <a:lvl3pPr marL="914400" indent="0">
               <a:buNone/>
-              <a:defRPr sz="1200"/>
+              <a:defRPr sz="1000"/>
             </a:lvl3pPr>
             <a:lvl4pPr marL="1371600" indent="0">
               <a:buNone/>
-              <a:defRPr sz="1000"/>
+              <a:defRPr sz="900"/>
             </a:lvl4pPr>
             <a:lvl5pPr marL="1828800" indent="0">
               <a:buNone/>
-              <a:defRPr sz="1000"/>
+              <a:defRPr sz="900"/>
             </a:lvl5pPr>
             <a:lvl6pPr marL="2286000" indent="0">
               <a:buNone/>
-              <a:defRPr sz="1000"/>
+              <a:defRPr sz="900"/>
             </a:lvl6pPr>
             <a:lvl7pPr marL="2743200" indent="0">
               <a:buNone/>
-              <a:defRPr sz="1000"/>
+              <a:defRPr sz="900"/>
             </a:lvl7pPr>
             <a:lvl8pPr marL="3200400" indent="0">
               <a:buNone/>
-              <a:defRPr sz="1000"/>
+              <a:defRPr sz="900"/>
             </a:lvl8pPr>
             <a:lvl9pPr marL="3657600" indent="0">
               <a:buNone/>
-              <a:defRPr sz="1000"/>
+              <a:defRPr sz="900"/>
             </a:lvl9pPr>
           </a:lstStyle>
           <a:p>
@@ -2629,7 +5258,7 @@
       </p:sp>
       <p:sp>
         <p:nvSpPr>
-          <p:cNvPr id="9" name="Date Placeholder 8"/>
+          <p:cNvPr id="7" name="Date Placeholder 4"/>
           <p:cNvSpPr>
             <a:spLocks noGrp="1"/>
           </p:cNvSpPr>
@@ -2642,7 +5271,7 @@
           <a:bodyPr/>
           <a:lstStyle/>
           <a:p>
-            <a:fld id="{0806C9DD-08FE-45E2-AC38-9C53DF116279}" type="datetime1">
+            <a:fld id="{9205F044-5450-4090-8B18-E178E24C1888}" type="datetime1">
               <a:rPr lang="en-IN" smtClean="0"/>
               <a:t>20-09-2025</a:t>
             </a:fld>
@@ -2652,7 +5281,7 @@
       </p:sp>
       <p:sp>
         <p:nvSpPr>
-          <p:cNvPr id="10" name="Footer Placeholder 9"/>
+          <p:cNvPr id="5" name="Footer Placeholder 5"/>
           <p:cNvSpPr>
             <a:spLocks noGrp="1"/>
           </p:cNvSpPr>
@@ -2660,36 +5289,21 @@
             <p:ph type="ftr" sz="quarter" idx="11"/>
           </p:nvPr>
         </p:nvSpPr>
-        <p:spPr>
-          <a:xfrm>
-            <a:off x="804672" y="6236208"/>
-            <a:ext cx="5124797" cy="320040"/>
-          </a:xfrm>
-        </p:spPr>
+        <p:spPr/>
         <p:txBody>
           <a:bodyPr/>
-          <a:lstStyle>
-            <a:lvl1pPr>
-              <a:defRPr>
-                <a:solidFill>
-                  <a:srgbClr val="FFFFFF">
-                    <a:alpha val="70000"/>
-                  </a:srgbClr>
-                </a:solidFill>
-              </a:defRPr>
-            </a:lvl1pPr>
-          </a:lstStyle>
+          <a:lstStyle/>
           <a:p>
             <a:r>
               <a:rPr lang="en-IN"/>
-              <a:t>Copyright by LIVS AI</a:t>
-            </a:r>
-          </a:p>
-        </p:txBody>
-      </p:sp>
-      <p:sp>
-        <p:nvSpPr>
-          <p:cNvPr id="11" name="Slide Number Placeholder 10"/>
+              <a:t>Copyright by LIVIS AI</a:t>
+            </a:r>
+          </a:p>
+        </p:txBody>
+      </p:sp>
+      <p:sp>
+        <p:nvSpPr>
+          <p:cNvPr id="6" name="Slide Number Placeholder 6"/>
           <p:cNvSpPr>
             <a:spLocks noGrp="1"/>
           </p:cNvSpPr>
@@ -2713,7 +5327,7 @@
     </p:spTree>
     <p:extLst>
       <p:ext uri="{BB962C8B-B14F-4D97-AF65-F5344CB8AC3E}">
-        <p14:creationId xmlns:p14="http://schemas.microsoft.com/office/powerpoint/2010/main" val="2068738175"/>
+        <p14:creationId xmlns:p14="http://schemas.microsoft.com/office/powerpoint/2010/main" val="532359516"/>
       </p:ext>
     </p:extLst>
   </p:cSld>
@@ -2742,44 +5356,6 @@
       </p:grpSpPr>
       <p:sp>
         <p:nvSpPr>
-          <p:cNvPr id="18" name="Rectangle 17"/>
-          <p:cNvSpPr/>
-          <p:nvPr/>
-        </p:nvSpPr>
-        <p:spPr>
-          <a:xfrm>
-            <a:off x="0" y="0"/>
-            <a:ext cx="6095999" cy="6858000"/>
-          </a:xfrm>
-          <a:prstGeom prst="rect">
-            <a:avLst/>
-          </a:prstGeom>
-          <a:solidFill>
-            <a:schemeClr val="accent2"/>
-          </a:solidFill>
-          <a:ln>
-            <a:noFill/>
-          </a:ln>
-        </p:spPr>
-        <p:style>
-          <a:lnRef idx="2">
-            <a:schemeClr val="accent1">
-              <a:shade val="50000"/>
-            </a:schemeClr>
-          </a:lnRef>
-          <a:fillRef idx="1">
-            <a:schemeClr val="accent1"/>
-          </a:fillRef>
-          <a:effectRef idx="0">
-            <a:schemeClr val="accent1"/>
-          </a:effectRef>
-          <a:fontRef idx="minor">
-            <a:schemeClr val="lt1"/>
-          </a:fontRef>
-        </p:style>
-      </p:sp>
-      <p:sp>
-        <p:nvSpPr>
           <p:cNvPr id="2" name="Title 1"/>
           <p:cNvSpPr>
             <a:spLocks noGrp="1"/>
@@ -2788,31 +5364,19 @@
             <p:ph type="title"/>
           </p:nvPr>
         </p:nvSpPr>
-        <p:spPr bwMode="blackWhite">
-          <a:xfrm>
-            <a:off x="808523" y="2243828"/>
-            <a:ext cx="4494998" cy="1134640"/>
-          </a:xfrm>
-          <a:solidFill>
-            <a:srgbClr val="FFFFFF"/>
-          </a:solidFill>
-          <a:ln>
-            <a:solidFill>
-              <a:srgbClr val="404040"/>
-            </a:solidFill>
-          </a:ln>
-        </p:spPr>
-        <p:txBody>
-          <a:bodyPr anchor="ctr" anchorCtr="1">
-            <a:noAutofit/>
+        <p:spPr>
+          <a:xfrm>
+            <a:off x="1153907" y="1854192"/>
+            <a:ext cx="5092906" cy="1574808"/>
+          </a:xfrm>
+        </p:spPr>
+        <p:txBody>
+          <a:bodyPr anchor="b">
+            <a:normAutofit/>
           </a:bodyPr>
           <a:lstStyle>
-            <a:lvl1pPr>
-              <a:defRPr sz="2200">
-                <a:solidFill>
-                  <a:srgbClr val="262626"/>
-                </a:solidFill>
-              </a:defRPr>
+            <a:lvl1pPr algn="l">
+              <a:defRPr sz="3600" b="0"/>
             </a:lvl1pPr>
           </a:lstStyle>
           <a:p>
@@ -2836,134 +5400,132 @@
         </p:nvSpPr>
         <p:spPr>
           <a:xfrm>
-            <a:off x="6095999" y="0"/>
-            <a:ext cx="6102097" cy="6858000"/>
-          </a:xfrm>
-          <a:solidFill>
-            <a:schemeClr val="bg1">
-              <a:lumMod val="75000"/>
-            </a:schemeClr>
-          </a:solidFill>
-        </p:spPr>
-        <p:txBody>
-          <a:bodyPr anchor="t"/>
-          <a:lstStyle>
-            <a:lvl1pPr marL="0" indent="0">
-              <a:buNone/>
-              <a:defRPr sz="3200">
-                <a:solidFill>
-                  <a:schemeClr val="bg1">
-                    <a:lumMod val="85000"/>
-                    <a:lumOff val="15000"/>
-                  </a:schemeClr>
-                </a:solidFill>
-              </a:defRPr>
-            </a:lvl1pPr>
-            <a:lvl2pPr marL="457200" indent="0">
-              <a:buNone/>
-              <a:defRPr sz="2800"/>
-            </a:lvl2pPr>
-            <a:lvl3pPr marL="914400" indent="0">
-              <a:buNone/>
-              <a:defRPr sz="2400"/>
-            </a:lvl3pPr>
-            <a:lvl4pPr marL="1371600" indent="0">
-              <a:buNone/>
-              <a:defRPr sz="2000"/>
-            </a:lvl4pPr>
-            <a:lvl5pPr marL="1828800" indent="0">
-              <a:buNone/>
-              <a:defRPr sz="2000"/>
-            </a:lvl5pPr>
-            <a:lvl6pPr marL="2286000" indent="0">
-              <a:buNone/>
-              <a:defRPr sz="2000"/>
-            </a:lvl6pPr>
-            <a:lvl7pPr marL="2743200" indent="0">
-              <a:buNone/>
-              <a:defRPr sz="2000"/>
-            </a:lvl7pPr>
-            <a:lvl8pPr marL="3200400" indent="0">
-              <a:buNone/>
-              <a:defRPr sz="2000"/>
-            </a:lvl8pPr>
-            <a:lvl9pPr marL="3657600" indent="0">
-              <a:buNone/>
-              <a:defRPr sz="2000"/>
-            </a:lvl9pPr>
-          </a:lstStyle>
-          <a:p>
-            <a:r>
-              <a:rPr lang="en-US"/>
-              <a:t>Click icon to add picture</a:t>
-            </a:r>
-            <a:endParaRPr lang="en-US" dirty="0"/>
-          </a:p>
-        </p:txBody>
-      </p:sp>
-      <p:sp>
-        <p:nvSpPr>
-          <p:cNvPr id="4" name="Text Placeholder 3"/>
-          <p:cNvSpPr>
-            <a:spLocks noGrp="1"/>
-          </p:cNvSpPr>
-          <p:nvPr>
-            <p:ph type="body" sz="half" idx="2"/>
-          </p:nvPr>
-        </p:nvSpPr>
-        <p:spPr>
-          <a:xfrm>
-            <a:off x="1115568" y="3549918"/>
-            <a:ext cx="3794760" cy="2194037"/>
-          </a:xfrm>
-        </p:spPr>
-        <p:txBody>
-          <a:bodyPr anchor="t" anchorCtr="1">
+            <a:off x="6949546" y="1143000"/>
+            <a:ext cx="3200400" cy="4572000"/>
+          </a:xfrm>
+          <a:prstGeom prst="roundRect">
+            <a:avLst>
+              <a:gd name="adj" fmla="val 1858"/>
+            </a:avLst>
+          </a:prstGeom>
+          <a:effectLst>
+            <a:outerShdw blurRad="50800" dist="50800" dir="5400000" algn="tl" rotWithShape="0">
+              <a:srgbClr val="000000">
+                <a:alpha val="43000"/>
+              </a:srgbClr>
+            </a:outerShdw>
+          </a:effectLst>
+        </p:spPr>
+        <p:txBody>
+          <a:bodyPr anchor="t">
             <a:normAutofit/>
           </a:bodyPr>
           <a:lstStyle>
             <a:lvl1pPr marL="0" indent="0" algn="ctr">
               <a:buNone/>
-              <a:defRPr sz="1500">
-                <a:solidFill>
-                  <a:srgbClr val="FFFFFF"/>
-                </a:solidFill>
-              </a:defRPr>
+              <a:defRPr sz="1600"/>
             </a:lvl1pPr>
             <a:lvl2pPr marL="457200" indent="0">
               <a:buNone/>
-              <a:defRPr sz="1400"/>
+              <a:defRPr sz="1600"/>
             </a:lvl2pPr>
             <a:lvl3pPr marL="914400" indent="0">
               <a:buNone/>
-              <a:defRPr sz="1200"/>
+              <a:defRPr sz="1600"/>
             </a:lvl3pPr>
             <a:lvl4pPr marL="1371600" indent="0">
               <a:buNone/>
-              <a:defRPr sz="1000"/>
+              <a:defRPr sz="1600"/>
             </a:lvl4pPr>
             <a:lvl5pPr marL="1828800" indent="0">
               <a:buNone/>
-              <a:defRPr sz="1000"/>
+              <a:defRPr sz="1600"/>
             </a:lvl5pPr>
             <a:lvl6pPr marL="2286000" indent="0">
               <a:buNone/>
-              <a:defRPr sz="1000"/>
+              <a:defRPr sz="1600"/>
             </a:lvl6pPr>
             <a:lvl7pPr marL="2743200" indent="0">
               <a:buNone/>
-              <a:defRPr sz="1000"/>
+              <a:defRPr sz="1600"/>
             </a:lvl7pPr>
             <a:lvl8pPr marL="3200400" indent="0">
               <a:buNone/>
-              <a:defRPr sz="1000"/>
+              <a:defRPr sz="1600"/>
             </a:lvl8pPr>
             <a:lvl9pPr marL="3657600" indent="0">
               <a:buNone/>
-              <a:defRPr sz="1000"/>
+              <a:defRPr sz="1600"/>
             </a:lvl9pPr>
           </a:lstStyle>
           <a:p>
+            <a:r>
+              <a:rPr lang="en-US"/>
+              <a:t>Click icon to add picture</a:t>
+            </a:r>
+            <a:endParaRPr lang="en-US" dirty="0"/>
+          </a:p>
+        </p:txBody>
+      </p:sp>
+      <p:sp>
+        <p:nvSpPr>
+          <p:cNvPr id="4" name="Text Placeholder 3"/>
+          <p:cNvSpPr>
+            <a:spLocks noGrp="1"/>
+          </p:cNvSpPr>
+          <p:nvPr>
+            <p:ph type="body" sz="half" idx="2"/>
+          </p:nvPr>
+        </p:nvSpPr>
+        <p:spPr>
+          <a:xfrm>
+            <a:off x="1154954" y="3657600"/>
+            <a:ext cx="5084979" cy="1371600"/>
+          </a:xfrm>
+        </p:spPr>
+        <p:txBody>
+          <a:bodyPr>
+            <a:normAutofit/>
+          </a:bodyPr>
+          <a:lstStyle>
+            <a:lvl1pPr marL="0" indent="0">
+              <a:buNone/>
+              <a:defRPr sz="1400"/>
+            </a:lvl1pPr>
+            <a:lvl2pPr marL="457200" indent="0">
+              <a:buNone/>
+              <a:defRPr sz="1200"/>
+            </a:lvl2pPr>
+            <a:lvl3pPr marL="914400" indent="0">
+              <a:buNone/>
+              <a:defRPr sz="1000"/>
+            </a:lvl3pPr>
+            <a:lvl4pPr marL="1371600" indent="0">
+              <a:buNone/>
+              <a:defRPr sz="900"/>
+            </a:lvl4pPr>
+            <a:lvl5pPr marL="1828800" indent="0">
+              <a:buNone/>
+              <a:defRPr sz="900"/>
+            </a:lvl5pPr>
+            <a:lvl6pPr marL="2286000" indent="0">
+              <a:buNone/>
+              <a:defRPr sz="900"/>
+            </a:lvl6pPr>
+            <a:lvl7pPr marL="2743200" indent="0">
+              <a:buNone/>
+              <a:defRPr sz="900"/>
+            </a:lvl7pPr>
+            <a:lvl8pPr marL="3200400" indent="0">
+              <a:buNone/>
+              <a:defRPr sz="900"/>
+            </a:lvl8pPr>
+            <a:lvl9pPr marL="3657600" indent="0">
+              <a:buNone/>
+              <a:defRPr sz="900"/>
+            </a:lvl9pPr>
+          </a:lstStyle>
+          <a:p>
             <a:pPr lvl="0"/>
             <a:r>
               <a:rPr lang="en-US"/>
@@ -2974,7 +5536,7 @@
       </p:sp>
       <p:sp>
         <p:nvSpPr>
-          <p:cNvPr id="8" name="Date Placeholder 7"/>
+          <p:cNvPr id="5" name="Date Placeholder 4"/>
           <p:cNvSpPr>
             <a:spLocks noGrp="1"/>
           </p:cNvSpPr>
@@ -2985,24 +5547,9 @@
         <p:spPr/>
         <p:txBody>
           <a:bodyPr/>
-          <a:lstStyle>
-            <a:lvl1pPr>
-              <a:defRPr>
-                <a:solidFill>
-                  <a:srgbClr val="FFFFFF"/>
-                </a:solidFill>
-                <a:effectLst>
-                  <a:outerShdw blurRad="50800" dist="38100" dir="2700000" algn="tl" rotWithShape="0">
-                    <a:prstClr val="black">
-                      <a:alpha val="43000"/>
-                    </a:prstClr>
-                  </a:outerShdw>
-                </a:effectLst>
-              </a:defRPr>
-            </a:lvl1pPr>
-          </a:lstStyle>
-          <a:p>
-            <a:fld id="{74B2DBC6-9660-4DCE-BBA6-72A041C760D4}" type="datetime1">
+          <a:lstStyle/>
+          <a:p>
+            <a:fld id="{FBF23E68-3C91-400C-B149-D35A2E5394CD}" type="datetime1">
               <a:rPr lang="en-IN" smtClean="0"/>
               <a:t>20-09-2025</a:t>
             </a:fld>
@@ -3012,7 +5559,7 @@
       </p:sp>
       <p:sp>
         <p:nvSpPr>
-          <p:cNvPr id="9" name="Footer Placeholder 8"/>
+          <p:cNvPr id="6" name="Footer Placeholder 5"/>
           <p:cNvSpPr>
             <a:spLocks noGrp="1"/>
           </p:cNvSpPr>
@@ -3020,36 +5567,21 @@
             <p:ph type="ftr" sz="quarter" idx="11"/>
           </p:nvPr>
         </p:nvSpPr>
-        <p:spPr>
-          <a:xfrm>
-            <a:off x="804672" y="6236208"/>
-            <a:ext cx="5124797" cy="320040"/>
-          </a:xfrm>
-        </p:spPr>
+        <p:spPr/>
         <p:txBody>
           <a:bodyPr/>
-          <a:lstStyle>
-            <a:lvl1pPr>
-              <a:defRPr>
-                <a:solidFill>
-                  <a:srgbClr val="FFFFFF">
-                    <a:alpha val="70000"/>
-                  </a:srgbClr>
-                </a:solidFill>
-              </a:defRPr>
-            </a:lvl1pPr>
-          </a:lstStyle>
+          <a:lstStyle/>
           <a:p>
             <a:r>
               <a:rPr lang="en-IN"/>
-              <a:t>Copyright by LIVS AI</a:t>
-            </a:r>
-          </a:p>
-        </p:txBody>
-      </p:sp>
-      <p:sp>
-        <p:nvSpPr>
-          <p:cNvPr id="10" name="Slide Number Placeholder 9"/>
+              <a:t>Copyright by LIVIS AI</a:t>
+            </a:r>
+          </a:p>
+        </p:txBody>
+      </p:sp>
+      <p:sp>
+        <p:nvSpPr>
+          <p:cNvPr id="7" name="Slide Number Placeholder 6"/>
           <p:cNvSpPr>
             <a:spLocks noGrp="1"/>
           </p:cNvSpPr>
@@ -3073,7 +5605,7 @@
     </p:spTree>
     <p:extLst>
       <p:ext uri="{BB962C8B-B14F-4D97-AF65-F5344CB8AC3E}">
-        <p14:creationId xmlns:p14="http://schemas.microsoft.com/office/powerpoint/2010/main" val="1975659093"/>
+        <p14:creationId xmlns:p14="http://schemas.microsoft.com/office/powerpoint/2010/main" val="1780665546"/>
       </p:ext>
     </p:extLst>
   </p:cSld>
@@ -3087,14 +5619,9 @@
 <p:sldMaster xmlns:a="http://schemas.openxmlformats.org/drawingml/2006/main" xmlns:r="http://schemas.openxmlformats.org/officeDocument/2006/relationships" xmlns:p="http://schemas.openxmlformats.org/presentationml/2006/main">
   <p:cSld>
     <p:bg>
-      <p:bgPr>
-        <a:solidFill>
-          <a:schemeClr val="bg1">
-            <a:lumMod val="95000"/>
-          </a:schemeClr>
-        </a:solidFill>
-        <a:effectLst/>
-      </p:bgPr>
+      <p:bgRef idx="1003">
+        <a:schemeClr val="bg2"/>
+      </p:bgRef>
     </p:bg>
     <p:spTree>
       <p:nvGrpSpPr>
@@ -3110,68 +5637,274 @@
           <a:chExt cx="0" cy="0"/>
         </a:xfrm>
       </p:grpSpPr>
-      <p:sp>
-        <p:nvSpPr>
-          <p:cNvPr id="2" name="Title Placeholder 1"/>
-          <p:cNvSpPr>
-            <a:spLocks noGrp="1"/>
-          </p:cNvSpPr>
-          <p:nvPr>
-            <p:ph type="title"/>
-          </p:nvPr>
-        </p:nvSpPr>
-        <p:spPr bwMode="black">
-          <a:xfrm>
-            <a:off x="2231136" y="964692"/>
-            <a:ext cx="7729728" cy="1188720"/>
+      <p:pic>
+        <p:nvPicPr>
+          <p:cNvPr id="8" name="Picture 7"/>
+          <p:cNvPicPr>
+            <a:picLocks noChangeAspect="1"/>
+          </p:cNvPicPr>
+          <p:nvPr/>
+        </p:nvPicPr>
+        <p:blipFill rotWithShape="1">
+          <a:blip r:embed="rId19">
+            <a:extLst>
+              <a:ext uri="{28A0092B-C50C-407E-A947-70E740481C1C}">
+                <a14:useLocalDpi xmlns:a14="http://schemas.microsoft.com/office/drawing/2010/main" val="0"/>
+              </a:ext>
+            </a:extLst>
+          </a:blip>
+          <a:srcRect l="3613"/>
+          <a:stretch/>
+        </p:blipFill>
+        <p:spPr>
+          <a:xfrm>
+            <a:off x="0" y="2669685"/>
+            <a:ext cx="4037012" cy="4188315"/>
+          </a:xfrm>
+          <a:prstGeom prst="rect">
+            <a:avLst/>
+          </a:prstGeom>
+        </p:spPr>
+      </p:pic>
+      <p:pic>
+        <p:nvPicPr>
+          <p:cNvPr id="7" name="Picture 6"/>
+          <p:cNvPicPr>
+            <a:picLocks noChangeAspect="1"/>
+          </p:cNvPicPr>
+          <p:nvPr/>
+        </p:nvPicPr>
+        <p:blipFill rotWithShape="1">
+          <a:blip r:embed="rId20">
+            <a:extLst>
+              <a:ext uri="{28A0092B-C50C-407E-A947-70E740481C1C}">
+                <a14:useLocalDpi xmlns:a14="http://schemas.microsoft.com/office/drawing/2010/main" val="0"/>
+              </a:ext>
+            </a:extLst>
+          </a:blip>
+          <a:srcRect l="35640"/>
+          <a:stretch/>
+        </p:blipFill>
+        <p:spPr>
+          <a:xfrm>
+            <a:off x="0" y="2892347"/>
+            <a:ext cx="1522412" cy="2365453"/>
+          </a:xfrm>
+          <a:prstGeom prst="rect">
+            <a:avLst/>
+          </a:prstGeom>
+        </p:spPr>
+      </p:pic>
+      <p:sp>
+        <p:nvSpPr>
+          <p:cNvPr id="16" name="Oval 15"/>
+          <p:cNvSpPr/>
+          <p:nvPr/>
+        </p:nvSpPr>
+        <p:spPr>
+          <a:xfrm>
+            <a:off x="8609012" y="1676400"/>
+            <a:ext cx="2819400" cy="2819400"/>
+          </a:xfrm>
+          <a:prstGeom prst="ellipse">
+            <a:avLst/>
+          </a:prstGeom>
+          <a:gradFill flip="none" rotWithShape="1">
+            <a:gsLst>
+              <a:gs pos="0">
+                <a:schemeClr val="bg2">
+                  <a:lumMod val="60000"/>
+                  <a:lumOff val="40000"/>
+                  <a:alpha val="7000"/>
+                </a:schemeClr>
+              </a:gs>
+              <a:gs pos="69000">
+                <a:schemeClr val="bg2">
+                  <a:lumMod val="60000"/>
+                  <a:lumOff val="40000"/>
+                  <a:alpha val="0"/>
+                </a:schemeClr>
+              </a:gs>
+              <a:gs pos="36000">
+                <a:schemeClr val="bg2">
+                  <a:lumMod val="60000"/>
+                  <a:lumOff val="40000"/>
+                  <a:alpha val="6000"/>
+                </a:schemeClr>
+              </a:gs>
+            </a:gsLst>
+            <a:path path="circle">
+              <a:fillToRect l="50000" t="50000" r="50000" b="50000"/>
+            </a:path>
+            <a:tileRect/>
+          </a:gradFill>
+          <a:ln>
+            <a:noFill/>
+          </a:ln>
+          <a:effectLst/>
+        </p:spPr>
+        <p:style>
+          <a:lnRef idx="1">
+            <a:schemeClr val="accent1"/>
+          </a:lnRef>
+          <a:fillRef idx="3">
+            <a:schemeClr val="accent1"/>
+          </a:fillRef>
+          <a:effectRef idx="2">
+            <a:schemeClr val="accent1"/>
+          </a:effectRef>
+          <a:fontRef idx="minor">
+            <a:schemeClr val="lt1"/>
+          </a:fontRef>
+        </p:style>
+      </p:sp>
+      <p:pic>
+        <p:nvPicPr>
+          <p:cNvPr id="9" name="Picture 8"/>
+          <p:cNvPicPr>
+            <a:picLocks noChangeAspect="1"/>
+          </p:cNvPicPr>
+          <p:nvPr/>
+        </p:nvPicPr>
+        <p:blipFill rotWithShape="1">
+          <a:blip r:embed="rId21">
+            <a:extLst>
+              <a:ext uri="{28A0092B-C50C-407E-A947-70E740481C1C}">
+                <a14:useLocalDpi xmlns:a14="http://schemas.microsoft.com/office/drawing/2010/main" val="0"/>
+              </a:ext>
+            </a:extLst>
+          </a:blip>
+          <a:srcRect t="28813"/>
+          <a:stretch/>
+        </p:blipFill>
+        <p:spPr>
+          <a:xfrm>
+            <a:off x="7999412" y="0"/>
+            <a:ext cx="1603387" cy="1141407"/>
+          </a:xfrm>
+          <a:prstGeom prst="rect">
+            <a:avLst/>
+          </a:prstGeom>
+        </p:spPr>
+      </p:pic>
+      <p:pic>
+        <p:nvPicPr>
+          <p:cNvPr id="10" name="Picture 9"/>
+          <p:cNvPicPr>
+            <a:picLocks noChangeAspect="1"/>
+          </p:cNvPicPr>
+          <p:nvPr/>
+        </p:nvPicPr>
+        <p:blipFill rotWithShape="1">
+          <a:blip r:embed="rId22">
+            <a:extLst>
+              <a:ext uri="{28A0092B-C50C-407E-A947-70E740481C1C}">
+                <a14:useLocalDpi xmlns:a14="http://schemas.microsoft.com/office/drawing/2010/main" val="0"/>
+              </a:ext>
+            </a:extLst>
+          </a:blip>
+          <a:srcRect b="23320"/>
+          <a:stretch/>
+        </p:blipFill>
+        <p:spPr>
+          <a:xfrm>
+            <a:off x="8605878" y="6096000"/>
+            <a:ext cx="993734" cy="762000"/>
+          </a:xfrm>
+          <a:prstGeom prst="rect">
+            <a:avLst/>
+          </a:prstGeom>
+        </p:spPr>
+      </p:pic>
+      <p:sp>
+        <p:nvSpPr>
+          <p:cNvPr id="14" name="Rectangle 13"/>
+          <p:cNvSpPr/>
+          <p:nvPr/>
+        </p:nvSpPr>
+        <p:spPr>
+          <a:xfrm>
+            <a:off x="10437812" y="0"/>
+            <a:ext cx="685800" cy="1143000"/>
           </a:xfrm>
           <a:prstGeom prst="rect">
             <a:avLst/>
           </a:prstGeom>
           <a:solidFill>
-            <a:srgbClr val="FFFFFF"/>
+            <a:schemeClr val="accent1"/>
           </a:solidFill>
-          <a:ln w="31750" cap="sq">
-            <a:solidFill>
-              <a:srgbClr val="404040"/>
-            </a:solidFill>
-            <a:miter lim="800000"/>
+          <a:ln>
+            <a:noFill/>
           </a:ln>
         </p:spPr>
-        <p:txBody>
-          <a:bodyPr vert="horz" lIns="182880" tIns="182880" rIns="182880" bIns="182880" rtlCol="0" anchor="ctr">
-            <a:normAutofit/>
-          </a:bodyPr>
-          <a:lstStyle/>
-          <a:p>
-            <a:r>
-              <a:rPr lang="en-US"/>
-              <a:t>Click to edit Master title style</a:t>
-            </a:r>
-            <a:endParaRPr lang="en-US" dirty="0"/>
-          </a:p>
-        </p:txBody>
-      </p:sp>
-      <p:sp>
-        <p:nvSpPr>
-          <p:cNvPr id="3" name="Text Placeholder 2"/>
-          <p:cNvSpPr>
-            <a:spLocks noGrp="1"/>
-          </p:cNvSpPr>
-          <p:nvPr>
-            <p:ph type="body" idx="1"/>
-          </p:nvPr>
-        </p:nvSpPr>
-        <p:spPr>
-          <a:xfrm>
-            <a:off x="2231136" y="2638044"/>
-            <a:ext cx="7729728" cy="3101983"/>
+        <p:style>
+          <a:lnRef idx="1">
+            <a:schemeClr val="accent1"/>
+          </a:lnRef>
+          <a:fillRef idx="3">
+            <a:schemeClr val="accent1"/>
+          </a:fillRef>
+          <a:effectRef idx="2">
+            <a:schemeClr val="accent1"/>
+          </a:effectRef>
+          <a:fontRef idx="minor">
+            <a:schemeClr val="lt1"/>
+          </a:fontRef>
+        </p:style>
+      </p:sp>
+      <p:sp>
+        <p:nvSpPr>
+          <p:cNvPr id="2" name="Title Placeholder 1"/>
+          <p:cNvSpPr>
+            <a:spLocks noGrp="1"/>
+          </p:cNvSpPr>
+          <p:nvPr>
+            <p:ph type="title"/>
+          </p:nvPr>
+        </p:nvSpPr>
+        <p:spPr>
+          <a:xfrm>
+            <a:off x="646111" y="452718"/>
+            <a:ext cx="9404723" cy="1400530"/>
           </a:xfrm>
           <a:prstGeom prst="rect">
             <a:avLst/>
           </a:prstGeom>
         </p:spPr>
         <p:txBody>
+          <a:bodyPr vert="horz" lIns="91440" tIns="45720" rIns="91440" bIns="45720" rtlCol="0" anchor="t">
+            <a:noAutofit/>
+          </a:bodyPr>
+          <a:lstStyle/>
+          <a:p>
+            <a:r>
+              <a:rPr lang="en-US"/>
+              <a:t>Click to edit Master title style</a:t>
+            </a:r>
+            <a:endParaRPr lang="en-US" dirty="0"/>
+          </a:p>
+        </p:txBody>
+      </p:sp>
+      <p:sp>
+        <p:nvSpPr>
+          <p:cNvPr id="3" name="Text Placeholder 2"/>
+          <p:cNvSpPr>
+            <a:spLocks noGrp="1"/>
+          </p:cNvSpPr>
+          <p:nvPr>
+            <p:ph type="body" idx="1"/>
+          </p:nvPr>
+        </p:nvSpPr>
+        <p:spPr>
+          <a:xfrm>
+            <a:off x="1103312" y="2052918"/>
+            <a:ext cx="8946541" cy="4195481"/>
+          </a:xfrm>
+          <a:prstGeom prst="rect">
+            <a:avLst/>
+          </a:prstGeom>
+        </p:spPr>
+        <p:txBody>
           <a:bodyPr vert="horz" lIns="91440" tIns="45720" rIns="91440" bIns="45720" rtlCol="0">
             <a:normAutofit/>
           </a:bodyPr>
@@ -3225,29 +5958,30 @@
           </p:nvPr>
         </p:nvSpPr>
         <p:spPr>
-          <a:xfrm>
-            <a:off x="7821429" y="6238816"/>
-            <a:ext cx="2753746" cy="323968"/>
+          <a:xfrm rot="5400000">
+            <a:off x="10155639" y="1790701"/>
+            <a:ext cx="990599" cy="304799"/>
           </a:xfrm>
           <a:prstGeom prst="rect">
             <a:avLst/>
           </a:prstGeom>
         </p:spPr>
         <p:txBody>
-          <a:bodyPr vert="horz" lIns="91440" tIns="45720" rIns="91440" bIns="45720" rtlCol="0" anchor="ctr"/>
+          <a:bodyPr vert="horz" lIns="91440" tIns="45720" rIns="91440" bIns="45720" rtlCol="0" anchor="t"/>
           <a:lstStyle>
-            <a:lvl1pPr algn="r">
-              <a:defRPr sz="1050">
+            <a:lvl1pPr algn="l">
+              <a:defRPr sz="1100" b="0" i="0">
                 <a:solidFill>
                   <a:schemeClr val="tx1">
-                    <a:alpha val="70000"/>
+                    <a:tint val="75000"/>
+                    <a:alpha val="60000"/>
                   </a:schemeClr>
                 </a:solidFill>
               </a:defRPr>
             </a:lvl1pPr>
           </a:lstStyle>
           <a:p>
-            <a:fld id="{A1977451-34CA-4EB7-9B63-22931711D15A}" type="datetime1">
+            <a:fld id="{E678D249-623E-4AF0-8CF8-3342A50C3017}" type="datetime1">
               <a:rPr lang="en-IN" smtClean="0"/>
               <a:t>20-09-2025</a:t>
             </a:fld>
@@ -3266,22 +6000,23 @@
           </p:nvPr>
         </p:nvSpPr>
         <p:spPr>
-          <a:xfrm>
-            <a:off x="1600200" y="6236208"/>
-            <a:ext cx="5901189" cy="320040"/>
+          <a:xfrm rot="5400000">
+            <a:off x="8951573" y="3225297"/>
+            <a:ext cx="3859795" cy="304801"/>
           </a:xfrm>
           <a:prstGeom prst="rect">
             <a:avLst/>
           </a:prstGeom>
         </p:spPr>
         <p:txBody>
-          <a:bodyPr vert="horz" lIns="91440" tIns="45720" rIns="91440" bIns="45720" rtlCol="0" anchor="ctr"/>
+          <a:bodyPr vert="horz" lIns="91440" tIns="45720" rIns="91440" bIns="45720" rtlCol="0" anchor="b"/>
           <a:lstStyle>
             <a:lvl1pPr algn="l">
-              <a:defRPr sz="1050">
+              <a:defRPr sz="1100" b="0" i="0">
                 <a:solidFill>
                   <a:schemeClr val="tx1">
-                    <a:alpha val="70000"/>
+                    <a:tint val="75000"/>
+                    <a:alpha val="60000"/>
                   </a:schemeClr>
                 </a:solidFill>
               </a:defRPr>
@@ -3290,7 +6025,7 @@
           <a:p>
             <a:r>
               <a:rPr lang="en-IN"/>
-              <a:t>Copyright by LIVS AI</a:t>
+              <a:t>Copyright by LIVIS AI</a:t>
             </a:r>
           </a:p>
         </p:txBody>
@@ -3305,29 +6040,24 @@
             <p:ph type="sldNum" sz="quarter" idx="4"/>
           </p:nvPr>
         </p:nvSpPr>
-        <p:spPr>
-          <a:xfrm>
-            <a:off x="10758922" y="6217920"/>
-            <a:ext cx="365760" cy="365760"/>
-          </a:xfrm>
-          <a:prstGeom prst="ellipse">
+        <p:spPr bwMode="gray">
+          <a:xfrm>
+            <a:off x="10352540" y="295729"/>
+            <a:ext cx="838199" cy="767687"/>
+          </a:xfrm>
+          <a:prstGeom prst="rect">
             <a:avLst/>
           </a:prstGeom>
-          <a:solidFill>
-            <a:srgbClr val="1D1D1D">
-              <a:alpha val="70000"/>
-            </a:srgbClr>
-          </a:solidFill>
-        </p:spPr>
-        <p:txBody>
-          <a:bodyPr vert="horz" lIns="18288" tIns="45720" rIns="18288" bIns="45720" rtlCol="0" anchor="ctr">
-            <a:noAutofit/>
-          </a:bodyPr>
+        </p:spPr>
+        <p:txBody>
+          <a:bodyPr vert="horz" lIns="91440" tIns="45720" rIns="91440" bIns="45720" rtlCol="0" anchor="b"/>
           <a:lstStyle>
             <a:lvl1pPr algn="ctr">
-              <a:defRPr sz="1100" spc="0" baseline="0">
+              <a:defRPr sz="2800" b="0" i="0">
                 <a:solidFill>
-                  <a:srgbClr val="FFFFFF"/>
+                  <a:schemeClr val="tx1">
+                    <a:tint val="75000"/>
+                  </a:schemeClr>
                 </a:solidFill>
               </a:defRPr>
             </a:lvl1pPr>
@@ -3344,248 +6074,328 @@
     </p:spTree>
     <p:extLst>
       <p:ext uri="{BB962C8B-B14F-4D97-AF65-F5344CB8AC3E}">
-        <p14:creationId xmlns:p14="http://schemas.microsoft.com/office/powerpoint/2010/main" val="591823771"/>
+        <p14:creationId xmlns:p14="http://schemas.microsoft.com/office/powerpoint/2010/main" val="1391253021"/>
       </p:ext>
     </p:extLst>
   </p:cSld>
-  <p:clrMap bg1="lt1" tx1="dk1" bg2="lt2" tx2="dk2" accent1="accent1" accent2="accent2" accent3="accent3" accent4="accent4" accent5="accent5" accent6="accent6" hlink="hlink" folHlink="folHlink"/>
+  <p:clrMap bg1="dk1" tx1="lt1" bg2="dk2" tx2="lt2" accent1="accent1" accent2="accent2" accent3="accent3" accent4="accent4" accent5="accent5" accent6="accent6" hlink="hlink" folHlink="folHlink"/>
   <p:sldLayoutIdLst>
-    <p:sldLayoutId id="2147483661" r:id="rId1"/>
-    <p:sldLayoutId id="2147483662" r:id="rId2"/>
-    <p:sldLayoutId id="2147483663" r:id="rId3"/>
-    <p:sldLayoutId id="2147483664" r:id="rId4"/>
-    <p:sldLayoutId id="2147483665" r:id="rId5"/>
-    <p:sldLayoutId id="2147483666" r:id="rId6"/>
-    <p:sldLayoutId id="2147483667" r:id="rId7"/>
-    <p:sldLayoutId id="2147483668" r:id="rId8"/>
-    <p:sldLayoutId id="2147483669" r:id="rId9"/>
-    <p:sldLayoutId id="2147483670" r:id="rId10"/>
-    <p:sldLayoutId id="2147483671" r:id="rId11"/>
+    <p:sldLayoutId id="2147483673" r:id="rId1"/>
+    <p:sldLayoutId id="2147483674" r:id="rId2"/>
+    <p:sldLayoutId id="2147483675" r:id="rId3"/>
+    <p:sldLayoutId id="2147483676" r:id="rId4"/>
+    <p:sldLayoutId id="2147483677" r:id="rId5"/>
+    <p:sldLayoutId id="2147483678" r:id="rId6"/>
+    <p:sldLayoutId id="2147483679" r:id="rId7"/>
+    <p:sldLayoutId id="2147483680" r:id="rId8"/>
+    <p:sldLayoutId id="2147483681" r:id="rId9"/>
+    <p:sldLayoutId id="2147483682" r:id="rId10"/>
+    <p:sldLayoutId id="2147483683" r:id="rId11"/>
+    <p:sldLayoutId id="2147483684" r:id="rId12"/>
+    <p:sldLayoutId id="2147483685" r:id="rId13"/>
+    <p:sldLayoutId id="2147483686" r:id="rId14"/>
+    <p:sldLayoutId id="2147483687" r:id="rId15"/>
+    <p:sldLayoutId id="2147483688" r:id="rId16"/>
+    <p:sldLayoutId id="2147483689" r:id="rId17"/>
   </p:sldLayoutIdLst>
   <p:hf hdr="0"/>
   <p:txStyles>
     <p:titleStyle>
-      <a:lvl1pPr algn="ctr" defTabSz="914400" rtl="0" eaLnBrk="1" latinLnBrk="0" hangingPunct="1">
-        <a:lnSpc>
-          <a:spcPct val="90000"/>
-        </a:lnSpc>
+      <a:lvl1pPr algn="l" defTabSz="457200" rtl="0" eaLnBrk="1" latinLnBrk="0" hangingPunct="1">
         <a:spcBef>
           <a:spcPct val="0"/>
         </a:spcBef>
         <a:buNone/>
-        <a:defRPr sz="2800" kern="1200" cap="all" spc="200" baseline="0">
+        <a:defRPr sz="4200" b="0" i="0" kern="1200">
           <a:solidFill>
-            <a:srgbClr val="262626"/>
+            <a:schemeClr val="tx2"/>
           </a:solidFill>
           <a:latin typeface="+mj-lt"/>
           <a:ea typeface="+mj-ea"/>
           <a:cs typeface="+mj-cs"/>
         </a:defRPr>
       </a:lvl1pPr>
+      <a:lvl2pPr eaLnBrk="1" hangingPunct="1">
+        <a:defRPr>
+          <a:solidFill>
+            <a:schemeClr val="tx2"/>
+          </a:solidFill>
+        </a:defRPr>
+      </a:lvl2pPr>
+      <a:lvl3pPr eaLnBrk="1" hangingPunct="1">
+        <a:defRPr>
+          <a:solidFill>
+            <a:schemeClr val="tx2"/>
+          </a:solidFill>
+        </a:defRPr>
+      </a:lvl3pPr>
+      <a:lvl4pPr eaLnBrk="1" hangingPunct="1">
+        <a:defRPr>
+          <a:solidFill>
+            <a:schemeClr val="tx2"/>
+          </a:solidFill>
+        </a:defRPr>
+      </a:lvl4pPr>
+      <a:lvl5pPr eaLnBrk="1" hangingPunct="1">
+        <a:defRPr>
+          <a:solidFill>
+            <a:schemeClr val="tx2"/>
+          </a:solidFill>
+        </a:defRPr>
+      </a:lvl5pPr>
+      <a:lvl6pPr eaLnBrk="1" hangingPunct="1">
+        <a:defRPr>
+          <a:solidFill>
+            <a:schemeClr val="tx2"/>
+          </a:solidFill>
+        </a:defRPr>
+      </a:lvl6pPr>
+      <a:lvl7pPr eaLnBrk="1" hangingPunct="1">
+        <a:defRPr>
+          <a:solidFill>
+            <a:schemeClr val="tx2"/>
+          </a:solidFill>
+        </a:defRPr>
+      </a:lvl7pPr>
+      <a:lvl8pPr eaLnBrk="1" hangingPunct="1">
+        <a:defRPr>
+          <a:solidFill>
+            <a:schemeClr val="tx2"/>
+          </a:solidFill>
+        </a:defRPr>
+      </a:lvl8pPr>
+      <a:lvl9pPr eaLnBrk="1" hangingPunct="1">
+        <a:defRPr>
+          <a:solidFill>
+            <a:schemeClr val="tx2"/>
+          </a:solidFill>
+        </a:defRPr>
+      </a:lvl9pPr>
     </p:titleStyle>
     <p:bodyStyle>
-      <a:lvl1pPr marL="228600" indent="-228600" algn="l" defTabSz="914400" rtl="0" eaLnBrk="1" latinLnBrk="0" hangingPunct="1">
-        <a:lnSpc>
-          <a:spcPct val="100000"/>
-        </a:lnSpc>
+      <a:lvl1pPr marL="342900" indent="-342900" algn="l" defTabSz="457200" rtl="0" eaLnBrk="1" latinLnBrk="0" hangingPunct="1">
         <a:spcBef>
           <a:spcPts val="1000"/>
         </a:spcBef>
+        <a:spcAft>
+          <a:spcPts val="0"/>
+        </a:spcAft>
         <a:buClr>
-          <a:schemeClr val="accent2"/>
+          <a:schemeClr val="bg2">
+            <a:lumMod val="40000"/>
+            <a:lumOff val="60000"/>
+          </a:schemeClr>
         </a:buClr>
-        <a:buFont typeface="Arial" panose="020B0604020202020204" pitchFamily="34" charset="0"/>
-        <a:buChar char="•"/>
-        <a:defRPr sz="1800" kern="1200">
+        <a:buSzPct val="80000"/>
+        <a:buFont typeface="Wingdings 3" charset="2"/>
+        <a:buChar char=""/>
+        <a:defRPr sz="2000" b="0" i="0" kern="1200">
           <a:solidFill>
-            <a:schemeClr val="tx1">
-              <a:lumMod val="85000"/>
-              <a:lumOff val="15000"/>
-            </a:schemeClr>
+            <a:schemeClr val="tx1"/>
           </a:solidFill>
-          <a:latin typeface="+mn-lt"/>
-          <a:ea typeface="+mn-ea"/>
-          <a:cs typeface="+mn-cs"/>
+          <a:latin typeface="+mj-lt"/>
+          <a:ea typeface="+mj-ea"/>
+          <a:cs typeface="+mj-cs"/>
         </a:defRPr>
       </a:lvl1pPr>
-      <a:lvl2pPr marL="457200" indent="-228600" algn="l" defTabSz="914400" rtl="0" eaLnBrk="1" latinLnBrk="0" hangingPunct="1">
-        <a:lnSpc>
-          <a:spcPct val="100000"/>
-        </a:lnSpc>
+      <a:lvl2pPr marL="742950" indent="-285750" algn="l" defTabSz="457200" rtl="0" eaLnBrk="1" latinLnBrk="0" hangingPunct="1">
         <a:spcBef>
           <a:spcPts val="1000"/>
         </a:spcBef>
+        <a:spcAft>
+          <a:spcPts val="0"/>
+        </a:spcAft>
         <a:buClr>
-          <a:schemeClr val="accent2"/>
+          <a:schemeClr val="bg2">
+            <a:lumMod val="40000"/>
+            <a:lumOff val="60000"/>
+          </a:schemeClr>
         </a:buClr>
-        <a:buFont typeface="Arial" panose="020B0604020202020204" pitchFamily="34" charset="0"/>
-        <a:buChar char="•"/>
-        <a:defRPr sz="1600" kern="1200">
+        <a:buSzPct val="80000"/>
+        <a:buFont typeface="Wingdings 3" charset="2"/>
+        <a:buChar char=""/>
+        <a:defRPr sz="1800" b="0" i="0" kern="1200">
           <a:solidFill>
-            <a:schemeClr val="tx1">
-              <a:lumMod val="85000"/>
-              <a:lumOff val="15000"/>
-            </a:schemeClr>
+            <a:schemeClr val="tx1"/>
           </a:solidFill>
-          <a:latin typeface="+mn-lt"/>
-          <a:ea typeface="+mn-ea"/>
-          <a:cs typeface="+mn-cs"/>
+          <a:latin typeface="+mj-lt"/>
+          <a:ea typeface="+mj-ea"/>
+          <a:cs typeface="+mj-cs"/>
         </a:defRPr>
       </a:lvl2pPr>
-      <a:lvl3pPr marL="685800" indent="-228600" algn="l" defTabSz="914400" rtl="0" eaLnBrk="1" latinLnBrk="0" hangingPunct="1">
-        <a:lnSpc>
-          <a:spcPct val="100000"/>
-        </a:lnSpc>
+      <a:lvl3pPr marL="1143000" indent="-228600" algn="l" defTabSz="457200" rtl="0" eaLnBrk="1" latinLnBrk="0" hangingPunct="1">
         <a:spcBef>
           <a:spcPts val="1000"/>
         </a:spcBef>
+        <a:spcAft>
+          <a:spcPts val="0"/>
+        </a:spcAft>
         <a:buClr>
-          <a:schemeClr val="accent2"/>
+          <a:schemeClr val="bg2">
+            <a:lumMod val="40000"/>
+            <a:lumOff val="60000"/>
+          </a:schemeClr>
         </a:buClr>
-        <a:buFont typeface="Arial" panose="020B0604020202020204" pitchFamily="34" charset="0"/>
-        <a:buChar char="•"/>
-        <a:defRPr sz="1600" kern="1200">
+        <a:buSzPct val="80000"/>
+        <a:buFont typeface="Wingdings 3" charset="2"/>
+        <a:buChar char=""/>
+        <a:defRPr sz="1600" b="0" i="0" kern="1200">
           <a:solidFill>
-            <a:schemeClr val="tx1">
-              <a:lumMod val="85000"/>
-              <a:lumOff val="15000"/>
-            </a:schemeClr>
+            <a:schemeClr val="tx1"/>
           </a:solidFill>
-          <a:latin typeface="+mn-lt"/>
-          <a:ea typeface="+mn-ea"/>
-          <a:cs typeface="+mn-cs"/>
+          <a:latin typeface="+mj-lt"/>
+          <a:ea typeface="+mj-ea"/>
+          <a:cs typeface="+mj-cs"/>
         </a:defRPr>
       </a:lvl3pPr>
-      <a:lvl4pPr marL="914400" indent="-228600" algn="l" defTabSz="914400" rtl="0" eaLnBrk="1" latinLnBrk="0" hangingPunct="1">
-        <a:lnSpc>
-          <a:spcPct val="100000"/>
-        </a:lnSpc>
+      <a:lvl4pPr marL="1600200" indent="-228600" algn="l" defTabSz="457200" rtl="0" eaLnBrk="1" latinLnBrk="0" hangingPunct="1">
         <a:spcBef>
           <a:spcPts val="1000"/>
         </a:spcBef>
+        <a:spcAft>
+          <a:spcPts val="0"/>
+        </a:spcAft>
         <a:buClr>
-          <a:schemeClr val="accent2"/>
+          <a:schemeClr val="bg2">
+            <a:lumMod val="40000"/>
+            <a:lumOff val="60000"/>
+          </a:schemeClr>
         </a:buClr>
-        <a:buFont typeface="Arial" panose="020B0604020202020204" pitchFamily="34" charset="0"/>
-        <a:buChar char="•"/>
-        <a:defRPr sz="1600" kern="1200">
+        <a:buSzPct val="80000"/>
+        <a:buFont typeface="Wingdings 3" charset="2"/>
+        <a:buChar char=""/>
+        <a:defRPr sz="1400" b="0" i="0" kern="1200">
           <a:solidFill>
-            <a:schemeClr val="tx1">
-              <a:lumMod val="85000"/>
-              <a:lumOff val="15000"/>
-            </a:schemeClr>
+            <a:schemeClr val="tx1"/>
           </a:solidFill>
-          <a:latin typeface="+mn-lt"/>
-          <a:ea typeface="+mn-ea"/>
-          <a:cs typeface="+mn-cs"/>
+          <a:latin typeface="+mj-lt"/>
+          <a:ea typeface="+mj-ea"/>
+          <a:cs typeface="+mj-cs"/>
         </a:defRPr>
       </a:lvl4pPr>
-      <a:lvl5pPr marL="1143000" indent="-228600" algn="l" defTabSz="914400" rtl="0" eaLnBrk="1" latinLnBrk="0" hangingPunct="1">
-        <a:lnSpc>
-          <a:spcPct val="100000"/>
-        </a:lnSpc>
+      <a:lvl5pPr marL="2057400" indent="-228600" algn="l" defTabSz="457200" rtl="0" eaLnBrk="1" latinLnBrk="0" hangingPunct="1">
         <a:spcBef>
           <a:spcPts val="1000"/>
         </a:spcBef>
+        <a:spcAft>
+          <a:spcPts val="0"/>
+        </a:spcAft>
         <a:buClr>
-          <a:schemeClr val="accent2"/>
+          <a:schemeClr val="bg2">
+            <a:lumMod val="40000"/>
+            <a:lumOff val="60000"/>
+          </a:schemeClr>
         </a:buClr>
-        <a:buFont typeface="Arial" panose="020B0604020202020204" pitchFamily="34" charset="0"/>
-        <a:buChar char="•"/>
-        <a:defRPr sz="1600" kern="1200">
+        <a:buSzPct val="80000"/>
+        <a:buFont typeface="Wingdings 3" charset="2"/>
+        <a:buChar char=""/>
+        <a:defRPr sz="1400" b="0" i="0" kern="1200">
           <a:solidFill>
-            <a:schemeClr val="tx1">
-              <a:lumMod val="85000"/>
-              <a:lumOff val="15000"/>
-            </a:schemeClr>
+            <a:schemeClr val="tx1"/>
           </a:solidFill>
-          <a:latin typeface="+mn-lt"/>
-          <a:ea typeface="+mn-ea"/>
-          <a:cs typeface="+mn-cs"/>
+          <a:latin typeface="+mj-lt"/>
+          <a:ea typeface="+mj-ea"/>
+          <a:cs typeface="+mj-cs"/>
         </a:defRPr>
       </a:lvl5pPr>
-      <a:lvl6pPr marL="1312863" indent="-228600" algn="l" defTabSz="914400" rtl="0" eaLnBrk="1" latinLnBrk="0" hangingPunct="1">
-        <a:lnSpc>
-          <a:spcPct val="100000"/>
-        </a:lnSpc>
+      <a:lvl6pPr marL="2506000" indent="-228600" algn="l" defTabSz="457200" rtl="0" eaLnBrk="1" latinLnBrk="0" hangingPunct="1">
         <a:spcBef>
           <a:spcPts val="1000"/>
         </a:spcBef>
+        <a:spcAft>
+          <a:spcPts val="0"/>
+        </a:spcAft>
         <a:buClr>
-          <a:schemeClr val="accent2"/>
+          <a:schemeClr val="bg2">
+            <a:lumMod val="40000"/>
+            <a:lumOff val="60000"/>
+          </a:schemeClr>
         </a:buClr>
-        <a:buFont typeface="Arial" panose="020B0604020202020204" pitchFamily="34" charset="0"/>
-        <a:buChar char="•"/>
-        <a:defRPr sz="1600" kern="1200">
+        <a:buSzPct val="80000"/>
+        <a:buFont typeface="Wingdings 3" charset="2"/>
+        <a:buChar char=""/>
+        <a:defRPr sz="1400" b="0" i="0" kern="1200">
           <a:solidFill>
             <a:schemeClr val="tx1"/>
           </a:solidFill>
-          <a:latin typeface="+mn-lt"/>
-          <a:ea typeface="+mn-ea"/>
-          <a:cs typeface="+mn-cs"/>
+          <a:latin typeface="+mj-lt"/>
+          <a:ea typeface="+mj-ea"/>
+          <a:cs typeface="+mj-cs"/>
         </a:defRPr>
       </a:lvl6pPr>
-      <a:lvl7pPr marL="1484313" indent="-228600" algn="l" defTabSz="914400" rtl="0" eaLnBrk="1" latinLnBrk="0" hangingPunct="1">
-        <a:lnSpc>
-          <a:spcPct val="100000"/>
-        </a:lnSpc>
+      <a:lvl7pPr marL="2971800" indent="-228600" algn="l" defTabSz="457200" rtl="0" eaLnBrk="1" latinLnBrk="0" hangingPunct="1">
         <a:spcBef>
           <a:spcPts val="1000"/>
         </a:spcBef>
+        <a:spcAft>
+          <a:spcPts val="0"/>
+        </a:spcAft>
         <a:buClr>
-          <a:schemeClr val="accent2"/>
+          <a:schemeClr val="bg2">
+            <a:lumMod val="40000"/>
+            <a:lumOff val="60000"/>
+          </a:schemeClr>
         </a:buClr>
-        <a:buFont typeface="Arial" panose="020B0604020202020204" pitchFamily="34" charset="0"/>
-        <a:buChar char="•"/>
-        <a:defRPr sz="1600" kern="1200">
+        <a:buSzPct val="80000"/>
+        <a:buFont typeface="Wingdings 3" charset="2"/>
+        <a:buChar char=""/>
+        <a:defRPr sz="1400" b="0" i="0" kern="1200">
           <a:solidFill>
             <a:schemeClr val="tx1"/>
           </a:solidFill>
-          <a:latin typeface="+mn-lt"/>
-          <a:ea typeface="+mn-ea"/>
-          <a:cs typeface="+mn-cs"/>
+          <a:latin typeface="+mj-lt"/>
+          <a:ea typeface="+mj-ea"/>
+          <a:cs typeface="+mj-cs"/>
         </a:defRPr>
       </a:lvl7pPr>
-      <a:lvl8pPr marL="1657350" indent="-228600" algn="l" defTabSz="914400" rtl="0" eaLnBrk="1" latinLnBrk="0" hangingPunct="1">
-        <a:lnSpc>
-          <a:spcPct val="100000"/>
-        </a:lnSpc>
+      <a:lvl8pPr marL="3429000" indent="-228600" algn="l" defTabSz="457200" rtl="0" eaLnBrk="1" latinLnBrk="0" hangingPunct="1">
         <a:spcBef>
           <a:spcPts val="1000"/>
         </a:spcBef>
+        <a:spcAft>
+          <a:spcPts val="0"/>
+        </a:spcAft>
         <a:buClr>
-          <a:schemeClr val="accent2"/>
+          <a:schemeClr val="bg2">
+            <a:lumMod val="40000"/>
+            <a:lumOff val="60000"/>
+          </a:schemeClr>
         </a:buClr>
-        <a:buFont typeface="Arial" panose="020B0604020202020204" pitchFamily="34" charset="0"/>
-        <a:buChar char="•"/>
-        <a:defRPr sz="1600" kern="1200" baseline="0">
+        <a:buSzPct val="80000"/>
+        <a:buFont typeface="Wingdings 3" charset="2"/>
+        <a:buChar char=""/>
+        <a:defRPr sz="1400" b="0" i="0" kern="1200">
           <a:solidFill>
             <a:schemeClr val="tx1"/>
           </a:solidFill>
-          <a:latin typeface="+mn-lt"/>
-          <a:ea typeface="+mn-ea"/>
-          <a:cs typeface="+mn-cs"/>
+          <a:latin typeface="+mj-lt"/>
+          <a:ea typeface="+mj-ea"/>
+          <a:cs typeface="+mj-cs"/>
         </a:defRPr>
       </a:lvl8pPr>
-      <a:lvl9pPr marL="1882775" indent="-228600" algn="l" defTabSz="914400" rtl="0" eaLnBrk="1" latinLnBrk="0" hangingPunct="1">
-        <a:lnSpc>
-          <a:spcPct val="100000"/>
-        </a:lnSpc>
+      <a:lvl9pPr marL="3886200" indent="-228600" algn="l" defTabSz="457200" rtl="0" eaLnBrk="1" latinLnBrk="0" hangingPunct="1">
         <a:spcBef>
           <a:spcPts val="1000"/>
         </a:spcBef>
+        <a:spcAft>
+          <a:spcPts val="0"/>
+        </a:spcAft>
         <a:buClr>
-          <a:schemeClr val="accent2"/>
+          <a:schemeClr val="bg2">
+            <a:lumMod val="40000"/>
+            <a:lumOff val="60000"/>
+          </a:schemeClr>
         </a:buClr>
-        <a:buFont typeface="Arial" panose="020B0604020202020204" pitchFamily="34" charset="0"/>
-        <a:buChar char="•"/>
-        <a:defRPr sz="1600" kern="1200" baseline="0">
+        <a:buSzPct val="80000"/>
+        <a:buFont typeface="Wingdings 3" charset="2"/>
+        <a:buChar char=""/>
+        <a:defRPr sz="1400" b="0" i="0" kern="1200">
           <a:solidFill>
             <a:schemeClr val="tx1"/>
           </a:solidFill>
-          <a:latin typeface="+mn-lt"/>
-          <a:ea typeface="+mn-ea"/>
-          <a:cs typeface="+mn-cs"/>
+          <a:latin typeface="+mj-lt"/>
+          <a:ea typeface="+mj-ea"/>
+          <a:cs typeface="+mj-cs"/>
         </a:defRPr>
       </a:lvl9pPr>
     </p:bodyStyle>
@@ -3593,7 +6403,7 @@
       <a:defPPr>
         <a:defRPr lang="en-US"/>
       </a:defPPr>
-      <a:lvl1pPr marL="0" algn="l" defTabSz="914400" rtl="0" eaLnBrk="1" latinLnBrk="0" hangingPunct="1">
+      <a:lvl1pPr marL="0" algn="l" defTabSz="457200" rtl="0" eaLnBrk="1" latinLnBrk="0" hangingPunct="1">
         <a:defRPr sz="1800" kern="1200">
           <a:solidFill>
             <a:schemeClr val="tx1"/>
@@ -3603,7 +6413,7 @@
           <a:cs typeface="+mn-cs"/>
         </a:defRPr>
       </a:lvl1pPr>
-      <a:lvl2pPr marL="457200" algn="l" defTabSz="914400" rtl="0" eaLnBrk="1" latinLnBrk="0" hangingPunct="1">
+      <a:lvl2pPr marL="457200" algn="l" defTabSz="457200" rtl="0" eaLnBrk="1" latinLnBrk="0" hangingPunct="1">
         <a:defRPr sz="1800" kern="1200">
           <a:solidFill>
             <a:schemeClr val="tx1"/>
@@ -3613,7 +6423,7 @@
           <a:cs typeface="+mn-cs"/>
         </a:defRPr>
       </a:lvl2pPr>
-      <a:lvl3pPr marL="914400" algn="l" defTabSz="914400" rtl="0" eaLnBrk="1" latinLnBrk="0" hangingPunct="1">
+      <a:lvl3pPr marL="914400" algn="l" defTabSz="457200" rtl="0" eaLnBrk="1" latinLnBrk="0" hangingPunct="1">
         <a:defRPr sz="1800" kern="1200">
           <a:solidFill>
             <a:schemeClr val="tx1"/>
@@ -3623,7 +6433,7 @@
           <a:cs typeface="+mn-cs"/>
         </a:defRPr>
       </a:lvl3pPr>
-      <a:lvl4pPr marL="1371600" algn="l" defTabSz="914400" rtl="0" eaLnBrk="1" latinLnBrk="0" hangingPunct="1">
+      <a:lvl4pPr marL="1371600" algn="l" defTabSz="457200" rtl="0" eaLnBrk="1" latinLnBrk="0" hangingPunct="1">
         <a:defRPr sz="1800" kern="1200">
           <a:solidFill>
             <a:schemeClr val="tx1"/>
@@ -3633,7 +6443,7 @@
           <a:cs typeface="+mn-cs"/>
         </a:defRPr>
       </a:lvl4pPr>
-      <a:lvl5pPr marL="1828800" algn="l" defTabSz="914400" rtl="0" eaLnBrk="1" latinLnBrk="0" hangingPunct="1">
+      <a:lvl5pPr marL="1828800" algn="l" defTabSz="457200" rtl="0" eaLnBrk="1" latinLnBrk="0" hangingPunct="1">
         <a:defRPr sz="1800" kern="1200">
           <a:solidFill>
             <a:schemeClr val="tx1"/>
@@ -3643,7 +6453,7 @@
           <a:cs typeface="+mn-cs"/>
         </a:defRPr>
       </a:lvl5pPr>
-      <a:lvl6pPr marL="2286000" algn="l" defTabSz="914400" rtl="0" eaLnBrk="1" latinLnBrk="0" hangingPunct="1">
+      <a:lvl6pPr marL="2286000" algn="l" defTabSz="457200" rtl="0" eaLnBrk="1" latinLnBrk="0" hangingPunct="1">
         <a:defRPr sz="1800" kern="1200">
           <a:solidFill>
             <a:schemeClr val="tx1"/>
@@ -3653,7 +6463,7 @@
           <a:cs typeface="+mn-cs"/>
         </a:defRPr>
       </a:lvl6pPr>
-      <a:lvl7pPr marL="2743200" algn="l" defTabSz="914400" rtl="0" eaLnBrk="1" latinLnBrk="0" hangingPunct="1">
+      <a:lvl7pPr marL="2743200" algn="l" defTabSz="457200" rtl="0" eaLnBrk="1" latinLnBrk="0" hangingPunct="1">
         <a:defRPr sz="1800" kern="1200">
           <a:solidFill>
             <a:schemeClr val="tx1"/>
@@ -3663,7 +6473,7 @@
           <a:cs typeface="+mn-cs"/>
         </a:defRPr>
       </a:lvl7pPr>
-      <a:lvl8pPr marL="3200400" algn="l" defTabSz="914400" rtl="0" eaLnBrk="1" latinLnBrk="0" hangingPunct="1">
+      <a:lvl8pPr marL="3200400" algn="l" defTabSz="457200" rtl="0" eaLnBrk="1" latinLnBrk="0" hangingPunct="1">
         <a:defRPr sz="1800" kern="1200">
           <a:solidFill>
             <a:schemeClr val="tx1"/>
@@ -3673,7 +6483,7 @@
           <a:cs typeface="+mn-cs"/>
         </a:defRPr>
       </a:lvl8pPr>
-      <a:lvl9pPr marL="3657600" algn="l" defTabSz="914400" rtl="0" eaLnBrk="1" latinLnBrk="0" hangingPunct="1">
+      <a:lvl9pPr marL="3657600" algn="l" defTabSz="457200" rtl="0" eaLnBrk="1" latinLnBrk="0" hangingPunct="1">
         <a:defRPr sz="1800" kern="1200">
           <a:solidFill>
             <a:schemeClr val="tx1"/>
@@ -3729,7 +6539,7 @@
         </p:spPr>
         <p:txBody>
           <a:bodyPr>
-            <a:normAutofit/>
+            <a:normAutofit fontScale="90000"/>
           </a:bodyPr>
           <a:lstStyle/>
           <a:p>
@@ -3738,35 +6548,6 @@
               <a:t>Development of Credit Risk Model for ‘LZ Finance’</a:t>
             </a:r>
             <a:endParaRPr lang="en-IN" dirty="0"/>
-          </a:p>
-        </p:txBody>
-      </p:sp>
-      <p:sp>
-        <p:nvSpPr>
-          <p:cNvPr id="5" name="Date Placeholder 4">
-            <a:extLst>
-              <a:ext uri="{FF2B5EF4-FFF2-40B4-BE49-F238E27FC236}">
-                <a16:creationId xmlns:a16="http://schemas.microsoft.com/office/drawing/2014/main" id="{7D905E97-647B-D522-F53C-C3AC853E0CBA}"/>
-              </a:ext>
-            </a:extLst>
-          </p:cNvPr>
-          <p:cNvSpPr>
-            <a:spLocks noGrp="1"/>
-          </p:cNvSpPr>
-          <p:nvPr>
-            <p:ph type="dt" sz="half" idx="10"/>
-          </p:nvPr>
-        </p:nvSpPr>
-        <p:spPr/>
-        <p:txBody>
-          <a:bodyPr/>
-          <a:lstStyle/>
-          <a:p>
-            <a:fld id="{3D76FF3C-A3F7-4D79-98F2-CF7D14BD0AEB}" type="datetime1">
-              <a:rPr lang="en-IN" smtClean="0"/>
-              <a:t>20-09-2025</a:t>
-            </a:fld>
-            <a:endParaRPr lang="en-IN"/>
           </a:p>
         </p:txBody>
       </p:sp>
@@ -3786,14 +6567,19 @@
             <p:ph type="ftr" sz="quarter" idx="11"/>
           </p:nvPr>
         </p:nvSpPr>
-        <p:spPr/>
+        <p:spPr>
+          <a:xfrm>
+            <a:off x="9376062" y="6480561"/>
+            <a:ext cx="2410553" cy="304801"/>
+          </a:xfrm>
+        </p:spPr>
         <p:txBody>
           <a:bodyPr/>
           <a:lstStyle/>
           <a:p>
             <a:r>
-              <a:rPr lang="en-IN"/>
-              <a:t>Copyright by LIVS AI</a:t>
+              <a:rPr lang="en-IN" dirty="0"/>
+              <a:t>Copyright by LIVIS AI 20-09-2025</a:t>
             </a:r>
           </a:p>
         </p:txBody>
@@ -3906,63 +6692,6 @@
       </p:sp>
       <p:sp>
         <p:nvSpPr>
-          <p:cNvPr id="5" name="Date Placeholder 4">
-            <a:extLst>
-              <a:ext uri="{FF2B5EF4-FFF2-40B4-BE49-F238E27FC236}">
-                <a16:creationId xmlns:a16="http://schemas.microsoft.com/office/drawing/2014/main" id="{7DA8F199-9EC8-A11A-DE01-2E252B97485C}"/>
-              </a:ext>
-            </a:extLst>
-          </p:cNvPr>
-          <p:cNvSpPr>
-            <a:spLocks noGrp="1"/>
-          </p:cNvSpPr>
-          <p:nvPr>
-            <p:ph type="dt" sz="half" idx="10"/>
-          </p:nvPr>
-        </p:nvSpPr>
-        <p:spPr/>
-        <p:txBody>
-          <a:bodyPr/>
-          <a:lstStyle/>
-          <a:p>
-            <a:fld id="{45DB1C41-EB22-4945-89D4-FDCFCD6F6622}" type="datetime1">
-              <a:rPr lang="en-IN" smtClean="0"/>
-              <a:t>20-09-2025</a:t>
-            </a:fld>
-            <a:endParaRPr lang="en-IN"/>
-          </a:p>
-        </p:txBody>
-      </p:sp>
-      <p:sp>
-        <p:nvSpPr>
-          <p:cNvPr id="4" name="Footer Placeholder 3">
-            <a:extLst>
-              <a:ext uri="{FF2B5EF4-FFF2-40B4-BE49-F238E27FC236}">
-                <a16:creationId xmlns:a16="http://schemas.microsoft.com/office/drawing/2014/main" id="{257968EA-F3BC-7B80-8773-1B8933B71F8E}"/>
-              </a:ext>
-            </a:extLst>
-          </p:cNvPr>
-          <p:cNvSpPr>
-            <a:spLocks noGrp="1"/>
-          </p:cNvSpPr>
-          <p:nvPr>
-            <p:ph type="ftr" sz="quarter" idx="11"/>
-          </p:nvPr>
-        </p:nvSpPr>
-        <p:spPr/>
-        <p:txBody>
-          <a:bodyPr/>
-          <a:lstStyle/>
-          <a:p>
-            <a:r>
-              <a:rPr lang="en-IN"/>
-              <a:t>Copyright by LIVS AI</a:t>
-            </a:r>
-          </a:p>
-        </p:txBody>
-      </p:sp>
-      <p:sp>
-        <p:nvSpPr>
           <p:cNvPr id="6" name="Slide Number Placeholder 5">
             <a:extLst>
               <a:ext uri="{FF2B5EF4-FFF2-40B4-BE49-F238E27FC236}">
@@ -4004,7 +6733,7 @@
         </p:nvSpPr>
         <p:spPr>
           <a:xfrm>
-            <a:off x="44352" y="1792224"/>
+            <a:off x="0" y="2295141"/>
             <a:ext cx="2314800" cy="832104"/>
           </a:xfrm>
           <a:prstGeom prst="roundRect">
@@ -4054,7 +6783,7 @@
         </p:nvSpPr>
         <p:spPr>
           <a:xfrm>
-            <a:off x="3243384" y="1792224"/>
+            <a:off x="3221062" y="2258565"/>
             <a:ext cx="2314800" cy="832104"/>
           </a:xfrm>
           <a:prstGeom prst="roundRect">
@@ -4104,7 +6833,7 @@
         </p:nvSpPr>
         <p:spPr>
           <a:xfrm>
-            <a:off x="6381144" y="1792224"/>
+            <a:off x="6397234" y="2258565"/>
             <a:ext cx="2314800" cy="832104"/>
           </a:xfrm>
           <a:prstGeom prst="roundRect">
@@ -4154,7 +6883,7 @@
         </p:nvSpPr>
         <p:spPr>
           <a:xfrm>
-            <a:off x="9602206" y="1792224"/>
+            <a:off x="9700610" y="2258565"/>
             <a:ext cx="2313432" cy="832104"/>
           </a:xfrm>
           <a:prstGeom prst="roundRect">
@@ -4204,8 +6933,8 @@
         </p:nvSpPr>
         <p:spPr>
           <a:xfrm>
-            <a:off x="9602206" y="3429000"/>
-            <a:ext cx="2314800" cy="832104"/>
+            <a:off x="9614239" y="4049520"/>
+            <a:ext cx="2314800" cy="850396"/>
           </a:xfrm>
           <a:prstGeom prst="roundRect">
             <a:avLst/>
@@ -4233,10 +6962,10 @@
           <a:p>
             <a:pPr algn="ctr"/>
             <a:r>
-              <a:rPr lang="en-US" dirty="0"/>
+              <a:rPr lang="en-US" sz="1600" dirty="0"/>
               <a:t>Outlier Handling: Outlier Identification using Box plot</a:t>
             </a:r>
-            <a:endParaRPr lang="en-IN" dirty="0"/>
+            <a:endParaRPr lang="en-IN" sz="1600" dirty="0"/>
           </a:p>
         </p:txBody>
       </p:sp>
@@ -4254,7 +6983,7 @@
         </p:nvSpPr>
         <p:spPr>
           <a:xfrm>
-            <a:off x="6381144" y="3520439"/>
+            <a:off x="6384348" y="4067812"/>
             <a:ext cx="2314800" cy="832104"/>
           </a:xfrm>
           <a:prstGeom prst="roundRect">
@@ -4304,7 +7033,7 @@
         </p:nvSpPr>
         <p:spPr>
           <a:xfrm>
-            <a:off x="3188520" y="3502148"/>
+            <a:off x="3154457" y="4009644"/>
             <a:ext cx="2314800" cy="832104"/>
           </a:xfrm>
           <a:prstGeom prst="roundRect">
@@ -4354,7 +7083,7 @@
         </p:nvSpPr>
         <p:spPr>
           <a:xfrm>
-            <a:off x="31969" y="3520439"/>
+            <a:off x="-17031" y="4005068"/>
             <a:ext cx="2314800" cy="832104"/>
           </a:xfrm>
           <a:prstGeom prst="roundRect">
@@ -4404,7 +7133,7 @@
         </p:nvSpPr>
         <p:spPr>
           <a:xfrm>
-            <a:off x="105624" y="5271512"/>
+            <a:off x="82080" y="5829300"/>
             <a:ext cx="2314800" cy="832104"/>
           </a:xfrm>
           <a:prstGeom prst="roundRect">
@@ -4454,7 +7183,7 @@
         </p:nvCxnSpPr>
         <p:spPr>
           <a:xfrm>
-            <a:off x="2423160" y="2221992"/>
+            <a:off x="2420424" y="2651760"/>
             <a:ext cx="758952" cy="0"/>
           </a:xfrm>
           <a:prstGeom prst="straightConnector1">
@@ -4496,7 +7225,7 @@
         </p:nvCxnSpPr>
         <p:spPr>
           <a:xfrm>
-            <a:off x="5622192" y="2208276"/>
+            <a:off x="5625396" y="2628900"/>
             <a:ext cx="758952" cy="0"/>
           </a:xfrm>
           <a:prstGeom prst="straightConnector1">
@@ -4538,7 +7267,7 @@
         </p:nvCxnSpPr>
         <p:spPr>
           <a:xfrm>
-            <a:off x="8818826" y="2228088"/>
+            <a:off x="8826846" y="2630424"/>
             <a:ext cx="758952" cy="0"/>
           </a:xfrm>
           <a:prstGeom prst="straightConnector1">
@@ -4582,7 +7311,7 @@
         </p:nvCxnSpPr>
         <p:spPr>
           <a:xfrm>
-            <a:off x="10826496" y="2770632"/>
+            <a:off x="10863072" y="3227832"/>
             <a:ext cx="0" cy="548640"/>
           </a:xfrm>
           <a:prstGeom prst="straightConnector1">
@@ -4626,7 +7355,7 @@
         </p:nvCxnSpPr>
         <p:spPr>
           <a:xfrm flipH="1">
-            <a:off x="8735968" y="3918200"/>
+            <a:off x="8712034" y="4479286"/>
             <a:ext cx="758952" cy="0"/>
           </a:xfrm>
           <a:prstGeom prst="straightConnector1">
@@ -4670,7 +7399,7 @@
         </p:nvCxnSpPr>
         <p:spPr>
           <a:xfrm flipH="1">
-            <a:off x="5558184" y="3918200"/>
+            <a:off x="5503320" y="4470142"/>
             <a:ext cx="758952" cy="0"/>
           </a:xfrm>
           <a:prstGeom prst="straightConnector1">
@@ -4714,7 +7443,7 @@
         </p:nvCxnSpPr>
         <p:spPr>
           <a:xfrm flipH="1">
-            <a:off x="2368296" y="3918200"/>
+            <a:off x="2314800" y="4421120"/>
             <a:ext cx="758952" cy="0"/>
           </a:xfrm>
           <a:prstGeom prst="straightConnector1">
@@ -4758,7 +7487,7 @@
         </p:nvCxnSpPr>
         <p:spPr>
           <a:xfrm>
-            <a:off x="1239480" y="4562856"/>
+            <a:off x="1239480" y="5175504"/>
             <a:ext cx="0" cy="557784"/>
           </a:xfrm>
           <a:prstGeom prst="straightConnector1">
@@ -4786,6 +7515,39 @@
           </a:fontRef>
         </p:style>
       </p:cxnSp>
+      <p:sp>
+        <p:nvSpPr>
+          <p:cNvPr id="3" name="Footer Placeholder 3">
+            <a:extLst>
+              <a:ext uri="{FF2B5EF4-FFF2-40B4-BE49-F238E27FC236}">
+                <a16:creationId xmlns:a16="http://schemas.microsoft.com/office/drawing/2014/main" id="{C18DC5DD-85BC-12B7-19E8-4D69A75FD124}"/>
+              </a:ext>
+            </a:extLst>
+          </p:cNvPr>
+          <p:cNvSpPr>
+            <a:spLocks noGrp="1"/>
+          </p:cNvSpPr>
+          <p:nvPr>
+            <p:ph type="ftr" sz="quarter" idx="11"/>
+          </p:nvPr>
+        </p:nvSpPr>
+        <p:spPr>
+          <a:xfrm>
+            <a:off x="9376062" y="6480561"/>
+            <a:ext cx="2410553" cy="304801"/>
+          </a:xfrm>
+        </p:spPr>
+        <p:txBody>
+          <a:bodyPr/>
+          <a:lstStyle/>
+          <a:p>
+            <a:r>
+              <a:rPr lang="en-IN" dirty="0"/>
+              <a:t>Copyright by LIVIS AI 20-09-2025</a:t>
+            </a:r>
+          </a:p>
+        </p:txBody>
+      </p:sp>
     </p:spTree>
     <p:extLst>
       <p:ext uri="{BB962C8B-B14F-4D97-AF65-F5344CB8AC3E}">
@@ -4865,63 +7627,6 @@
       </p:sp>
       <p:sp>
         <p:nvSpPr>
-          <p:cNvPr id="5" name="Date Placeholder 4">
-            <a:extLst>
-              <a:ext uri="{FF2B5EF4-FFF2-40B4-BE49-F238E27FC236}">
-                <a16:creationId xmlns:a16="http://schemas.microsoft.com/office/drawing/2014/main" id="{EC3A148C-3A42-1D87-9E26-3E96A6DCD3F4}"/>
-              </a:ext>
-            </a:extLst>
-          </p:cNvPr>
-          <p:cNvSpPr>
-            <a:spLocks noGrp="1"/>
-          </p:cNvSpPr>
-          <p:nvPr>
-            <p:ph type="dt" sz="half" idx="10"/>
-          </p:nvPr>
-        </p:nvSpPr>
-        <p:spPr/>
-        <p:txBody>
-          <a:bodyPr/>
-          <a:lstStyle/>
-          <a:p>
-            <a:fld id="{AA60BE4B-2E68-4DEF-B2E7-6E833B2B5AEE}" type="datetime1">
-              <a:rPr lang="en-IN" smtClean="0"/>
-              <a:t>20-09-2025</a:t>
-            </a:fld>
-            <a:endParaRPr lang="en-IN"/>
-          </a:p>
-        </p:txBody>
-      </p:sp>
-      <p:sp>
-        <p:nvSpPr>
-          <p:cNvPr id="4" name="Footer Placeholder 3">
-            <a:extLst>
-              <a:ext uri="{FF2B5EF4-FFF2-40B4-BE49-F238E27FC236}">
-                <a16:creationId xmlns:a16="http://schemas.microsoft.com/office/drawing/2014/main" id="{9B8BADE1-865A-ED06-259B-5BE99726D02E}"/>
-              </a:ext>
-            </a:extLst>
-          </p:cNvPr>
-          <p:cNvSpPr>
-            <a:spLocks noGrp="1"/>
-          </p:cNvSpPr>
-          <p:nvPr>
-            <p:ph type="ftr" sz="quarter" idx="11"/>
-          </p:nvPr>
-        </p:nvSpPr>
-        <p:spPr/>
-        <p:txBody>
-          <a:bodyPr/>
-          <a:lstStyle/>
-          <a:p>
-            <a:r>
-              <a:rPr lang="en-IN"/>
-              <a:t>Copyright by LIVS AI</a:t>
-            </a:r>
-          </a:p>
-        </p:txBody>
-      </p:sp>
-      <p:sp>
-        <p:nvSpPr>
           <p:cNvPr id="6" name="Slide Number Placeholder 5">
             <a:extLst>
               <a:ext uri="{FF2B5EF4-FFF2-40B4-BE49-F238E27FC236}">
@@ -5651,6 +8356,39 @@
           </a:fontRef>
         </p:style>
       </p:cxnSp>
+      <p:sp>
+        <p:nvSpPr>
+          <p:cNvPr id="3" name="Footer Placeholder 3">
+            <a:extLst>
+              <a:ext uri="{FF2B5EF4-FFF2-40B4-BE49-F238E27FC236}">
+                <a16:creationId xmlns:a16="http://schemas.microsoft.com/office/drawing/2014/main" id="{58C44245-134B-07A6-9C40-818E818120D8}"/>
+              </a:ext>
+            </a:extLst>
+          </p:cNvPr>
+          <p:cNvSpPr>
+            <a:spLocks noGrp="1"/>
+          </p:cNvSpPr>
+          <p:nvPr>
+            <p:ph type="ftr" sz="quarter" idx="11"/>
+          </p:nvPr>
+        </p:nvSpPr>
+        <p:spPr>
+          <a:xfrm>
+            <a:off x="9376062" y="6480561"/>
+            <a:ext cx="2410553" cy="304801"/>
+          </a:xfrm>
+        </p:spPr>
+        <p:txBody>
+          <a:bodyPr/>
+          <a:lstStyle/>
+          <a:p>
+            <a:r>
+              <a:rPr lang="en-IN" dirty="0"/>
+              <a:t>Copyright by LIVIS AI 20-09-2025</a:t>
+            </a:r>
+          </a:p>
+        </p:txBody>
+      </p:sp>
     </p:spTree>
     <p:extLst>
       <p:ext uri="{BB962C8B-B14F-4D97-AF65-F5344CB8AC3E}">
@@ -5743,7 +8481,7 @@
           <a:bodyPr/>
           <a:lstStyle/>
           <a:p>
-            <a:fld id="{EBAA02CC-A9E1-413B-B520-9B95964B9403}" type="datetime1">
+            <a:fld id="{2D5F4255-8675-4257-989D-C4B32D350344}" type="datetime1">
               <a:rPr lang="en-IN" smtClean="0"/>
               <a:t>20-09-2025</a:t>
             </a:fld>
@@ -5774,7 +8512,7 @@
           <a:p>
             <a:r>
               <a:rPr lang="en-IN"/>
-              <a:t>Copyright by LIVS AI</a:t>
+              <a:t>Copyright by LIVIS AI</a:t>
             </a:r>
           </a:p>
         </p:txBody>
@@ -5822,7 +8560,7 @@
         </p:nvGrpSpPr>
         <p:grpSpPr>
           <a:xfrm>
-            <a:off x="0" y="1351321"/>
+            <a:off x="13466" y="1518755"/>
             <a:ext cx="12178534" cy="1495634"/>
             <a:chOff x="0" y="2677184"/>
             <a:chExt cx="12178534" cy="1495634"/>
@@ -5912,7 +8650,7 @@
         </p:blipFill>
         <p:spPr>
           <a:xfrm>
-            <a:off x="921133" y="2854952"/>
+            <a:off x="921133" y="3153148"/>
             <a:ext cx="10477750" cy="3306425"/>
           </a:xfrm>
           <a:prstGeom prst="rect">
@@ -5920,6 +8658,138 @@
           </a:prstGeom>
         </p:spPr>
       </p:pic>
+      <p:sp>
+        <p:nvSpPr>
+          <p:cNvPr id="6" name="Footer Placeholder 3">
+            <a:extLst>
+              <a:ext uri="{FF2B5EF4-FFF2-40B4-BE49-F238E27FC236}">
+                <a16:creationId xmlns:a16="http://schemas.microsoft.com/office/drawing/2014/main" id="{FC1004B2-BCB9-7502-E79B-1D2BDA463F3D}"/>
+              </a:ext>
+            </a:extLst>
+          </p:cNvPr>
+          <p:cNvSpPr txBox="1">
+            <a:spLocks/>
+          </p:cNvSpPr>
+          <p:nvPr/>
+        </p:nvSpPr>
+        <p:spPr>
+          <a:xfrm>
+            <a:off x="9376062" y="6480561"/>
+            <a:ext cx="2410553" cy="304801"/>
+          </a:xfrm>
+          <a:prstGeom prst="rect">
+            <a:avLst/>
+          </a:prstGeom>
+        </p:spPr>
+        <p:txBody>
+          <a:bodyPr vert="horz" lIns="91440" tIns="45720" rIns="91440" bIns="45720" rtlCol="0" anchor="b"/>
+          <a:lstStyle>
+            <a:defPPr>
+              <a:defRPr lang="en-US"/>
+            </a:defPPr>
+            <a:lvl1pPr marL="0" algn="l" defTabSz="457200" rtl="0" eaLnBrk="1" latinLnBrk="0" hangingPunct="1">
+              <a:defRPr sz="1100" b="0" i="0" kern="1200">
+                <a:solidFill>
+                  <a:schemeClr val="tx1">
+                    <a:tint val="75000"/>
+                    <a:alpha val="60000"/>
+                  </a:schemeClr>
+                </a:solidFill>
+                <a:latin typeface="+mn-lt"/>
+                <a:ea typeface="+mn-ea"/>
+                <a:cs typeface="+mn-cs"/>
+              </a:defRPr>
+            </a:lvl1pPr>
+            <a:lvl2pPr marL="457200" algn="l" defTabSz="457200" rtl="0" eaLnBrk="1" latinLnBrk="0" hangingPunct="1">
+              <a:defRPr sz="1800" kern="1200">
+                <a:solidFill>
+                  <a:schemeClr val="tx1"/>
+                </a:solidFill>
+                <a:latin typeface="+mn-lt"/>
+                <a:ea typeface="+mn-ea"/>
+                <a:cs typeface="+mn-cs"/>
+              </a:defRPr>
+            </a:lvl2pPr>
+            <a:lvl3pPr marL="914400" algn="l" defTabSz="457200" rtl="0" eaLnBrk="1" latinLnBrk="0" hangingPunct="1">
+              <a:defRPr sz="1800" kern="1200">
+                <a:solidFill>
+                  <a:schemeClr val="tx1"/>
+                </a:solidFill>
+                <a:latin typeface="+mn-lt"/>
+                <a:ea typeface="+mn-ea"/>
+                <a:cs typeface="+mn-cs"/>
+              </a:defRPr>
+            </a:lvl3pPr>
+            <a:lvl4pPr marL="1371600" algn="l" defTabSz="457200" rtl="0" eaLnBrk="1" latinLnBrk="0" hangingPunct="1">
+              <a:defRPr sz="1800" kern="1200">
+                <a:solidFill>
+                  <a:schemeClr val="tx1"/>
+                </a:solidFill>
+                <a:latin typeface="+mn-lt"/>
+                <a:ea typeface="+mn-ea"/>
+                <a:cs typeface="+mn-cs"/>
+              </a:defRPr>
+            </a:lvl4pPr>
+            <a:lvl5pPr marL="1828800" algn="l" defTabSz="457200" rtl="0" eaLnBrk="1" latinLnBrk="0" hangingPunct="1">
+              <a:defRPr sz="1800" kern="1200">
+                <a:solidFill>
+                  <a:schemeClr val="tx1"/>
+                </a:solidFill>
+                <a:latin typeface="+mn-lt"/>
+                <a:ea typeface="+mn-ea"/>
+                <a:cs typeface="+mn-cs"/>
+              </a:defRPr>
+            </a:lvl5pPr>
+            <a:lvl6pPr marL="2286000" algn="l" defTabSz="457200" rtl="0" eaLnBrk="1" latinLnBrk="0" hangingPunct="1">
+              <a:defRPr sz="1800" kern="1200">
+                <a:solidFill>
+                  <a:schemeClr val="tx1"/>
+                </a:solidFill>
+                <a:latin typeface="+mn-lt"/>
+                <a:ea typeface="+mn-ea"/>
+                <a:cs typeface="+mn-cs"/>
+              </a:defRPr>
+            </a:lvl6pPr>
+            <a:lvl7pPr marL="2743200" algn="l" defTabSz="457200" rtl="0" eaLnBrk="1" latinLnBrk="0" hangingPunct="1">
+              <a:defRPr sz="1800" kern="1200">
+                <a:solidFill>
+                  <a:schemeClr val="tx1"/>
+                </a:solidFill>
+                <a:latin typeface="+mn-lt"/>
+                <a:ea typeface="+mn-ea"/>
+                <a:cs typeface="+mn-cs"/>
+              </a:defRPr>
+            </a:lvl7pPr>
+            <a:lvl8pPr marL="3200400" algn="l" defTabSz="457200" rtl="0" eaLnBrk="1" latinLnBrk="0" hangingPunct="1">
+              <a:defRPr sz="1800" kern="1200">
+                <a:solidFill>
+                  <a:schemeClr val="tx1"/>
+                </a:solidFill>
+                <a:latin typeface="+mn-lt"/>
+                <a:ea typeface="+mn-ea"/>
+                <a:cs typeface="+mn-cs"/>
+              </a:defRPr>
+            </a:lvl8pPr>
+            <a:lvl9pPr marL="3657600" algn="l" defTabSz="457200" rtl="0" eaLnBrk="1" latinLnBrk="0" hangingPunct="1">
+              <a:defRPr sz="1800" kern="1200">
+                <a:solidFill>
+                  <a:schemeClr val="tx1"/>
+                </a:solidFill>
+                <a:latin typeface="+mn-lt"/>
+                <a:ea typeface="+mn-ea"/>
+                <a:cs typeface="+mn-cs"/>
+              </a:defRPr>
+            </a:lvl9pPr>
+          </a:lstStyle>
+          <a:p>
+            <a:r>
+              <a:rPr lang="en-IN"/>
+              <a:t>Copyright by LIVIS AI 20-09-2025</a:t>
+            </a:r>
+            <a:endParaRPr lang="en-IN" dirty="0"/>
+          </a:p>
+        </p:txBody>
+      </p:sp>
     </p:spTree>
     <p:extLst>
       <p:ext uri="{BB962C8B-B14F-4D97-AF65-F5344CB8AC3E}">
@@ -6020,7 +8890,7 @@
         </p:nvGraphicFramePr>
         <p:xfrm>
           <a:off x="2229741" y="2010664"/>
-          <a:ext cx="7731123" cy="3754120"/>
+          <a:ext cx="7731123" cy="4302760"/>
         </p:xfrm>
         <a:graphic>
           <a:graphicData uri="http://schemas.openxmlformats.org/drawingml/2006/table">
@@ -6337,63 +9207,6 @@
       </p:graphicFrame>
       <p:sp>
         <p:nvSpPr>
-          <p:cNvPr id="5" name="Date Placeholder 4">
-            <a:extLst>
-              <a:ext uri="{FF2B5EF4-FFF2-40B4-BE49-F238E27FC236}">
-                <a16:creationId xmlns:a16="http://schemas.microsoft.com/office/drawing/2014/main" id="{8BB8BF6F-BC4D-323F-F9C9-633F691AAE5A}"/>
-              </a:ext>
-            </a:extLst>
-          </p:cNvPr>
-          <p:cNvSpPr>
-            <a:spLocks noGrp="1"/>
-          </p:cNvSpPr>
-          <p:nvPr>
-            <p:ph type="dt" sz="half" idx="10"/>
-          </p:nvPr>
-        </p:nvSpPr>
-        <p:spPr/>
-        <p:txBody>
-          <a:bodyPr/>
-          <a:lstStyle/>
-          <a:p>
-            <a:fld id="{F1E00901-73A3-49D1-81D0-55299A7640AB}" type="datetime1">
-              <a:rPr lang="en-IN" smtClean="0"/>
-              <a:t>20-09-2025</a:t>
-            </a:fld>
-            <a:endParaRPr lang="en-IN"/>
-          </a:p>
-        </p:txBody>
-      </p:sp>
-      <p:sp>
-        <p:nvSpPr>
-          <p:cNvPr id="4" name="Footer Placeholder 3">
-            <a:extLst>
-              <a:ext uri="{FF2B5EF4-FFF2-40B4-BE49-F238E27FC236}">
-                <a16:creationId xmlns:a16="http://schemas.microsoft.com/office/drawing/2014/main" id="{56EE5CC9-6EB2-F541-F94C-9ED0C3E668BD}"/>
-              </a:ext>
-            </a:extLst>
-          </p:cNvPr>
-          <p:cNvSpPr>
-            <a:spLocks noGrp="1"/>
-          </p:cNvSpPr>
-          <p:nvPr>
-            <p:ph type="ftr" sz="quarter" idx="11"/>
-          </p:nvPr>
-        </p:nvSpPr>
-        <p:spPr/>
-        <p:txBody>
-          <a:bodyPr/>
-          <a:lstStyle/>
-          <a:p>
-            <a:r>
-              <a:rPr lang="en-IN"/>
-              <a:t>Copyright by LIVS AI</a:t>
-            </a:r>
-          </a:p>
-        </p:txBody>
-      </p:sp>
-      <p:sp>
-        <p:nvSpPr>
           <p:cNvPr id="6" name="Slide Number Placeholder 5">
             <a:extLst>
               <a:ext uri="{FF2B5EF4-FFF2-40B4-BE49-F238E27FC236}">
@@ -6418,6 +9231,39 @@
               <a:t>13</a:t>
             </a:fld>
             <a:endParaRPr lang="en-IN"/>
+          </a:p>
+        </p:txBody>
+      </p:sp>
+      <p:sp>
+        <p:nvSpPr>
+          <p:cNvPr id="3" name="Footer Placeholder 3">
+            <a:extLst>
+              <a:ext uri="{FF2B5EF4-FFF2-40B4-BE49-F238E27FC236}">
+                <a16:creationId xmlns:a16="http://schemas.microsoft.com/office/drawing/2014/main" id="{DF8B2E38-2A59-6522-6882-C877AD56E2BD}"/>
+              </a:ext>
+            </a:extLst>
+          </p:cNvPr>
+          <p:cNvSpPr>
+            <a:spLocks noGrp="1"/>
+          </p:cNvSpPr>
+          <p:nvPr>
+            <p:ph type="ftr" sz="quarter" idx="11"/>
+          </p:nvPr>
+        </p:nvSpPr>
+        <p:spPr>
+          <a:xfrm>
+            <a:off x="9376062" y="6480561"/>
+            <a:ext cx="2410553" cy="304801"/>
+          </a:xfrm>
+        </p:spPr>
+        <p:txBody>
+          <a:bodyPr/>
+          <a:lstStyle/>
+          <a:p>
+            <a:r>
+              <a:rPr lang="en-IN" dirty="0"/>
+              <a:t>Copyright by LIVIS AI 20-09-2025</a:t>
+            </a:r>
           </a:p>
         </p:txBody>
       </p:sp>
@@ -6512,7 +9358,7 @@
           <a:bodyPr/>
           <a:lstStyle/>
           <a:p>
-            <a:fld id="{7D3EDC13-BCC4-4BCF-BC0C-11E472F5A6EC}" type="datetime1">
+            <a:fld id="{855365DD-A435-44D8-91B3-B83C46276547}" type="datetime1">
               <a:rPr lang="en-IN" smtClean="0"/>
               <a:t>20-09-2025</a:t>
             </a:fld>
@@ -6543,7 +9389,7 @@
           <a:p>
             <a:r>
               <a:rPr lang="en-IN"/>
-              <a:t>Copyright by LIVS AI</a:t>
+              <a:t>Copyright by LIVIS AI</a:t>
             </a:r>
           </a:p>
         </p:txBody>
@@ -6672,6 +9518,138 @@
             <a:r>
               <a:rPr lang="en-US" dirty="0"/>
               <a:t>Model evaluation : Rank Ordering, KS statistics and Gini coefficient</a:t>
+            </a:r>
+            <a:endParaRPr lang="en-IN" dirty="0"/>
+          </a:p>
+        </p:txBody>
+      </p:sp>
+      <p:sp>
+        <p:nvSpPr>
+          <p:cNvPr id="3" name="Footer Placeholder 3">
+            <a:extLst>
+              <a:ext uri="{FF2B5EF4-FFF2-40B4-BE49-F238E27FC236}">
+                <a16:creationId xmlns:a16="http://schemas.microsoft.com/office/drawing/2014/main" id="{EFED0870-81DE-4A07-184C-B45B3E81ECC2}"/>
+              </a:ext>
+            </a:extLst>
+          </p:cNvPr>
+          <p:cNvSpPr txBox="1">
+            <a:spLocks/>
+          </p:cNvSpPr>
+          <p:nvPr/>
+        </p:nvSpPr>
+        <p:spPr>
+          <a:xfrm>
+            <a:off x="9376062" y="6480561"/>
+            <a:ext cx="2410553" cy="304801"/>
+          </a:xfrm>
+          <a:prstGeom prst="rect">
+            <a:avLst/>
+          </a:prstGeom>
+        </p:spPr>
+        <p:txBody>
+          <a:bodyPr vert="horz" lIns="91440" tIns="45720" rIns="91440" bIns="45720" rtlCol="0" anchor="b"/>
+          <a:lstStyle>
+            <a:defPPr>
+              <a:defRPr lang="en-US"/>
+            </a:defPPr>
+            <a:lvl1pPr marL="0" algn="l" defTabSz="457200" rtl="0" eaLnBrk="1" latinLnBrk="0" hangingPunct="1">
+              <a:defRPr sz="1100" b="0" i="0" kern="1200">
+                <a:solidFill>
+                  <a:schemeClr val="tx1">
+                    <a:tint val="75000"/>
+                    <a:alpha val="60000"/>
+                  </a:schemeClr>
+                </a:solidFill>
+                <a:latin typeface="+mn-lt"/>
+                <a:ea typeface="+mn-ea"/>
+                <a:cs typeface="+mn-cs"/>
+              </a:defRPr>
+            </a:lvl1pPr>
+            <a:lvl2pPr marL="457200" algn="l" defTabSz="457200" rtl="0" eaLnBrk="1" latinLnBrk="0" hangingPunct="1">
+              <a:defRPr sz="1800" kern="1200">
+                <a:solidFill>
+                  <a:schemeClr val="tx1"/>
+                </a:solidFill>
+                <a:latin typeface="+mn-lt"/>
+                <a:ea typeface="+mn-ea"/>
+                <a:cs typeface="+mn-cs"/>
+              </a:defRPr>
+            </a:lvl2pPr>
+            <a:lvl3pPr marL="914400" algn="l" defTabSz="457200" rtl="0" eaLnBrk="1" latinLnBrk="0" hangingPunct="1">
+              <a:defRPr sz="1800" kern="1200">
+                <a:solidFill>
+                  <a:schemeClr val="tx1"/>
+                </a:solidFill>
+                <a:latin typeface="+mn-lt"/>
+                <a:ea typeface="+mn-ea"/>
+                <a:cs typeface="+mn-cs"/>
+              </a:defRPr>
+            </a:lvl3pPr>
+            <a:lvl4pPr marL="1371600" algn="l" defTabSz="457200" rtl="0" eaLnBrk="1" latinLnBrk="0" hangingPunct="1">
+              <a:defRPr sz="1800" kern="1200">
+                <a:solidFill>
+                  <a:schemeClr val="tx1"/>
+                </a:solidFill>
+                <a:latin typeface="+mn-lt"/>
+                <a:ea typeface="+mn-ea"/>
+                <a:cs typeface="+mn-cs"/>
+              </a:defRPr>
+            </a:lvl4pPr>
+            <a:lvl5pPr marL="1828800" algn="l" defTabSz="457200" rtl="0" eaLnBrk="1" latinLnBrk="0" hangingPunct="1">
+              <a:defRPr sz="1800" kern="1200">
+                <a:solidFill>
+                  <a:schemeClr val="tx1"/>
+                </a:solidFill>
+                <a:latin typeface="+mn-lt"/>
+                <a:ea typeface="+mn-ea"/>
+                <a:cs typeface="+mn-cs"/>
+              </a:defRPr>
+            </a:lvl5pPr>
+            <a:lvl6pPr marL="2286000" algn="l" defTabSz="457200" rtl="0" eaLnBrk="1" latinLnBrk="0" hangingPunct="1">
+              <a:defRPr sz="1800" kern="1200">
+                <a:solidFill>
+                  <a:schemeClr val="tx1"/>
+                </a:solidFill>
+                <a:latin typeface="+mn-lt"/>
+                <a:ea typeface="+mn-ea"/>
+                <a:cs typeface="+mn-cs"/>
+              </a:defRPr>
+            </a:lvl6pPr>
+            <a:lvl7pPr marL="2743200" algn="l" defTabSz="457200" rtl="0" eaLnBrk="1" latinLnBrk="0" hangingPunct="1">
+              <a:defRPr sz="1800" kern="1200">
+                <a:solidFill>
+                  <a:schemeClr val="tx1"/>
+                </a:solidFill>
+                <a:latin typeface="+mn-lt"/>
+                <a:ea typeface="+mn-ea"/>
+                <a:cs typeface="+mn-cs"/>
+              </a:defRPr>
+            </a:lvl7pPr>
+            <a:lvl8pPr marL="3200400" algn="l" defTabSz="457200" rtl="0" eaLnBrk="1" latinLnBrk="0" hangingPunct="1">
+              <a:defRPr sz="1800" kern="1200">
+                <a:solidFill>
+                  <a:schemeClr val="tx1"/>
+                </a:solidFill>
+                <a:latin typeface="+mn-lt"/>
+                <a:ea typeface="+mn-ea"/>
+                <a:cs typeface="+mn-cs"/>
+              </a:defRPr>
+            </a:lvl8pPr>
+            <a:lvl9pPr marL="3657600" algn="l" defTabSz="457200" rtl="0" eaLnBrk="1" latinLnBrk="0" hangingPunct="1">
+              <a:defRPr sz="1800" kern="1200">
+                <a:solidFill>
+                  <a:schemeClr val="tx1"/>
+                </a:solidFill>
+                <a:latin typeface="+mn-lt"/>
+                <a:ea typeface="+mn-ea"/>
+                <a:cs typeface="+mn-cs"/>
+              </a:defRPr>
+            </a:lvl9pPr>
+          </a:lstStyle>
+          <a:p>
+            <a:r>
+              <a:rPr lang="en-IN"/>
+              <a:t>Copyright by LIVIS AI 20-09-2025</a:t>
             </a:r>
             <a:endParaRPr lang="en-IN" dirty="0"/>
           </a:p>
@@ -6764,8 +9742,8 @@
           </p:nvPr>
         </p:nvGraphicFramePr>
         <p:xfrm>
-          <a:off x="2230438" y="2638424"/>
-          <a:ext cx="7731123" cy="2317624"/>
+          <a:off x="1103313" y="2052638"/>
+          <a:ext cx="8947148" cy="2317624"/>
         </p:xfrm>
         <a:graphic>
           <a:graphicData uri="http://schemas.openxmlformats.org/drawingml/2006/table">
@@ -6774,21 +9752,21 @@
                 <a:tableStyleId>{5C22544A-7EE6-4342-B048-85BDC9FD1C3A}</a:tableStyleId>
               </a:tblPr>
               <a:tblGrid>
-                <a:gridCol w="2716466">
+                <a:gridCol w="3143738">
                   <a:extLst>
                     <a:ext uri="{9D8B030D-6E8A-4147-A177-3AD203B41FA5}">
                       <a16:colId xmlns:a16="http://schemas.microsoft.com/office/drawing/2014/main" val="1606893834"/>
                     </a:ext>
                   </a:extLst>
                 </a:gridCol>
-                <a:gridCol w="2651760">
+                <a:gridCol w="3068854">
                   <a:extLst>
                     <a:ext uri="{9D8B030D-6E8A-4147-A177-3AD203B41FA5}">
                       <a16:colId xmlns:a16="http://schemas.microsoft.com/office/drawing/2014/main" val="2655436672"/>
                     </a:ext>
                   </a:extLst>
                 </a:gridCol>
-                <a:gridCol w="2362897">
+                <a:gridCol w="2734556">
                   <a:extLst>
                     <a:ext uri="{9D8B030D-6E8A-4147-A177-3AD203B41FA5}">
                       <a16:colId xmlns:a16="http://schemas.microsoft.com/office/drawing/2014/main" val="2160966706"/>
@@ -6809,7 +9787,7 @@
                       <a:endParaRPr lang="en-IN" dirty="0"/>
                     </a:p>
                   </a:txBody>
-                  <a:tcPr/>
+                  <a:tcPr marL="105823" marR="105823"/>
                 </a:tc>
                 <a:tc>
                   <a:txBody>
@@ -6823,7 +9801,7 @@
                       <a:endParaRPr lang="en-IN" dirty="0"/>
                     </a:p>
                   </a:txBody>
-                  <a:tcPr/>
+                  <a:tcPr marL="105823" marR="105823"/>
                 </a:tc>
                 <a:tc>
                   <a:txBody>
@@ -6837,7 +9815,7 @@
                       <a:endParaRPr lang="en-IN" dirty="0"/>
                     </a:p>
                   </a:txBody>
-                  <a:tcPr/>
+                  <a:tcPr marL="105823" marR="105823"/>
                 </a:tc>
                 <a:extLst>
                   <a:ext uri="{0D108BD9-81ED-4DB2-BD59-A6C34878D82A}">
@@ -6858,7 +9836,7 @@
                       <a:endParaRPr lang="en-IN" dirty="0"/>
                     </a:p>
                   </a:txBody>
-                  <a:tcPr>
+                  <a:tcPr marL="105823" marR="105823">
                     <a:solidFill>
                       <a:srgbClr val="00B050"/>
                     </a:solidFill>
@@ -6876,7 +9854,7 @@
                       <a:endParaRPr lang="en-IN" dirty="0"/>
                     </a:p>
                   </a:txBody>
-                  <a:tcPr>
+                  <a:tcPr marL="105823" marR="105823">
                     <a:solidFill>
                       <a:srgbClr val="00B050"/>
                     </a:solidFill>
@@ -6894,7 +9872,7 @@
                       <a:endParaRPr lang="en-IN" dirty="0"/>
                     </a:p>
                   </a:txBody>
-                  <a:tcPr>
+                  <a:tcPr marL="105823" marR="105823">
                     <a:solidFill>
                       <a:srgbClr val="00B050"/>
                     </a:solidFill>
@@ -6919,7 +9897,7 @@
                       <a:endParaRPr lang="en-IN" dirty="0"/>
                     </a:p>
                   </a:txBody>
-                  <a:tcPr/>
+                  <a:tcPr marL="105823" marR="105823"/>
                 </a:tc>
                 <a:tc>
                   <a:txBody>
@@ -6933,7 +9911,7 @@
                       <a:endParaRPr lang="en-IN" dirty="0"/>
                     </a:p>
                   </a:txBody>
-                  <a:tcPr/>
+                  <a:tcPr marL="105823" marR="105823"/>
                 </a:tc>
                 <a:tc>
                   <a:txBody>
@@ -6947,7 +9925,7 @@
                       <a:endParaRPr lang="en-IN" dirty="0"/>
                     </a:p>
                   </a:txBody>
-                  <a:tcPr/>
+                  <a:tcPr marL="105823" marR="105823"/>
                 </a:tc>
                 <a:extLst>
                   <a:ext uri="{0D108BD9-81ED-4DB2-BD59-A6C34878D82A}">
@@ -6968,7 +9946,7 @@
                       <a:endParaRPr lang="en-IN" dirty="0"/>
                     </a:p>
                   </a:txBody>
-                  <a:tcPr/>
+                  <a:tcPr marL="105823" marR="105823"/>
                 </a:tc>
                 <a:tc>
                   <a:txBody>
@@ -6982,7 +9960,7 @@
                       <a:endParaRPr lang="en-IN" dirty="0"/>
                     </a:p>
                   </a:txBody>
-                  <a:tcPr/>
+                  <a:tcPr marL="105823" marR="105823"/>
                 </a:tc>
                 <a:tc>
                   <a:txBody>
@@ -6996,7 +9974,7 @@
                       <a:endParaRPr lang="en-IN" dirty="0"/>
                     </a:p>
                   </a:txBody>
-                  <a:tcPr/>
+                  <a:tcPr marL="105823" marR="105823"/>
                 </a:tc>
                 <a:extLst>
                   <a:ext uri="{0D108BD9-81ED-4DB2-BD59-A6C34878D82A}">
@@ -7010,63 +9988,6 @@
       </p:graphicFrame>
       <p:sp>
         <p:nvSpPr>
-          <p:cNvPr id="5" name="Date Placeholder 4">
-            <a:extLst>
-              <a:ext uri="{FF2B5EF4-FFF2-40B4-BE49-F238E27FC236}">
-                <a16:creationId xmlns:a16="http://schemas.microsoft.com/office/drawing/2014/main" id="{F64F8DA3-9AD0-A0CD-51DB-CAE6B05FAFCA}"/>
-              </a:ext>
-            </a:extLst>
-          </p:cNvPr>
-          <p:cNvSpPr>
-            <a:spLocks noGrp="1"/>
-          </p:cNvSpPr>
-          <p:nvPr>
-            <p:ph type="dt" sz="half" idx="10"/>
-          </p:nvPr>
-        </p:nvSpPr>
-        <p:spPr/>
-        <p:txBody>
-          <a:bodyPr/>
-          <a:lstStyle/>
-          <a:p>
-            <a:fld id="{4A36B172-6B5C-4E5F-8B08-151A53E213FE}" type="datetime1">
-              <a:rPr lang="en-IN" smtClean="0"/>
-              <a:t>20-09-2025</a:t>
-            </a:fld>
-            <a:endParaRPr lang="en-IN"/>
-          </a:p>
-        </p:txBody>
-      </p:sp>
-      <p:sp>
-        <p:nvSpPr>
-          <p:cNvPr id="4" name="Footer Placeholder 3">
-            <a:extLst>
-              <a:ext uri="{FF2B5EF4-FFF2-40B4-BE49-F238E27FC236}">
-                <a16:creationId xmlns:a16="http://schemas.microsoft.com/office/drawing/2014/main" id="{D87BF56C-16FF-8E25-34DC-75BEFB8D0A26}"/>
-              </a:ext>
-            </a:extLst>
-          </p:cNvPr>
-          <p:cNvSpPr>
-            <a:spLocks noGrp="1"/>
-          </p:cNvSpPr>
-          <p:nvPr>
-            <p:ph type="ftr" sz="quarter" idx="11"/>
-          </p:nvPr>
-        </p:nvSpPr>
-        <p:spPr/>
-        <p:txBody>
-          <a:bodyPr/>
-          <a:lstStyle/>
-          <a:p>
-            <a:r>
-              <a:rPr lang="en-IN"/>
-              <a:t>Copyright by LIVS AI</a:t>
-            </a:r>
-          </a:p>
-        </p:txBody>
-      </p:sp>
-      <p:sp>
-        <p:nvSpPr>
           <p:cNvPr id="6" name="Slide Number Placeholder 5">
             <a:extLst>
               <a:ext uri="{FF2B5EF4-FFF2-40B4-BE49-F238E27FC236}">
@@ -7091,6 +10012,39 @@
               <a:t>15</a:t>
             </a:fld>
             <a:endParaRPr lang="en-IN"/>
+          </a:p>
+        </p:txBody>
+      </p:sp>
+      <p:sp>
+        <p:nvSpPr>
+          <p:cNvPr id="3" name="Footer Placeholder 3">
+            <a:extLst>
+              <a:ext uri="{FF2B5EF4-FFF2-40B4-BE49-F238E27FC236}">
+                <a16:creationId xmlns:a16="http://schemas.microsoft.com/office/drawing/2014/main" id="{AC30DD83-8C0B-3574-C21A-75F32EF3A1D7}"/>
+              </a:ext>
+            </a:extLst>
+          </p:cNvPr>
+          <p:cNvSpPr>
+            <a:spLocks noGrp="1"/>
+          </p:cNvSpPr>
+          <p:nvPr>
+            <p:ph type="ftr" sz="quarter" idx="11"/>
+          </p:nvPr>
+        </p:nvSpPr>
+        <p:spPr>
+          <a:xfrm>
+            <a:off x="9376062" y="6480561"/>
+            <a:ext cx="2410553" cy="304801"/>
+          </a:xfrm>
+        </p:spPr>
+        <p:txBody>
+          <a:bodyPr/>
+          <a:lstStyle/>
+          <a:p>
+            <a:r>
+              <a:rPr lang="en-IN" dirty="0"/>
+              <a:t>Copyright by LIVIS AI 20-09-2025</a:t>
+            </a:r>
           </a:p>
         </p:txBody>
       </p:sp>
@@ -7130,6 +10084,40 @@
           <a:chExt cx="0" cy="0"/>
         </a:xfrm>
       </p:grpSpPr>
+      <p:sp>
+        <p:nvSpPr>
+          <p:cNvPr id="2" name="Title 1">
+            <a:extLst>
+              <a:ext uri="{FF2B5EF4-FFF2-40B4-BE49-F238E27FC236}">
+                <a16:creationId xmlns:a16="http://schemas.microsoft.com/office/drawing/2014/main" id="{88FE431F-B63C-11A3-89CA-ADCC3AB95864}"/>
+              </a:ext>
+            </a:extLst>
+          </p:cNvPr>
+          <p:cNvSpPr>
+            <a:spLocks noGrp="1"/>
+          </p:cNvSpPr>
+          <p:nvPr>
+            <p:ph type="title"/>
+          </p:nvPr>
+        </p:nvSpPr>
+        <p:spPr>
+          <a:xfrm>
+            <a:off x="2231136" y="295216"/>
+            <a:ext cx="7729728" cy="920936"/>
+          </a:xfrm>
+        </p:spPr>
+        <p:txBody>
+          <a:bodyPr/>
+          <a:lstStyle/>
+          <a:p>
+            <a:r>
+              <a:rPr lang="en-US" dirty="0"/>
+              <a:t>MODEL EVALUATION:</a:t>
+            </a:r>
+            <a:endParaRPr lang="en-IN" dirty="0"/>
+          </a:p>
+        </p:txBody>
+      </p:sp>
       <p:pic>
         <p:nvPicPr>
           <p:cNvPr id="8" name="Content Placeholder 7">
@@ -7164,40 +10152,6 @@
       </p:pic>
       <p:sp>
         <p:nvSpPr>
-          <p:cNvPr id="2" name="Title 1">
-            <a:extLst>
-              <a:ext uri="{FF2B5EF4-FFF2-40B4-BE49-F238E27FC236}">
-                <a16:creationId xmlns:a16="http://schemas.microsoft.com/office/drawing/2014/main" id="{88FE431F-B63C-11A3-89CA-ADCC3AB95864}"/>
-              </a:ext>
-            </a:extLst>
-          </p:cNvPr>
-          <p:cNvSpPr>
-            <a:spLocks noGrp="1"/>
-          </p:cNvSpPr>
-          <p:nvPr>
-            <p:ph type="title"/>
-          </p:nvPr>
-        </p:nvSpPr>
-        <p:spPr>
-          <a:xfrm>
-            <a:off x="2231136" y="295216"/>
-            <a:ext cx="7729728" cy="920936"/>
-          </a:xfrm>
-        </p:spPr>
-        <p:txBody>
-          <a:bodyPr/>
-          <a:lstStyle/>
-          <a:p>
-            <a:r>
-              <a:rPr lang="en-US" dirty="0"/>
-              <a:t>MODEL EVALUATION:</a:t>
-            </a:r>
-            <a:endParaRPr lang="en-IN" dirty="0"/>
-          </a:p>
-        </p:txBody>
-      </p:sp>
-      <p:sp>
-        <p:nvSpPr>
           <p:cNvPr id="5" name="Date Placeholder 4">
             <a:extLst>
               <a:ext uri="{FF2B5EF4-FFF2-40B4-BE49-F238E27FC236}">
@@ -7217,7 +10171,7 @@
           <a:bodyPr/>
           <a:lstStyle/>
           <a:p>
-            <a:fld id="{F908FC8F-93E7-4B78-A12E-6D6371B213A5}" type="datetime1">
+            <a:fld id="{52767A5A-AAA6-4083-9436-009FD192BCB3}" type="datetime1">
               <a:rPr lang="en-IN" smtClean="0"/>
               <a:t>20-09-2025</a:t>
             </a:fld>
@@ -7248,7 +10202,7 @@
           <a:p>
             <a:r>
               <a:rPr lang="en-IN"/>
-              <a:t>Copyright by LIVS AI</a:t>
+              <a:t>Copyright by LIVIS AI</a:t>
             </a:r>
           </a:p>
         </p:txBody>
@@ -7625,6 +10579,138 @@
           </a:p>
         </p:txBody>
       </p:sp>
+      <p:sp>
+        <p:nvSpPr>
+          <p:cNvPr id="3" name="Footer Placeholder 3">
+            <a:extLst>
+              <a:ext uri="{FF2B5EF4-FFF2-40B4-BE49-F238E27FC236}">
+                <a16:creationId xmlns:a16="http://schemas.microsoft.com/office/drawing/2014/main" id="{B96E3A77-2929-51E6-A256-0148D50F302A}"/>
+              </a:ext>
+            </a:extLst>
+          </p:cNvPr>
+          <p:cNvSpPr txBox="1">
+            <a:spLocks/>
+          </p:cNvSpPr>
+          <p:nvPr/>
+        </p:nvSpPr>
+        <p:spPr>
+          <a:xfrm>
+            <a:off x="9376062" y="6480561"/>
+            <a:ext cx="2410553" cy="304801"/>
+          </a:xfrm>
+          <a:prstGeom prst="rect">
+            <a:avLst/>
+          </a:prstGeom>
+        </p:spPr>
+        <p:txBody>
+          <a:bodyPr vert="horz" lIns="91440" tIns="45720" rIns="91440" bIns="45720" rtlCol="0" anchor="b"/>
+          <a:lstStyle>
+            <a:defPPr>
+              <a:defRPr lang="en-US"/>
+            </a:defPPr>
+            <a:lvl1pPr marL="0" algn="l" defTabSz="457200" rtl="0" eaLnBrk="1" latinLnBrk="0" hangingPunct="1">
+              <a:defRPr sz="1100" b="0" i="0" kern="1200">
+                <a:solidFill>
+                  <a:schemeClr val="tx1">
+                    <a:tint val="75000"/>
+                    <a:alpha val="60000"/>
+                  </a:schemeClr>
+                </a:solidFill>
+                <a:latin typeface="+mn-lt"/>
+                <a:ea typeface="+mn-ea"/>
+                <a:cs typeface="+mn-cs"/>
+              </a:defRPr>
+            </a:lvl1pPr>
+            <a:lvl2pPr marL="457200" algn="l" defTabSz="457200" rtl="0" eaLnBrk="1" latinLnBrk="0" hangingPunct="1">
+              <a:defRPr sz="1800" kern="1200">
+                <a:solidFill>
+                  <a:schemeClr val="tx1"/>
+                </a:solidFill>
+                <a:latin typeface="+mn-lt"/>
+                <a:ea typeface="+mn-ea"/>
+                <a:cs typeface="+mn-cs"/>
+              </a:defRPr>
+            </a:lvl2pPr>
+            <a:lvl3pPr marL="914400" algn="l" defTabSz="457200" rtl="0" eaLnBrk="1" latinLnBrk="0" hangingPunct="1">
+              <a:defRPr sz="1800" kern="1200">
+                <a:solidFill>
+                  <a:schemeClr val="tx1"/>
+                </a:solidFill>
+                <a:latin typeface="+mn-lt"/>
+                <a:ea typeface="+mn-ea"/>
+                <a:cs typeface="+mn-cs"/>
+              </a:defRPr>
+            </a:lvl3pPr>
+            <a:lvl4pPr marL="1371600" algn="l" defTabSz="457200" rtl="0" eaLnBrk="1" latinLnBrk="0" hangingPunct="1">
+              <a:defRPr sz="1800" kern="1200">
+                <a:solidFill>
+                  <a:schemeClr val="tx1"/>
+                </a:solidFill>
+                <a:latin typeface="+mn-lt"/>
+                <a:ea typeface="+mn-ea"/>
+                <a:cs typeface="+mn-cs"/>
+              </a:defRPr>
+            </a:lvl4pPr>
+            <a:lvl5pPr marL="1828800" algn="l" defTabSz="457200" rtl="0" eaLnBrk="1" latinLnBrk="0" hangingPunct="1">
+              <a:defRPr sz="1800" kern="1200">
+                <a:solidFill>
+                  <a:schemeClr val="tx1"/>
+                </a:solidFill>
+                <a:latin typeface="+mn-lt"/>
+                <a:ea typeface="+mn-ea"/>
+                <a:cs typeface="+mn-cs"/>
+              </a:defRPr>
+            </a:lvl5pPr>
+            <a:lvl6pPr marL="2286000" algn="l" defTabSz="457200" rtl="0" eaLnBrk="1" latinLnBrk="0" hangingPunct="1">
+              <a:defRPr sz="1800" kern="1200">
+                <a:solidFill>
+                  <a:schemeClr val="tx1"/>
+                </a:solidFill>
+                <a:latin typeface="+mn-lt"/>
+                <a:ea typeface="+mn-ea"/>
+                <a:cs typeface="+mn-cs"/>
+              </a:defRPr>
+            </a:lvl6pPr>
+            <a:lvl7pPr marL="2743200" algn="l" defTabSz="457200" rtl="0" eaLnBrk="1" latinLnBrk="0" hangingPunct="1">
+              <a:defRPr sz="1800" kern="1200">
+                <a:solidFill>
+                  <a:schemeClr val="tx1"/>
+                </a:solidFill>
+                <a:latin typeface="+mn-lt"/>
+                <a:ea typeface="+mn-ea"/>
+                <a:cs typeface="+mn-cs"/>
+              </a:defRPr>
+            </a:lvl7pPr>
+            <a:lvl8pPr marL="3200400" algn="l" defTabSz="457200" rtl="0" eaLnBrk="1" latinLnBrk="0" hangingPunct="1">
+              <a:defRPr sz="1800" kern="1200">
+                <a:solidFill>
+                  <a:schemeClr val="tx1"/>
+                </a:solidFill>
+                <a:latin typeface="+mn-lt"/>
+                <a:ea typeface="+mn-ea"/>
+                <a:cs typeface="+mn-cs"/>
+              </a:defRPr>
+            </a:lvl8pPr>
+            <a:lvl9pPr marL="3657600" algn="l" defTabSz="457200" rtl="0" eaLnBrk="1" latinLnBrk="0" hangingPunct="1">
+              <a:defRPr sz="1800" kern="1200">
+                <a:solidFill>
+                  <a:schemeClr val="tx1"/>
+                </a:solidFill>
+                <a:latin typeface="+mn-lt"/>
+                <a:ea typeface="+mn-ea"/>
+                <a:cs typeface="+mn-cs"/>
+              </a:defRPr>
+            </a:lvl9pPr>
+          </a:lstStyle>
+          <a:p>
+            <a:r>
+              <a:rPr lang="en-IN"/>
+              <a:t>Copyright by LIVIS AI 20-09-2025</a:t>
+            </a:r>
+            <a:endParaRPr lang="en-IN" dirty="0"/>
+          </a:p>
+        </p:txBody>
+      </p:sp>
     </p:spTree>
     <p:extLst>
       <p:ext uri="{BB962C8B-B14F-4D97-AF65-F5344CB8AC3E}">
@@ -7711,63 +10797,6 @@
       </p:sp>
       <p:sp>
         <p:nvSpPr>
-          <p:cNvPr id="5" name="Date Placeholder 4">
-            <a:extLst>
-              <a:ext uri="{FF2B5EF4-FFF2-40B4-BE49-F238E27FC236}">
-                <a16:creationId xmlns:a16="http://schemas.microsoft.com/office/drawing/2014/main" id="{67D092BB-1EFD-C28A-82B0-71C787E07930}"/>
-              </a:ext>
-            </a:extLst>
-          </p:cNvPr>
-          <p:cNvSpPr>
-            <a:spLocks noGrp="1"/>
-          </p:cNvSpPr>
-          <p:nvPr>
-            <p:ph type="dt" sz="half" idx="10"/>
-          </p:nvPr>
-        </p:nvSpPr>
-        <p:spPr/>
-        <p:txBody>
-          <a:bodyPr/>
-          <a:lstStyle/>
-          <a:p>
-            <a:fld id="{6126CE81-EE05-4D2D-BB40-C8B4563C12A5}" type="datetime1">
-              <a:rPr lang="en-IN" smtClean="0"/>
-              <a:t>20-09-2025</a:t>
-            </a:fld>
-            <a:endParaRPr lang="en-IN"/>
-          </a:p>
-        </p:txBody>
-      </p:sp>
-      <p:sp>
-        <p:nvSpPr>
-          <p:cNvPr id="4" name="Footer Placeholder 3">
-            <a:extLst>
-              <a:ext uri="{FF2B5EF4-FFF2-40B4-BE49-F238E27FC236}">
-                <a16:creationId xmlns:a16="http://schemas.microsoft.com/office/drawing/2014/main" id="{8C8E2C7A-732C-1873-34D4-B85DDBA70418}"/>
-              </a:ext>
-            </a:extLst>
-          </p:cNvPr>
-          <p:cNvSpPr>
-            <a:spLocks noGrp="1"/>
-          </p:cNvSpPr>
-          <p:nvPr>
-            <p:ph type="ftr" sz="quarter" idx="11"/>
-          </p:nvPr>
-        </p:nvSpPr>
-        <p:spPr/>
-        <p:txBody>
-          <a:bodyPr/>
-          <a:lstStyle/>
-          <a:p>
-            <a:r>
-              <a:rPr lang="en-IN"/>
-              <a:t>Copyright by LIVS AI</a:t>
-            </a:r>
-          </a:p>
-        </p:txBody>
-      </p:sp>
-      <p:sp>
-        <p:nvSpPr>
           <p:cNvPr id="6" name="Slide Number Placeholder 5">
             <a:extLst>
               <a:ext uri="{FF2B5EF4-FFF2-40B4-BE49-F238E27FC236}">
@@ -7970,63 +10999,6 @@
       </p:sp>
       <p:sp>
         <p:nvSpPr>
-          <p:cNvPr id="5" name="Date Placeholder 4">
-            <a:extLst>
-              <a:ext uri="{FF2B5EF4-FFF2-40B4-BE49-F238E27FC236}">
-                <a16:creationId xmlns:a16="http://schemas.microsoft.com/office/drawing/2014/main" id="{1BB41BF8-94E2-3F9F-D6C6-7135945F5765}"/>
-              </a:ext>
-            </a:extLst>
-          </p:cNvPr>
-          <p:cNvSpPr>
-            <a:spLocks noGrp="1"/>
-          </p:cNvSpPr>
-          <p:nvPr>
-            <p:ph type="dt" sz="half" idx="10"/>
-          </p:nvPr>
-        </p:nvSpPr>
-        <p:spPr/>
-        <p:txBody>
-          <a:bodyPr/>
-          <a:lstStyle/>
-          <a:p>
-            <a:fld id="{C65D954E-01C8-4E30-9F3C-3807488900AD}" type="datetime1">
-              <a:rPr lang="en-IN" smtClean="0"/>
-              <a:t>20-09-2025</a:t>
-            </a:fld>
-            <a:endParaRPr lang="en-IN"/>
-          </a:p>
-        </p:txBody>
-      </p:sp>
-      <p:sp>
-        <p:nvSpPr>
-          <p:cNvPr id="4" name="Footer Placeholder 3">
-            <a:extLst>
-              <a:ext uri="{FF2B5EF4-FFF2-40B4-BE49-F238E27FC236}">
-                <a16:creationId xmlns:a16="http://schemas.microsoft.com/office/drawing/2014/main" id="{00A8A2B5-B8AF-FDD2-DEBF-4D23E051D681}"/>
-              </a:ext>
-            </a:extLst>
-          </p:cNvPr>
-          <p:cNvSpPr>
-            <a:spLocks noGrp="1"/>
-          </p:cNvSpPr>
-          <p:nvPr>
-            <p:ph type="ftr" sz="quarter" idx="11"/>
-          </p:nvPr>
-        </p:nvSpPr>
-        <p:spPr/>
-        <p:txBody>
-          <a:bodyPr/>
-          <a:lstStyle/>
-          <a:p>
-            <a:r>
-              <a:rPr lang="en-IN"/>
-              <a:t>Copyright by LIVS AI</a:t>
-            </a:r>
-          </a:p>
-        </p:txBody>
-      </p:sp>
-      <p:sp>
-        <p:nvSpPr>
           <p:cNvPr id="6" name="Slide Number Placeholder 5">
             <a:extLst>
               <a:ext uri="{FF2B5EF4-FFF2-40B4-BE49-F238E27FC236}">
@@ -8051,6 +11023,39 @@
               <a:t>2</a:t>
             </a:fld>
             <a:endParaRPr lang="en-IN"/>
+          </a:p>
+        </p:txBody>
+      </p:sp>
+      <p:sp>
+        <p:nvSpPr>
+          <p:cNvPr id="8" name="Footer Placeholder 3">
+            <a:extLst>
+              <a:ext uri="{FF2B5EF4-FFF2-40B4-BE49-F238E27FC236}">
+                <a16:creationId xmlns:a16="http://schemas.microsoft.com/office/drawing/2014/main" id="{F53CBC31-C3B9-C4FB-E1EB-D324C2E12067}"/>
+              </a:ext>
+            </a:extLst>
+          </p:cNvPr>
+          <p:cNvSpPr>
+            <a:spLocks noGrp="1"/>
+          </p:cNvSpPr>
+          <p:nvPr>
+            <p:ph type="ftr" sz="quarter" idx="11"/>
+          </p:nvPr>
+        </p:nvSpPr>
+        <p:spPr>
+          <a:xfrm>
+            <a:off x="9376062" y="6480561"/>
+            <a:ext cx="2410553" cy="304801"/>
+          </a:xfrm>
+        </p:spPr>
+        <p:txBody>
+          <a:bodyPr/>
+          <a:lstStyle/>
+          <a:p>
+            <a:r>
+              <a:rPr lang="en-IN" dirty="0"/>
+              <a:t>Copyright by LIVIS AI 20-09-2025</a:t>
+            </a:r>
           </a:p>
         </p:txBody>
       </p:sp>
@@ -8147,9 +11152,9 @@
           <a:lstStyle/>
           <a:p>
             <a:r>
-              <a:rPr lang="en-US" sz="1600" dirty="0">
+              <a:rPr lang="en-US" sz="1600" b="1" dirty="0">
                 <a:solidFill>
-                  <a:srgbClr val="FF0000"/>
+                  <a:schemeClr val="accent3"/>
                 </a:solidFill>
               </a:rPr>
               <a:t>As-Is Business Process of Loan approval:</a:t>
@@ -8183,63 +11188,6 @@
               <a:t>Underwriter approve or reject Loan application.</a:t>
             </a:r>
             <a:endParaRPr lang="en-IN" sz="1600" dirty="0"/>
-          </a:p>
-        </p:txBody>
-      </p:sp>
-      <p:sp>
-        <p:nvSpPr>
-          <p:cNvPr id="5" name="Date Placeholder 4">
-            <a:extLst>
-              <a:ext uri="{FF2B5EF4-FFF2-40B4-BE49-F238E27FC236}">
-                <a16:creationId xmlns:a16="http://schemas.microsoft.com/office/drawing/2014/main" id="{AD848FC9-7991-4BFA-44EC-26B3DC270148}"/>
-              </a:ext>
-            </a:extLst>
-          </p:cNvPr>
-          <p:cNvSpPr>
-            <a:spLocks noGrp="1"/>
-          </p:cNvSpPr>
-          <p:nvPr>
-            <p:ph type="dt" sz="half" idx="10"/>
-          </p:nvPr>
-        </p:nvSpPr>
-        <p:spPr/>
-        <p:txBody>
-          <a:bodyPr/>
-          <a:lstStyle/>
-          <a:p>
-            <a:fld id="{52C1C8A8-E844-4F1F-A3D5-FB397CCD68B5}" type="datetime1">
-              <a:rPr lang="en-IN" smtClean="0"/>
-              <a:t>20-09-2025</a:t>
-            </a:fld>
-            <a:endParaRPr lang="en-IN"/>
-          </a:p>
-        </p:txBody>
-      </p:sp>
-      <p:sp>
-        <p:nvSpPr>
-          <p:cNvPr id="4" name="Footer Placeholder 3">
-            <a:extLst>
-              <a:ext uri="{FF2B5EF4-FFF2-40B4-BE49-F238E27FC236}">
-                <a16:creationId xmlns:a16="http://schemas.microsoft.com/office/drawing/2014/main" id="{68C180A0-5FA4-934A-2F43-04DBCD48BB5E}"/>
-              </a:ext>
-            </a:extLst>
-          </p:cNvPr>
-          <p:cNvSpPr>
-            <a:spLocks noGrp="1"/>
-          </p:cNvSpPr>
-          <p:nvPr>
-            <p:ph type="ftr" sz="quarter" idx="11"/>
-          </p:nvPr>
-        </p:nvSpPr>
-        <p:spPr/>
-        <p:txBody>
-          <a:bodyPr/>
-          <a:lstStyle/>
-          <a:p>
-            <a:r>
-              <a:rPr lang="en-IN"/>
-              <a:t>Copyright by LIVS AI</a:t>
-            </a:r>
           </a:p>
         </p:txBody>
       </p:sp>
@@ -8465,9 +11413,9 @@
           </a:lstStyle>
           <a:p>
             <a:r>
-              <a:rPr lang="en-US" sz="1600" dirty="0">
+              <a:rPr lang="en-US" sz="1600" b="1" dirty="0">
                 <a:solidFill>
-                  <a:srgbClr val="00B050"/>
+                  <a:srgbClr val="FFC000"/>
                 </a:solidFill>
               </a:rPr>
               <a:t>To Be Business Process of Loan approval:</a:t>
@@ -8497,6 +11445,39 @@
           <a:p>
             <a:pPr lvl="1"/>
             <a:endParaRPr lang="en-IN" dirty="0"/>
+          </a:p>
+        </p:txBody>
+      </p:sp>
+      <p:sp>
+        <p:nvSpPr>
+          <p:cNvPr id="8" name="Footer Placeholder 3">
+            <a:extLst>
+              <a:ext uri="{FF2B5EF4-FFF2-40B4-BE49-F238E27FC236}">
+                <a16:creationId xmlns:a16="http://schemas.microsoft.com/office/drawing/2014/main" id="{28BF9ED4-D29E-F2E7-0B24-06E38984571A}"/>
+              </a:ext>
+            </a:extLst>
+          </p:cNvPr>
+          <p:cNvSpPr>
+            <a:spLocks noGrp="1"/>
+          </p:cNvSpPr>
+          <p:nvPr>
+            <p:ph type="ftr" sz="quarter" idx="11"/>
+          </p:nvPr>
+        </p:nvSpPr>
+        <p:spPr>
+          <a:xfrm>
+            <a:off x="9376062" y="6480561"/>
+            <a:ext cx="2410553" cy="304801"/>
+          </a:xfrm>
+        </p:spPr>
+        <p:txBody>
+          <a:bodyPr/>
+          <a:lstStyle/>
+          <a:p>
+            <a:r>
+              <a:rPr lang="en-IN" dirty="0"/>
+              <a:t>Copyright by LIVIS AI 20-09-2025</a:t>
+            </a:r>
           </a:p>
         </p:txBody>
       </p:sp>
@@ -8594,7 +11575,7 @@
         </p:spPr>
         <p:txBody>
           <a:bodyPr>
-            <a:normAutofit fontScale="55000" lnSpcReduction="20000"/>
+            <a:normAutofit fontScale="47500" lnSpcReduction="20000"/>
           </a:bodyPr>
           <a:lstStyle/>
           <a:p>
@@ -8755,63 +11736,6 @@
       </p:sp>
       <p:sp>
         <p:nvSpPr>
-          <p:cNvPr id="5" name="Date Placeholder 4">
-            <a:extLst>
-              <a:ext uri="{FF2B5EF4-FFF2-40B4-BE49-F238E27FC236}">
-                <a16:creationId xmlns:a16="http://schemas.microsoft.com/office/drawing/2014/main" id="{168A9921-42BB-E67E-2BA9-A98D5F553B94}"/>
-              </a:ext>
-            </a:extLst>
-          </p:cNvPr>
-          <p:cNvSpPr>
-            <a:spLocks noGrp="1"/>
-          </p:cNvSpPr>
-          <p:nvPr>
-            <p:ph type="dt" sz="half" idx="10"/>
-          </p:nvPr>
-        </p:nvSpPr>
-        <p:spPr/>
-        <p:txBody>
-          <a:bodyPr/>
-          <a:lstStyle/>
-          <a:p>
-            <a:fld id="{E4178408-9660-49DA-ABE6-910A42F39D74}" type="datetime1">
-              <a:rPr lang="en-IN" smtClean="0"/>
-              <a:t>20-09-2025</a:t>
-            </a:fld>
-            <a:endParaRPr lang="en-IN"/>
-          </a:p>
-        </p:txBody>
-      </p:sp>
-      <p:sp>
-        <p:nvSpPr>
-          <p:cNvPr id="4" name="Footer Placeholder 3">
-            <a:extLst>
-              <a:ext uri="{FF2B5EF4-FFF2-40B4-BE49-F238E27FC236}">
-                <a16:creationId xmlns:a16="http://schemas.microsoft.com/office/drawing/2014/main" id="{9996354C-2F46-09FF-77D1-DAC73A07D33D}"/>
-              </a:ext>
-            </a:extLst>
-          </p:cNvPr>
-          <p:cNvSpPr>
-            <a:spLocks noGrp="1"/>
-          </p:cNvSpPr>
-          <p:nvPr>
-            <p:ph type="ftr" sz="quarter" idx="11"/>
-          </p:nvPr>
-        </p:nvSpPr>
-        <p:spPr/>
-        <p:txBody>
-          <a:bodyPr/>
-          <a:lstStyle/>
-          <a:p>
-            <a:r>
-              <a:rPr lang="en-IN"/>
-              <a:t>Copyright by LIVS AI</a:t>
-            </a:r>
-          </a:p>
-        </p:txBody>
-      </p:sp>
-      <p:sp>
-        <p:nvSpPr>
           <p:cNvPr id="6" name="Slide Number Placeholder 5">
             <a:extLst>
               <a:ext uri="{FF2B5EF4-FFF2-40B4-BE49-F238E27FC236}">
@@ -8836,6 +11760,39 @@
               <a:t>4</a:t>
             </a:fld>
             <a:endParaRPr lang="en-IN"/>
+          </a:p>
+        </p:txBody>
+      </p:sp>
+      <p:sp>
+        <p:nvSpPr>
+          <p:cNvPr id="7" name="Footer Placeholder 3">
+            <a:extLst>
+              <a:ext uri="{FF2B5EF4-FFF2-40B4-BE49-F238E27FC236}">
+                <a16:creationId xmlns:a16="http://schemas.microsoft.com/office/drawing/2014/main" id="{C6721CEE-35B5-BA5E-CAD0-85149839F2C4}"/>
+              </a:ext>
+            </a:extLst>
+          </p:cNvPr>
+          <p:cNvSpPr>
+            <a:spLocks noGrp="1"/>
+          </p:cNvSpPr>
+          <p:nvPr>
+            <p:ph type="ftr" sz="quarter" idx="11"/>
+          </p:nvPr>
+        </p:nvSpPr>
+        <p:spPr>
+          <a:xfrm>
+            <a:off x="9376062" y="6480561"/>
+            <a:ext cx="2410553" cy="304801"/>
+          </a:xfrm>
+        </p:spPr>
+        <p:txBody>
+          <a:bodyPr/>
+          <a:lstStyle/>
+          <a:p>
+            <a:r>
+              <a:rPr lang="en-IN" dirty="0"/>
+              <a:t>Copyright by LIVIS AI 20-09-2025</a:t>
+            </a:r>
           </a:p>
         </p:txBody>
       </p:sp>
@@ -8918,63 +11875,6 @@
       </p:sp>
       <p:sp>
         <p:nvSpPr>
-          <p:cNvPr id="5" name="Date Placeholder 4">
-            <a:extLst>
-              <a:ext uri="{FF2B5EF4-FFF2-40B4-BE49-F238E27FC236}">
-                <a16:creationId xmlns:a16="http://schemas.microsoft.com/office/drawing/2014/main" id="{4A1B0BC3-0CDE-9EB5-EEEB-811889B35B2E}"/>
-              </a:ext>
-            </a:extLst>
-          </p:cNvPr>
-          <p:cNvSpPr>
-            <a:spLocks noGrp="1"/>
-          </p:cNvSpPr>
-          <p:nvPr>
-            <p:ph type="dt" sz="half" idx="10"/>
-          </p:nvPr>
-        </p:nvSpPr>
-        <p:spPr/>
-        <p:txBody>
-          <a:bodyPr/>
-          <a:lstStyle/>
-          <a:p>
-            <a:fld id="{048B77B3-727C-42B7-95F0-F625DCF1D16E}" type="datetime1">
-              <a:rPr lang="en-IN" smtClean="0"/>
-              <a:t>20-09-2025</a:t>
-            </a:fld>
-            <a:endParaRPr lang="en-IN"/>
-          </a:p>
-        </p:txBody>
-      </p:sp>
-      <p:sp>
-        <p:nvSpPr>
-          <p:cNvPr id="4" name="Footer Placeholder 3">
-            <a:extLst>
-              <a:ext uri="{FF2B5EF4-FFF2-40B4-BE49-F238E27FC236}">
-                <a16:creationId xmlns:a16="http://schemas.microsoft.com/office/drawing/2014/main" id="{BD4EBD57-FA29-C0C0-0202-D942218AC434}"/>
-              </a:ext>
-            </a:extLst>
-          </p:cNvPr>
-          <p:cNvSpPr>
-            <a:spLocks noGrp="1"/>
-          </p:cNvSpPr>
-          <p:nvPr>
-            <p:ph type="ftr" sz="quarter" idx="11"/>
-          </p:nvPr>
-        </p:nvSpPr>
-        <p:spPr/>
-        <p:txBody>
-          <a:bodyPr/>
-          <a:lstStyle/>
-          <a:p>
-            <a:r>
-              <a:rPr lang="en-IN"/>
-              <a:t>Copyright by LIVS AI</a:t>
-            </a:r>
-          </a:p>
-        </p:txBody>
-      </p:sp>
-      <p:sp>
-        <p:nvSpPr>
           <p:cNvPr id="6" name="Slide Number Placeholder 5">
             <a:extLst>
               <a:ext uri="{FF2B5EF4-FFF2-40B4-BE49-F238E27FC236}">
@@ -9032,6 +11932,39 @@
           </a:prstGeom>
         </p:spPr>
       </p:pic>
+      <p:sp>
+        <p:nvSpPr>
+          <p:cNvPr id="3" name="Footer Placeholder 3">
+            <a:extLst>
+              <a:ext uri="{FF2B5EF4-FFF2-40B4-BE49-F238E27FC236}">
+                <a16:creationId xmlns:a16="http://schemas.microsoft.com/office/drawing/2014/main" id="{68FE5F9E-306D-2912-336C-A03FC29FF55A}"/>
+              </a:ext>
+            </a:extLst>
+          </p:cNvPr>
+          <p:cNvSpPr>
+            <a:spLocks noGrp="1"/>
+          </p:cNvSpPr>
+          <p:nvPr>
+            <p:ph type="ftr" sz="quarter" idx="11"/>
+          </p:nvPr>
+        </p:nvSpPr>
+        <p:spPr>
+          <a:xfrm>
+            <a:off x="9376062" y="6480561"/>
+            <a:ext cx="2410553" cy="304801"/>
+          </a:xfrm>
+        </p:spPr>
+        <p:txBody>
+          <a:bodyPr/>
+          <a:lstStyle/>
+          <a:p>
+            <a:r>
+              <a:rPr lang="en-IN" dirty="0"/>
+              <a:t>Copyright by LIVIS AI 20-09-2025</a:t>
+            </a:r>
+          </a:p>
+        </p:txBody>
+      </p:sp>
     </p:spTree>
     <p:extLst>
       <p:ext uri="{BB962C8B-B14F-4D97-AF65-F5344CB8AC3E}">
@@ -9104,63 +12037,6 @@
       </p:sp>
       <p:sp>
         <p:nvSpPr>
-          <p:cNvPr id="5" name="Date Placeholder 4">
-            <a:extLst>
-              <a:ext uri="{FF2B5EF4-FFF2-40B4-BE49-F238E27FC236}">
-                <a16:creationId xmlns:a16="http://schemas.microsoft.com/office/drawing/2014/main" id="{BAF6F87C-1DD0-7F79-2FA1-76F5AE6E9B47}"/>
-              </a:ext>
-            </a:extLst>
-          </p:cNvPr>
-          <p:cNvSpPr>
-            <a:spLocks noGrp="1"/>
-          </p:cNvSpPr>
-          <p:nvPr>
-            <p:ph type="dt" sz="half" idx="10"/>
-          </p:nvPr>
-        </p:nvSpPr>
-        <p:spPr/>
-        <p:txBody>
-          <a:bodyPr/>
-          <a:lstStyle/>
-          <a:p>
-            <a:fld id="{C1ED1E2B-21EF-459E-91F5-74AE41765BFC}" type="datetime1">
-              <a:rPr lang="en-IN" smtClean="0"/>
-              <a:t>20-09-2025</a:t>
-            </a:fld>
-            <a:endParaRPr lang="en-IN"/>
-          </a:p>
-        </p:txBody>
-      </p:sp>
-      <p:sp>
-        <p:nvSpPr>
-          <p:cNvPr id="4" name="Footer Placeholder 3">
-            <a:extLst>
-              <a:ext uri="{FF2B5EF4-FFF2-40B4-BE49-F238E27FC236}">
-                <a16:creationId xmlns:a16="http://schemas.microsoft.com/office/drawing/2014/main" id="{F8504A56-C7B3-E5CE-07E4-578B2C8FA31C}"/>
-              </a:ext>
-            </a:extLst>
-          </p:cNvPr>
-          <p:cNvSpPr>
-            <a:spLocks noGrp="1"/>
-          </p:cNvSpPr>
-          <p:nvPr>
-            <p:ph type="ftr" sz="quarter" idx="11"/>
-          </p:nvPr>
-        </p:nvSpPr>
-        <p:spPr/>
-        <p:txBody>
-          <a:bodyPr/>
-          <a:lstStyle/>
-          <a:p>
-            <a:r>
-              <a:rPr lang="en-IN"/>
-              <a:t>Copyright by LIVS AI</a:t>
-            </a:r>
-          </a:p>
-        </p:txBody>
-      </p:sp>
-      <p:sp>
-        <p:nvSpPr>
           <p:cNvPr id="6" name="Slide Number Placeholder 5">
             <a:extLst>
               <a:ext uri="{FF2B5EF4-FFF2-40B4-BE49-F238E27FC236}">
@@ -9288,7 +12164,7 @@
             <a:r>
               <a:rPr lang="en-US" b="1" dirty="0">
                 <a:solidFill>
-                  <a:schemeClr val="bg1"/>
+                  <a:schemeClr val="tx1"/>
                 </a:solidFill>
               </a:rPr>
               <a:t>Feb 2022 to  Feb 2024</a:t>
@@ -9487,6 +12363,39 @@
             <a:r>
               <a:rPr lang="en-US" dirty="0"/>
               <a:t>Training and Validation</a:t>
+            </a:r>
+          </a:p>
+        </p:txBody>
+      </p:sp>
+      <p:sp>
+        <p:nvSpPr>
+          <p:cNvPr id="11" name="Footer Placeholder 3">
+            <a:extLst>
+              <a:ext uri="{FF2B5EF4-FFF2-40B4-BE49-F238E27FC236}">
+                <a16:creationId xmlns:a16="http://schemas.microsoft.com/office/drawing/2014/main" id="{ED73D36A-9F49-7B15-43F5-F3777B34F9AD}"/>
+              </a:ext>
+            </a:extLst>
+          </p:cNvPr>
+          <p:cNvSpPr>
+            <a:spLocks noGrp="1"/>
+          </p:cNvSpPr>
+          <p:nvPr>
+            <p:ph type="ftr" sz="quarter" idx="11"/>
+          </p:nvPr>
+        </p:nvSpPr>
+        <p:spPr>
+          <a:xfrm>
+            <a:off x="9376062" y="6480561"/>
+            <a:ext cx="2410553" cy="304801"/>
+          </a:xfrm>
+        </p:spPr>
+        <p:txBody>
+          <a:bodyPr/>
+          <a:lstStyle/>
+          <a:p>
+            <a:r>
+              <a:rPr lang="en-IN" dirty="0"/>
+              <a:t>Copyright by LIVIS AI 20-09-2025</a:t>
             </a:r>
           </a:p>
         </p:txBody>
@@ -9570,63 +12479,6 @@
       </p:sp>
       <p:sp>
         <p:nvSpPr>
-          <p:cNvPr id="5" name="Date Placeholder 4">
-            <a:extLst>
-              <a:ext uri="{FF2B5EF4-FFF2-40B4-BE49-F238E27FC236}">
-                <a16:creationId xmlns:a16="http://schemas.microsoft.com/office/drawing/2014/main" id="{F3D1A458-59E5-6430-4D6B-AB2146CF8529}"/>
-              </a:ext>
-            </a:extLst>
-          </p:cNvPr>
-          <p:cNvSpPr>
-            <a:spLocks noGrp="1"/>
-          </p:cNvSpPr>
-          <p:nvPr>
-            <p:ph type="dt" sz="half" idx="10"/>
-          </p:nvPr>
-        </p:nvSpPr>
-        <p:spPr/>
-        <p:txBody>
-          <a:bodyPr/>
-          <a:lstStyle/>
-          <a:p>
-            <a:fld id="{C1ED1E2B-21EF-459E-91F5-74AE41765BFC}" type="datetime1">
-              <a:rPr lang="en-IN" smtClean="0"/>
-              <a:t>20-09-2025</a:t>
-            </a:fld>
-            <a:endParaRPr lang="en-IN"/>
-          </a:p>
-        </p:txBody>
-      </p:sp>
-      <p:sp>
-        <p:nvSpPr>
-          <p:cNvPr id="4" name="Footer Placeholder 3">
-            <a:extLst>
-              <a:ext uri="{FF2B5EF4-FFF2-40B4-BE49-F238E27FC236}">
-                <a16:creationId xmlns:a16="http://schemas.microsoft.com/office/drawing/2014/main" id="{2EE5A7F4-6FEB-B27B-50FA-57AC19424C89}"/>
-              </a:ext>
-            </a:extLst>
-          </p:cNvPr>
-          <p:cNvSpPr>
-            <a:spLocks noGrp="1"/>
-          </p:cNvSpPr>
-          <p:nvPr>
-            <p:ph type="ftr" sz="quarter" idx="11"/>
-          </p:nvPr>
-        </p:nvSpPr>
-        <p:spPr/>
-        <p:txBody>
-          <a:bodyPr/>
-          <a:lstStyle/>
-          <a:p>
-            <a:r>
-              <a:rPr lang="en-IN"/>
-              <a:t>Copyright by LIVS AI</a:t>
-            </a:r>
-          </a:p>
-        </p:txBody>
-      </p:sp>
-      <p:sp>
-        <p:nvSpPr>
           <p:cNvPr id="6" name="Slide Number Placeholder 5">
             <a:extLst>
               <a:ext uri="{FF2B5EF4-FFF2-40B4-BE49-F238E27FC236}">
@@ -9684,6 +12536,39 @@
           </a:prstGeom>
         </p:spPr>
       </p:pic>
+      <p:sp>
+        <p:nvSpPr>
+          <p:cNvPr id="3" name="Footer Placeholder 3">
+            <a:extLst>
+              <a:ext uri="{FF2B5EF4-FFF2-40B4-BE49-F238E27FC236}">
+                <a16:creationId xmlns:a16="http://schemas.microsoft.com/office/drawing/2014/main" id="{4D440FD2-D819-F741-F78C-97726E24AB2F}"/>
+              </a:ext>
+            </a:extLst>
+          </p:cNvPr>
+          <p:cNvSpPr>
+            <a:spLocks noGrp="1"/>
+          </p:cNvSpPr>
+          <p:nvPr>
+            <p:ph type="ftr" sz="quarter" idx="11"/>
+          </p:nvPr>
+        </p:nvSpPr>
+        <p:spPr>
+          <a:xfrm>
+            <a:off x="9376062" y="6480561"/>
+            <a:ext cx="2410553" cy="304801"/>
+          </a:xfrm>
+        </p:spPr>
+        <p:txBody>
+          <a:bodyPr/>
+          <a:lstStyle/>
+          <a:p>
+            <a:r>
+              <a:rPr lang="en-IN" dirty="0"/>
+              <a:t>Copyright by LIVIS AI 20-09-2025</a:t>
+            </a:r>
+          </a:p>
+        </p:txBody>
+      </p:sp>
     </p:spTree>
     <p:extLst>
       <p:ext uri="{BB962C8B-B14F-4D97-AF65-F5344CB8AC3E}">
@@ -9782,7 +12667,7 @@
           <a:bodyPr/>
           <a:lstStyle/>
           <a:p>
-            <a:fld id="{F7FC7C2F-0397-4C77-9E20-6C0CDAC96FE8}" type="datetime1">
+            <a:fld id="{A36C01BD-8DF3-4AF2-A2B8-7CBFE7366A28}" type="datetime1">
               <a:rPr lang="en-IN" smtClean="0"/>
               <a:t>20-09-2025</a:t>
             </a:fld>
@@ -9813,7 +12698,7 @@
           <a:p>
             <a:r>
               <a:rPr lang="en-IN"/>
-              <a:t>Copyright by LIVS AI</a:t>
+              <a:t>Copyright by LIVIS AI</a:t>
             </a:r>
           </a:p>
         </p:txBody>
@@ -9907,6 +12792,138 @@
           </a:prstGeom>
         </p:spPr>
       </p:pic>
+      <p:sp>
+        <p:nvSpPr>
+          <p:cNvPr id="3" name="Footer Placeholder 3">
+            <a:extLst>
+              <a:ext uri="{FF2B5EF4-FFF2-40B4-BE49-F238E27FC236}">
+                <a16:creationId xmlns:a16="http://schemas.microsoft.com/office/drawing/2014/main" id="{C07856D2-554E-8FEF-C93C-D51F594CCEAC}"/>
+              </a:ext>
+            </a:extLst>
+          </p:cNvPr>
+          <p:cNvSpPr txBox="1">
+            <a:spLocks/>
+          </p:cNvSpPr>
+          <p:nvPr/>
+        </p:nvSpPr>
+        <p:spPr>
+          <a:xfrm>
+            <a:off x="9376062" y="6480561"/>
+            <a:ext cx="2410553" cy="304801"/>
+          </a:xfrm>
+          <a:prstGeom prst="rect">
+            <a:avLst/>
+          </a:prstGeom>
+        </p:spPr>
+        <p:txBody>
+          <a:bodyPr vert="horz" lIns="91440" tIns="45720" rIns="91440" bIns="45720" rtlCol="0" anchor="b"/>
+          <a:lstStyle>
+            <a:defPPr>
+              <a:defRPr lang="en-US"/>
+            </a:defPPr>
+            <a:lvl1pPr marL="0" algn="l" defTabSz="457200" rtl="0" eaLnBrk="1" latinLnBrk="0" hangingPunct="1">
+              <a:defRPr sz="1100" b="0" i="0" kern="1200">
+                <a:solidFill>
+                  <a:schemeClr val="tx1">
+                    <a:tint val="75000"/>
+                    <a:alpha val="60000"/>
+                  </a:schemeClr>
+                </a:solidFill>
+                <a:latin typeface="+mn-lt"/>
+                <a:ea typeface="+mn-ea"/>
+                <a:cs typeface="+mn-cs"/>
+              </a:defRPr>
+            </a:lvl1pPr>
+            <a:lvl2pPr marL="457200" algn="l" defTabSz="457200" rtl="0" eaLnBrk="1" latinLnBrk="0" hangingPunct="1">
+              <a:defRPr sz="1800" kern="1200">
+                <a:solidFill>
+                  <a:schemeClr val="tx1"/>
+                </a:solidFill>
+                <a:latin typeface="+mn-lt"/>
+                <a:ea typeface="+mn-ea"/>
+                <a:cs typeface="+mn-cs"/>
+              </a:defRPr>
+            </a:lvl2pPr>
+            <a:lvl3pPr marL="914400" algn="l" defTabSz="457200" rtl="0" eaLnBrk="1" latinLnBrk="0" hangingPunct="1">
+              <a:defRPr sz="1800" kern="1200">
+                <a:solidFill>
+                  <a:schemeClr val="tx1"/>
+                </a:solidFill>
+                <a:latin typeface="+mn-lt"/>
+                <a:ea typeface="+mn-ea"/>
+                <a:cs typeface="+mn-cs"/>
+              </a:defRPr>
+            </a:lvl3pPr>
+            <a:lvl4pPr marL="1371600" algn="l" defTabSz="457200" rtl="0" eaLnBrk="1" latinLnBrk="0" hangingPunct="1">
+              <a:defRPr sz="1800" kern="1200">
+                <a:solidFill>
+                  <a:schemeClr val="tx1"/>
+                </a:solidFill>
+                <a:latin typeface="+mn-lt"/>
+                <a:ea typeface="+mn-ea"/>
+                <a:cs typeface="+mn-cs"/>
+              </a:defRPr>
+            </a:lvl4pPr>
+            <a:lvl5pPr marL="1828800" algn="l" defTabSz="457200" rtl="0" eaLnBrk="1" latinLnBrk="0" hangingPunct="1">
+              <a:defRPr sz="1800" kern="1200">
+                <a:solidFill>
+                  <a:schemeClr val="tx1"/>
+                </a:solidFill>
+                <a:latin typeface="+mn-lt"/>
+                <a:ea typeface="+mn-ea"/>
+                <a:cs typeface="+mn-cs"/>
+              </a:defRPr>
+            </a:lvl5pPr>
+            <a:lvl6pPr marL="2286000" algn="l" defTabSz="457200" rtl="0" eaLnBrk="1" latinLnBrk="0" hangingPunct="1">
+              <a:defRPr sz="1800" kern="1200">
+                <a:solidFill>
+                  <a:schemeClr val="tx1"/>
+                </a:solidFill>
+                <a:latin typeface="+mn-lt"/>
+                <a:ea typeface="+mn-ea"/>
+                <a:cs typeface="+mn-cs"/>
+              </a:defRPr>
+            </a:lvl6pPr>
+            <a:lvl7pPr marL="2743200" algn="l" defTabSz="457200" rtl="0" eaLnBrk="1" latinLnBrk="0" hangingPunct="1">
+              <a:defRPr sz="1800" kern="1200">
+                <a:solidFill>
+                  <a:schemeClr val="tx1"/>
+                </a:solidFill>
+                <a:latin typeface="+mn-lt"/>
+                <a:ea typeface="+mn-ea"/>
+                <a:cs typeface="+mn-cs"/>
+              </a:defRPr>
+            </a:lvl7pPr>
+            <a:lvl8pPr marL="3200400" algn="l" defTabSz="457200" rtl="0" eaLnBrk="1" latinLnBrk="0" hangingPunct="1">
+              <a:defRPr sz="1800" kern="1200">
+                <a:solidFill>
+                  <a:schemeClr val="tx1"/>
+                </a:solidFill>
+                <a:latin typeface="+mn-lt"/>
+                <a:ea typeface="+mn-ea"/>
+                <a:cs typeface="+mn-cs"/>
+              </a:defRPr>
+            </a:lvl8pPr>
+            <a:lvl9pPr marL="3657600" algn="l" defTabSz="457200" rtl="0" eaLnBrk="1" latinLnBrk="0" hangingPunct="1">
+              <a:defRPr sz="1800" kern="1200">
+                <a:solidFill>
+                  <a:schemeClr val="tx1"/>
+                </a:solidFill>
+                <a:latin typeface="+mn-lt"/>
+                <a:ea typeface="+mn-ea"/>
+                <a:cs typeface="+mn-cs"/>
+              </a:defRPr>
+            </a:lvl9pPr>
+          </a:lstStyle>
+          <a:p>
+            <a:r>
+              <a:rPr lang="en-IN"/>
+              <a:t>Copyright by LIVIS AI 20-09-2025</a:t>
+            </a:r>
+            <a:endParaRPr lang="en-IN" dirty="0"/>
+          </a:p>
+        </p:txBody>
+      </p:sp>
     </p:spTree>
     <p:extLst>
       <p:ext uri="{BB962C8B-B14F-4D97-AF65-F5344CB8AC3E}">
@@ -9986,63 +13003,6 @@
       </p:sp>
       <p:sp>
         <p:nvSpPr>
-          <p:cNvPr id="5" name="Date Placeholder 4">
-            <a:extLst>
-              <a:ext uri="{FF2B5EF4-FFF2-40B4-BE49-F238E27FC236}">
-                <a16:creationId xmlns:a16="http://schemas.microsoft.com/office/drawing/2014/main" id="{ADF130F6-FCA0-BAA7-A484-25B60DD2B6B9}"/>
-              </a:ext>
-            </a:extLst>
-          </p:cNvPr>
-          <p:cNvSpPr>
-            <a:spLocks noGrp="1"/>
-          </p:cNvSpPr>
-          <p:nvPr>
-            <p:ph type="dt" sz="half" idx="10"/>
-          </p:nvPr>
-        </p:nvSpPr>
-        <p:spPr/>
-        <p:txBody>
-          <a:bodyPr/>
-          <a:lstStyle/>
-          <a:p>
-            <a:fld id="{304818F0-555D-4FFB-A570-8DCD0EE871B3}" type="datetime1">
-              <a:rPr lang="en-IN" smtClean="0"/>
-              <a:t>20-09-2025</a:t>
-            </a:fld>
-            <a:endParaRPr lang="en-IN"/>
-          </a:p>
-        </p:txBody>
-      </p:sp>
-      <p:sp>
-        <p:nvSpPr>
-          <p:cNvPr id="4" name="Footer Placeholder 3">
-            <a:extLst>
-              <a:ext uri="{FF2B5EF4-FFF2-40B4-BE49-F238E27FC236}">
-                <a16:creationId xmlns:a16="http://schemas.microsoft.com/office/drawing/2014/main" id="{75D2267F-6DCB-22E3-A7FA-32BF4FDB975C}"/>
-              </a:ext>
-            </a:extLst>
-          </p:cNvPr>
-          <p:cNvSpPr>
-            <a:spLocks noGrp="1"/>
-          </p:cNvSpPr>
-          <p:nvPr>
-            <p:ph type="ftr" sz="quarter" idx="11"/>
-          </p:nvPr>
-        </p:nvSpPr>
-        <p:spPr/>
-        <p:txBody>
-          <a:bodyPr/>
-          <a:lstStyle/>
-          <a:p>
-            <a:r>
-              <a:rPr lang="en-IN"/>
-              <a:t>Copyright by LIVS AI</a:t>
-            </a:r>
-          </a:p>
-        </p:txBody>
-      </p:sp>
-      <p:sp>
-        <p:nvSpPr>
           <p:cNvPr id="6" name="Slide Number Placeholder 5">
             <a:extLst>
               <a:ext uri="{FF2B5EF4-FFF2-40B4-BE49-F238E27FC236}">
@@ -10100,6 +13060,39 @@
           </a:prstGeom>
         </p:spPr>
       </p:pic>
+      <p:sp>
+        <p:nvSpPr>
+          <p:cNvPr id="3" name="Footer Placeholder 3">
+            <a:extLst>
+              <a:ext uri="{FF2B5EF4-FFF2-40B4-BE49-F238E27FC236}">
+                <a16:creationId xmlns:a16="http://schemas.microsoft.com/office/drawing/2014/main" id="{34B41714-00AF-3D03-0878-4D4A85C6AA41}"/>
+              </a:ext>
+            </a:extLst>
+          </p:cNvPr>
+          <p:cNvSpPr>
+            <a:spLocks noGrp="1"/>
+          </p:cNvSpPr>
+          <p:nvPr>
+            <p:ph type="ftr" sz="quarter" idx="11"/>
+          </p:nvPr>
+        </p:nvSpPr>
+        <p:spPr>
+          <a:xfrm>
+            <a:off x="9376062" y="6480561"/>
+            <a:ext cx="2410553" cy="304801"/>
+          </a:xfrm>
+        </p:spPr>
+        <p:txBody>
+          <a:bodyPr/>
+          <a:lstStyle/>
+          <a:p>
+            <a:r>
+              <a:rPr lang="en-IN" dirty="0"/>
+              <a:t>Copyright by LIVIS AI 20-09-2025</a:t>
+            </a:r>
+          </a:p>
+        </p:txBody>
+      </p:sp>
     </p:spTree>
     <p:extLst>
       <p:ext uri="{BB962C8B-B14F-4D97-AF65-F5344CB8AC3E}">
@@ -10114,58 +13107,91 @@
 </file>
 
 <file path=ppt/theme/theme1.xml><?xml version="1.0" encoding="utf-8"?>
-<a:theme xmlns:a="http://schemas.openxmlformats.org/drawingml/2006/main" name="Parcel">
+<a:theme xmlns:a="http://schemas.openxmlformats.org/drawingml/2006/main" name="Ion">
   <a:themeElements>
-    <a:clrScheme name="Parcel">
+    <a:clrScheme name="Ion">
       <a:dk1>
-        <a:srgbClr val="000000"/>
+        <a:sysClr val="windowText" lastClr="000000"/>
       </a:dk1>
       <a:lt1>
-        <a:srgbClr val="FFFFFF"/>
+        <a:sysClr val="window" lastClr="FFFFFF"/>
       </a:lt1>
       <a:dk2>
-        <a:srgbClr val="4A5356"/>
+        <a:srgbClr val="1E5155"/>
       </a:dk2>
       <a:lt2>
-        <a:srgbClr val="E8E3CE"/>
+        <a:srgbClr val="EBEBEB"/>
       </a:lt2>
       <a:accent1>
-        <a:srgbClr val="F6A21D"/>
+        <a:srgbClr val="B01513"/>
       </a:accent1>
       <a:accent2>
-        <a:srgbClr val="9BAFB5"/>
+        <a:srgbClr val="EA6312"/>
       </a:accent2>
       <a:accent3>
-        <a:srgbClr val="C96731"/>
+        <a:srgbClr val="E6B729"/>
       </a:accent3>
       <a:accent4>
-        <a:srgbClr val="9CA383"/>
+        <a:srgbClr val="6AAC90"/>
       </a:accent4>
       <a:accent5>
-        <a:srgbClr val="87795D"/>
+        <a:srgbClr val="54849A"/>
       </a:accent5>
       <a:accent6>
-        <a:srgbClr val="A0988C"/>
+        <a:srgbClr val="9E5E9B"/>
       </a:accent6>
       <a:hlink>
-        <a:srgbClr val="00B0F0"/>
+        <a:srgbClr val="58C1BA"/>
       </a:hlink>
       <a:folHlink>
-        <a:srgbClr val="738F97"/>
+        <a:srgbClr val="9DFFCB"/>
       </a:folHlink>
     </a:clrScheme>
-    <a:fontScheme name="Parcel">
+    <a:fontScheme name="Ion">
       <a:majorFont>
-        <a:latin typeface="Gill Sans MT" panose="020B0502020104020203"/>
+        <a:latin typeface="Century Gothic" panose="020B0502020202020204"/>
         <a:ea typeface=""/>
         <a:cs typeface=""/>
-        <a:font script="Grek" typeface="Corbel"/>
-        <a:font script="Cyrl" typeface="Corbel"/>
-        <a:font script="Jpan" typeface="HGｺﾞｼｯｸE"/>
-        <a:font script="Hang" typeface="휴먼매직체"/>
-        <a:font script="Hans" typeface="华文中宋"/>
-        <a:font script="Hant" typeface="微軟正黑體"/>
-        <a:font script="Arab" typeface="Majalla UI"/>
+        <a:font script="Jpan" typeface="メイリオ"/>
+        <a:font script="Hang" typeface="맑은 고딕"/>
+        <a:font script="Hans" typeface="宋体"/>
+        <a:font script="Hant" typeface="新細明體"/>
+        <a:font script="Arab" typeface="Times New Roman"/>
+        <a:font script="Hebr" typeface="Times New Roman"/>
+        <a:font script="Thai" typeface="Angsana New"/>
+        <a:font script="Ethi" typeface="Nyala"/>
+        <a:font script="Beng" typeface="Vrinda"/>
+        <a:font script="Gujr" typeface="Shruti"/>
+        <a:font script="Khmr" typeface="MoolBoran"/>
+        <a:font script="Knda" typeface="Tunga"/>
+        <a:font script="Guru" typeface="Raavi"/>
+        <a:font script="Cans" typeface="Euphemia"/>
+        <a:font script="Cher" typeface="Plantagenet Cherokee"/>
+        <a:font script="Yiii" typeface="Microsoft Yi Baiti"/>
+        <a:font script="Tibt" typeface="Microsoft Himalaya"/>
+        <a:font script="Thaa" typeface="MV Boli"/>
+        <a:font script="Deva" typeface="Mangal"/>
+        <a:font script="Telu" typeface="Gautami"/>
+        <a:font script="Taml" typeface="Latha"/>
+        <a:font script="Syrc" typeface="Estrangelo Edessa"/>
+        <a:font script="Orya" typeface="Kalinga"/>
+        <a:font script="Mlym" typeface="Kartika"/>
+        <a:font script="Laoo" typeface="DokChampa"/>
+        <a:font script="Sinh" typeface="Iskoola Pota"/>
+        <a:font script="Mong" typeface="Mongolian Baiti"/>
+        <a:font script="Viet" typeface="Times New Roman"/>
+        <a:font script="Uigh" typeface="Microsoft Uighur"/>
+        <a:font script="Geor" typeface="Sylfaen"/>
+      </a:majorFont>
+      <a:minorFont>
+        <a:latin typeface="Century Gothic" panose="020B0502020202020204"/>
+        <a:ea typeface=""/>
+        <a:cs typeface=""/>
+        <a:font script="Jpan" typeface="メイリオ"/>
+        <a:font script="Hang" typeface="맑은 고딕"/>
+        <a:font script="Hans" typeface="宋体"/>
+        <a:font script="Hant" typeface="新細明體"/>
+        <a:font script="Arab" typeface="Arial"/>
         <a:font script="Hebr" typeface="Arial"/>
         <a:font script="Thai" typeface="Cordia New"/>
         <a:font script="Ethi" typeface="Nyala"/>
@@ -10188,49 +13214,12 @@
         <a:font script="Laoo" typeface="DokChampa"/>
         <a:font script="Sinh" typeface="Iskoola Pota"/>
         <a:font script="Mong" typeface="Mongolian Baiti"/>
-        <a:font script="Viet" typeface="Tahoma"/>
-        <a:font script="Uigh" typeface="Microsoft Uighur"/>
-        <a:font script="Geor" typeface="Sylfaen"/>
-      </a:majorFont>
-      <a:minorFont>
-        <a:latin typeface="Gill Sans MT" panose="020B0502020104020203"/>
-        <a:ea typeface=""/>
-        <a:cs typeface=""/>
-        <a:font script="Grek" typeface="Corbel"/>
-        <a:font script="Cyrl" typeface="Corbel"/>
-        <a:font script="Jpan" typeface="HGｺﾞｼｯｸE"/>
-        <a:font script="Hang" typeface="휴먼매직체"/>
-        <a:font script="Hans" typeface="华文中宋"/>
-        <a:font script="Hant" typeface="微軟正黑體"/>
-        <a:font script="Arab" typeface="Majalla UI"/>
-        <a:font script="Hebr" typeface="Arial"/>
-        <a:font script="Thai" typeface="Cordia New"/>
-        <a:font script="Ethi" typeface="Nyala"/>
-        <a:font script="Beng" typeface="Vrinda"/>
-        <a:font script="Gujr" typeface="Shruti"/>
-        <a:font script="Khmr" typeface="DaunPenh"/>
-        <a:font script="Knda" typeface="Tunga"/>
-        <a:font script="Guru" typeface="Raavi"/>
-        <a:font script="Cans" typeface="Euphemia"/>
-        <a:font script="Cher" typeface="Plantagenet Cherokee"/>
-        <a:font script="Yiii" typeface="Microsoft Yi Baiti"/>
-        <a:font script="Tibt" typeface="Microsoft Himalaya"/>
-        <a:font script="Thaa" typeface="MV Boli"/>
-        <a:font script="Deva" typeface="Mangal"/>
-        <a:font script="Telu" typeface="Gautami"/>
-        <a:font script="Taml" typeface="Latha"/>
-        <a:font script="Syrc" typeface="Estrangelo Edessa"/>
-        <a:font script="Orya" typeface="Kalinga"/>
-        <a:font script="Mlym" typeface="Kartika"/>
-        <a:font script="Laoo" typeface="DokChampa"/>
-        <a:font script="Sinh" typeface="Iskoola Pota"/>
-        <a:font script="Mong" typeface="Mongolian Baiti"/>
-        <a:font script="Viet" typeface="Tahoma"/>
+        <a:font script="Viet" typeface="Arial"/>
         <a:font script="Uigh" typeface="Microsoft Uighur"/>
         <a:font script="Geor" typeface="Sylfaen"/>
       </a:minorFont>
     </a:fontScheme>
-    <a:fmtScheme name="Parcel">
+    <a:fmtScheme name="Ion">
       <a:fillStyleLst>
         <a:solidFill>
           <a:schemeClr val="phClr"/>
@@ -10239,16 +13228,15 @@
           <a:gsLst>
             <a:gs pos="0">
               <a:schemeClr val="phClr">
-                <a:tint val="80000"/>
-                <a:satMod val="107000"/>
-                <a:lumMod val="103000"/>
+                <a:tint val="64000"/>
+                <a:lumMod val="118000"/>
               </a:schemeClr>
             </a:gs>
             <a:gs pos="100000">
               <a:schemeClr val="phClr">
-                <a:tint val="82000"/>
-                <a:satMod val="109000"/>
-                <a:lumMod val="103000"/>
+                <a:tint val="92000"/>
+                <a:alpha val="100000"/>
+                <a:lumMod val="110000"/>
               </a:schemeClr>
             </a:gs>
           </a:gsLst>
@@ -10258,23 +13246,14 @@
           <a:gsLst>
             <a:gs pos="0">
               <a:schemeClr val="phClr">
-                <a:tint val="97000"/>
-                <a:satMod val="100000"/>
-                <a:lumMod val="102000"/>
-              </a:schemeClr>
-            </a:gs>
-            <a:gs pos="50000">
-              <a:schemeClr val="phClr">
-                <a:shade val="100000"/>
-                <a:satMod val="103000"/>
-                <a:lumMod val="100000"/>
+                <a:tint val="98000"/>
+                <a:lumMod val="114000"/>
               </a:schemeClr>
             </a:gs>
             <a:gs pos="100000">
               <a:schemeClr val="phClr">
-                <a:shade val="93000"/>
-                <a:satMod val="110000"/>
-                <a:lumMod val="99000"/>
+                <a:shade val="90000"/>
+                <a:lumMod val="84000"/>
               </a:schemeClr>
             </a:gs>
           </a:gsLst>
@@ -10282,19 +13261,19 @@
         </a:gradFill>
       </a:fillStyleLst>
       <a:lnStyleLst>
-        <a:ln w="6350" cap="flat" cmpd="sng" algn="ctr">
+        <a:ln w="9525" cap="rnd" cmpd="sng" algn="ctr">
           <a:solidFill>
             <a:schemeClr val="phClr"/>
           </a:solidFill>
           <a:prstDash val="solid"/>
         </a:ln>
-        <a:ln w="12700" cap="flat" cmpd="sng" algn="ctr">
+        <a:ln w="19050" cap="rnd" cmpd="sng" algn="ctr">
           <a:solidFill>
             <a:schemeClr val="phClr"/>
           </a:solidFill>
           <a:prstDash val="solid"/>
         </a:ln>
-        <a:ln w="31750" cap="flat" cmpd="sng" algn="ctr">
+        <a:ln w="28575" cap="rnd" cmpd="sng" algn="ctr">
           <a:solidFill>
             <a:schemeClr val="phClr"/>
           </a:solidFill>
@@ -10306,13 +13285,19 @@
           <a:effectLst/>
         </a:effectStyle>
         <a:effectStyle>
-          <a:effectLst/>
+          <a:effectLst>
+            <a:outerShdw blurRad="38100" dist="25400" dir="5400000" rotWithShape="0">
+              <a:srgbClr val="000000">
+                <a:alpha val="45000"/>
+              </a:srgbClr>
+            </a:outerShdw>
+          </a:effectLst>
         </a:effectStyle>
         <a:effectStyle>
           <a:effectLst>
-            <a:outerShdw blurRad="55880" dist="15240" dir="5400000" algn="ctr" rotWithShape="0">
+            <a:outerShdw blurRad="63500" dist="38100" dir="5400000" rotWithShape="0">
               <a:srgbClr val="000000">
-                <a:alpha val="45000"/>
+                <a:alpha val="60000"/>
               </a:srgbClr>
             </a:outerShdw>
           </a:effectLst>
@@ -10320,9 +13305,9 @@
             <a:camera prst="orthographicFront">
               <a:rot lat="0" lon="0" rev="0"/>
             </a:camera>
-            <a:lightRig rig="brightRoom" dir="tl"/>
+            <a:lightRig rig="threePt" dir="tl"/>
           </a:scene3d>
-          <a:sp3d prstMaterial="dkEdge">
+          <a:sp3d prstMaterial="plastic">
             <a:bevelT w="0" h="0"/>
           </a:sp3d>
         </a:effectStyle>
@@ -10331,35 +13316,49 @@
         <a:solidFill>
           <a:schemeClr val="phClr"/>
         </a:solidFill>
-        <a:solidFill>
-          <a:schemeClr val="phClr">
-            <a:tint val="95000"/>
-            <a:satMod val="170000"/>
-          </a:schemeClr>
-        </a:solidFill>
         <a:gradFill rotWithShape="1">
           <a:gsLst>
             <a:gs pos="0">
               <a:schemeClr val="phClr">
                 <a:tint val="97000"/>
-                <a:shade val="100000"/>
-                <a:satMod val="185000"/>
-                <a:lumMod val="120000"/>
+                <a:hueMod val="88000"/>
+                <a:satMod val="130000"/>
+                <a:lumMod val="124000"/>
               </a:schemeClr>
             </a:gs>
             <a:gs pos="100000">
               <a:schemeClr val="phClr">
                 <a:tint val="96000"/>
-                <a:shade val="95000"/>
-                <a:satMod val="215000"/>
-                <a:lumMod val="80000"/>
+                <a:shade val="88000"/>
+                <a:hueMod val="108000"/>
+                <a:satMod val="164000"/>
+                <a:lumMod val="76000"/>
               </a:schemeClr>
             </a:gs>
           </a:gsLst>
           <a:path path="circle">
-            <a:fillToRect l="50000" t="55000" r="125000" b="100000"/>
+            <a:fillToRect l="45000" t="65000" r="125000" b="100000"/>
           </a:path>
         </a:gradFill>
+        <a:blipFill rotWithShape="1">
+          <a:blip xmlns:r="http://schemas.openxmlformats.org/officeDocument/2006/relationships" r:embed="rId1">
+            <a:duotone>
+              <a:schemeClr val="phClr">
+                <a:shade val="69000"/>
+                <a:hueMod val="108000"/>
+                <a:satMod val="164000"/>
+                <a:lumMod val="74000"/>
+              </a:schemeClr>
+              <a:schemeClr val="phClr">
+                <a:tint val="96000"/>
+                <a:hueMod val="88000"/>
+                <a:satMod val="140000"/>
+                <a:lumMod val="132000"/>
+              </a:schemeClr>
+            </a:duotone>
+          </a:blip>
+          <a:stretch/>
+        </a:blipFill>
       </a:bgFillStyleLst>
     </a:fmtScheme>
   </a:themeElements>
@@ -10367,7 +13366,7 @@
   <a:extraClrSchemeLst/>
   <a:extLst>
     <a:ext uri="{05A4C25C-085E-4340-85A3-A5531E510DB2}">
-      <thm15:themeFamily xmlns:thm15="http://schemas.microsoft.com/office/thememl/2012/main" name="Parcel" id="{8BEC4385-4EB9-4D53-BFB5-0EA123736B6D}" vid="{4DB32801-28C0-48B0-8C1D-A9A58613615A}"/>
+      <thm15:themeFamily xmlns:thm15="http://schemas.microsoft.com/office/thememl/2012/main" name="Ion" id="{B8441ADB-2E43-4AF7-B97A-BD870242C6A8}" vid="{292E63A9-BB86-4E3D-B92A-7223C6510D2E}"/>
     </a:ext>
   </a:extLst>
 </a:theme>
